--- a/content/docs/theory-analysis/istio-locality-load-balancing/images/images.pptx
+++ b/content/docs/theory-analysis/istio-locality-load-balancing/images/images.pptx
@@ -5,13 +5,16 @@
     <p:sldMasterId id="2147483648" r:id="rId1"/>
   </p:sldMasterIdLst>
   <p:notesMasterIdLst>
-    <p:notesMasterId r:id="rId6"/>
+    <p:notesMasterId r:id="rId9"/>
   </p:notesMasterIdLst>
   <p:sldIdLst>
     <p:sldId id="392" r:id="rId2"/>
     <p:sldId id="393" r:id="rId3"/>
-    <p:sldId id="387" r:id="rId4"/>
-    <p:sldId id="391" r:id="rId5"/>
+    <p:sldId id="394" r:id="rId4"/>
+    <p:sldId id="395" r:id="rId5"/>
+    <p:sldId id="396" r:id="rId6"/>
+    <p:sldId id="387" r:id="rId7"/>
+    <p:sldId id="391" r:id="rId8"/>
   </p:sldIdLst>
   <p:sldSz cx="9144000" cy="5143500" type="screen16x9"/>
   <p:notesSz cx="6858000" cy="9144000"/>
@@ -228,7 +231,7 @@
           <a:p>
             <a:fld id="{6CD5550B-26C4-49A9-A5BA-636EF7BE6CE9}" type="datetimeFigureOut">
               <a:rPr lang="ko-KR" altLang="en-US" smtClean="0"/>
-              <a:t>2025. 9. 7.</a:t>
+              <a:t>2025. 9. 9.</a:t>
             </a:fld>
             <a:endParaRPr lang="ko-KR" altLang="en-US"/>
           </a:p>
@@ -674,7 +677,7 @@
           <a:p>
             <a:fld id="{FB30EDBD-1C2D-4C1E-B459-B60219FAB484}" type="datetimeFigureOut">
               <a:rPr lang="ko-KR" altLang="en-US" smtClean="0"/>
-              <a:t>2025. 9. 7.</a:t>
+              <a:t>2025. 9. 9.</a:t>
             </a:fld>
             <a:endParaRPr lang="ko-KR" altLang="en-US"/>
           </a:p>
@@ -837,7 +840,7 @@
           <a:p>
             <a:fld id="{FB30EDBD-1C2D-4C1E-B459-B60219FAB484}" type="datetimeFigureOut">
               <a:rPr lang="ko-KR" altLang="en-US" smtClean="0"/>
-              <a:t>2025. 9. 7.</a:t>
+              <a:t>2025. 9. 9.</a:t>
             </a:fld>
             <a:endParaRPr lang="ko-KR" altLang="en-US"/>
           </a:p>
@@ -1010,7 +1013,7 @@
           <a:p>
             <a:fld id="{FB30EDBD-1C2D-4C1E-B459-B60219FAB484}" type="datetimeFigureOut">
               <a:rPr lang="ko-KR" altLang="en-US" smtClean="0"/>
-              <a:t>2025. 9. 7.</a:t>
+              <a:t>2025. 9. 9.</a:t>
             </a:fld>
             <a:endParaRPr lang="ko-KR" altLang="en-US"/>
           </a:p>
@@ -1173,7 +1176,7 @@
           <a:p>
             <a:fld id="{FB30EDBD-1C2D-4C1E-B459-B60219FAB484}" type="datetimeFigureOut">
               <a:rPr lang="ko-KR" altLang="en-US" smtClean="0"/>
-              <a:t>2025. 9. 7.</a:t>
+              <a:t>2025. 9. 9.</a:t>
             </a:fld>
             <a:endParaRPr lang="ko-KR" altLang="en-US"/>
           </a:p>
@@ -1413,7 +1416,7 @@
           <a:p>
             <a:fld id="{FB30EDBD-1C2D-4C1E-B459-B60219FAB484}" type="datetimeFigureOut">
               <a:rPr lang="ko-KR" altLang="en-US" smtClean="0"/>
-              <a:t>2025. 9. 7.</a:t>
+              <a:t>2025. 9. 9.</a:t>
             </a:fld>
             <a:endParaRPr lang="ko-KR" altLang="en-US"/>
           </a:p>
@@ -1693,7 +1696,7 @@
           <a:p>
             <a:fld id="{FB30EDBD-1C2D-4C1E-B459-B60219FAB484}" type="datetimeFigureOut">
               <a:rPr lang="ko-KR" altLang="en-US" smtClean="0"/>
-              <a:t>2025. 9. 7.</a:t>
+              <a:t>2025. 9. 9.</a:t>
             </a:fld>
             <a:endParaRPr lang="ko-KR" altLang="en-US"/>
           </a:p>
@@ -2107,7 +2110,7 @@
           <a:p>
             <a:fld id="{FB30EDBD-1C2D-4C1E-B459-B60219FAB484}" type="datetimeFigureOut">
               <a:rPr lang="ko-KR" altLang="en-US" smtClean="0"/>
-              <a:t>2025. 9. 7.</a:t>
+              <a:t>2025. 9. 9.</a:t>
             </a:fld>
             <a:endParaRPr lang="ko-KR" altLang="en-US"/>
           </a:p>
@@ -2219,7 +2222,7 @@
           <a:p>
             <a:fld id="{FB30EDBD-1C2D-4C1E-B459-B60219FAB484}" type="datetimeFigureOut">
               <a:rPr lang="ko-KR" altLang="en-US" smtClean="0"/>
-              <a:t>2025. 9. 7.</a:t>
+              <a:t>2025. 9. 9.</a:t>
             </a:fld>
             <a:endParaRPr lang="ko-KR" altLang="en-US"/>
           </a:p>
@@ -2309,7 +2312,7 @@
           <a:p>
             <a:fld id="{FB30EDBD-1C2D-4C1E-B459-B60219FAB484}" type="datetimeFigureOut">
               <a:rPr lang="ko-KR" altLang="en-US" smtClean="0"/>
-              <a:t>2025. 9. 7.</a:t>
+              <a:t>2025. 9. 9.</a:t>
             </a:fld>
             <a:endParaRPr lang="ko-KR" altLang="en-US"/>
           </a:p>
@@ -2579,7 +2582,7 @@
           <a:p>
             <a:fld id="{FB30EDBD-1C2D-4C1E-B459-B60219FAB484}" type="datetimeFigureOut">
               <a:rPr lang="ko-KR" altLang="en-US" smtClean="0"/>
-              <a:t>2025. 9. 7.</a:t>
+              <a:t>2025. 9. 9.</a:t>
             </a:fld>
             <a:endParaRPr lang="ko-KR" altLang="en-US"/>
           </a:p>
@@ -2826,7 +2829,7 @@
           <a:p>
             <a:fld id="{FB30EDBD-1C2D-4C1E-B459-B60219FAB484}" type="datetimeFigureOut">
               <a:rPr lang="ko-KR" altLang="en-US" smtClean="0"/>
-              <a:t>2025. 9. 7.</a:t>
+              <a:t>2025. 9. 9.</a:t>
             </a:fld>
             <a:endParaRPr lang="ko-KR" altLang="en-US"/>
           </a:p>
@@ -3032,7 +3035,7 @@
           <a:p>
             <a:fld id="{FB30EDBD-1C2D-4C1E-B459-B60219FAB484}" type="datetimeFigureOut">
               <a:rPr lang="ko-KR" altLang="en-US" smtClean="0"/>
-              <a:t>2025. 9. 7.</a:t>
+              <a:t>2025. 9. 9.</a:t>
             </a:fld>
             <a:endParaRPr lang="ko-KR" altLang="en-US"/>
           </a:p>
@@ -6410,6 +6413,3906 @@
       </p:grpSpPr>
       <p:sp>
         <p:nvSpPr>
+          <p:cNvPr id="19" name="사각형: 둥근 모서리 29">
+            <a:extLst>
+              <a:ext uri="{FF2B5EF4-FFF2-40B4-BE49-F238E27FC236}">
+                <a16:creationId xmlns:a16="http://schemas.microsoft.com/office/drawing/2014/main" id="{ACD14712-953B-4B41-9FE2-C7701A81A58D}"/>
+              </a:ext>
+            </a:extLst>
+          </p:cNvPr>
+          <p:cNvSpPr/>
+          <p:nvPr/>
+        </p:nvSpPr>
+        <p:spPr>
+          <a:xfrm>
+            <a:off x="827584" y="2182482"/>
+            <a:ext cx="1639925" cy="2217672"/>
+          </a:xfrm>
+          <a:prstGeom prst="roundRect">
+            <a:avLst>
+              <a:gd name="adj" fmla="val 7396"/>
+            </a:avLst>
+          </a:prstGeom>
+          <a:ln w="12700"/>
+        </p:spPr>
+        <p:style>
+          <a:lnRef idx="2">
+            <a:schemeClr val="dk1"/>
+          </a:lnRef>
+          <a:fillRef idx="1">
+            <a:schemeClr val="lt1"/>
+          </a:fillRef>
+          <a:effectRef idx="0">
+            <a:schemeClr val="dk1"/>
+          </a:effectRef>
+          <a:fontRef idx="minor">
+            <a:schemeClr val="dk1"/>
+          </a:fontRef>
+        </p:style>
+        <p:txBody>
+          <a:bodyPr rtlCol="0" anchor="b"/>
+          <a:lstStyle/>
+          <a:p>
+            <a:pPr algn="ctr"/>
+            <a:r>
+              <a:rPr lang="en-US" altLang="ko-KR" sz="900" b="1"/>
+              <a:t>region : kr, zone : a </a:t>
+            </a:r>
+          </a:p>
+          <a:p>
+            <a:pPr algn="ctr"/>
+            <a:r>
+              <a:rPr lang="en-US" altLang="ko-KR" sz="900"/>
+              <a:t>Worker Node 1</a:t>
+            </a:r>
+            <a:endParaRPr lang="ko-KR" altLang="en-US" sz="900"/>
+          </a:p>
+        </p:txBody>
+      </p:sp>
+      <p:sp>
+        <p:nvSpPr>
+          <p:cNvPr id="26" name="사각형: 둥근 모서리 29">
+            <a:extLst>
+              <a:ext uri="{FF2B5EF4-FFF2-40B4-BE49-F238E27FC236}">
+                <a16:creationId xmlns:a16="http://schemas.microsoft.com/office/drawing/2014/main" id="{DD7C8ABF-CB2D-3143-983E-92F0F058294C}"/>
+              </a:ext>
+            </a:extLst>
+          </p:cNvPr>
+          <p:cNvSpPr/>
+          <p:nvPr/>
+        </p:nvSpPr>
+        <p:spPr>
+          <a:xfrm>
+            <a:off x="919536" y="3134909"/>
+            <a:ext cx="1452797" cy="864096"/>
+          </a:xfrm>
+          <a:prstGeom prst="roundRect">
+            <a:avLst>
+              <a:gd name="adj" fmla="val 11707"/>
+            </a:avLst>
+          </a:prstGeom>
+          <a:ln w="12700">
+            <a:prstDash val="solid"/>
+          </a:ln>
+        </p:spPr>
+        <p:style>
+          <a:lnRef idx="2">
+            <a:schemeClr val="dk1"/>
+          </a:lnRef>
+          <a:fillRef idx="1">
+            <a:schemeClr val="lt1"/>
+          </a:fillRef>
+          <a:effectRef idx="0">
+            <a:schemeClr val="dk1"/>
+          </a:effectRef>
+          <a:fontRef idx="minor">
+            <a:schemeClr val="dk1"/>
+          </a:fontRef>
+        </p:style>
+        <p:txBody>
+          <a:bodyPr rtlCol="0" anchor="b"/>
+          <a:lstStyle/>
+          <a:p>
+            <a:pPr algn="ctr"/>
+            <a:r>
+              <a:rPr lang="en-US" altLang="ko-KR" sz="900" b="1"/>
+              <a:t>helloworld-kr-a</a:t>
+            </a:r>
+            <a:r>
+              <a:rPr lang="en-US" altLang="ko-KR" sz="900"/>
+              <a:t> </a:t>
+            </a:r>
+          </a:p>
+          <a:p>
+            <a:pPr algn="ctr"/>
+            <a:r>
+              <a:rPr lang="en-US" altLang="ko-KR" sz="900"/>
+              <a:t>Deployment</a:t>
+            </a:r>
+            <a:endParaRPr lang="ko-KR" altLang="en-US" sz="900"/>
+          </a:p>
+        </p:txBody>
+      </p:sp>
+      <p:sp>
+        <p:nvSpPr>
+          <p:cNvPr id="71" name="사각형: 둥근 모서리 29">
+            <a:extLst>
+              <a:ext uri="{FF2B5EF4-FFF2-40B4-BE49-F238E27FC236}">
+                <a16:creationId xmlns:a16="http://schemas.microsoft.com/office/drawing/2014/main" id="{77A98D48-BB79-0C4D-A5C4-BE111D7DBA22}"/>
+              </a:ext>
+            </a:extLst>
+          </p:cNvPr>
+          <p:cNvSpPr/>
+          <p:nvPr/>
+        </p:nvSpPr>
+        <p:spPr>
+          <a:xfrm>
+            <a:off x="919535" y="2274499"/>
+            <a:ext cx="1452797" cy="360040"/>
+          </a:xfrm>
+          <a:prstGeom prst="roundRect">
+            <a:avLst>
+              <a:gd name="adj" fmla="val 17374"/>
+            </a:avLst>
+          </a:prstGeom>
+          <a:ln w="12700"/>
+        </p:spPr>
+        <p:style>
+          <a:lnRef idx="2">
+            <a:schemeClr val="dk1"/>
+          </a:lnRef>
+          <a:fillRef idx="1">
+            <a:schemeClr val="lt1"/>
+          </a:fillRef>
+          <a:effectRef idx="0">
+            <a:schemeClr val="dk1"/>
+          </a:effectRef>
+          <a:fontRef idx="minor">
+            <a:schemeClr val="dk1"/>
+          </a:fontRef>
+        </p:style>
+        <p:txBody>
+          <a:bodyPr rtlCol="0" anchor="ctr"/>
+          <a:lstStyle/>
+          <a:p>
+            <a:pPr algn="ctr"/>
+            <a:r>
+              <a:rPr lang="en-US" altLang="ko-KR" sz="900" b="1"/>
+              <a:t>myshell-kr-a</a:t>
+            </a:r>
+          </a:p>
+          <a:p>
+            <a:pPr algn="ctr"/>
+            <a:r>
+              <a:rPr lang="en-US" altLang="ko-KR" sz="900"/>
+              <a:t>Pod</a:t>
+            </a:r>
+            <a:endParaRPr lang="ko-KR" altLang="en-US" sz="900"/>
+          </a:p>
+        </p:txBody>
+      </p:sp>
+      <p:sp>
+        <p:nvSpPr>
+          <p:cNvPr id="72" name="사각형: 둥근 모서리 29">
+            <a:extLst>
+              <a:ext uri="{FF2B5EF4-FFF2-40B4-BE49-F238E27FC236}">
+                <a16:creationId xmlns:a16="http://schemas.microsoft.com/office/drawing/2014/main" id="{898704CB-2A1E-DF4C-93AD-25D8EEA7D5A1}"/>
+              </a:ext>
+            </a:extLst>
+          </p:cNvPr>
+          <p:cNvSpPr/>
+          <p:nvPr/>
+        </p:nvSpPr>
+        <p:spPr>
+          <a:xfrm>
+            <a:off x="3813467" y="2105299"/>
+            <a:ext cx="1278007" cy="525929"/>
+          </a:xfrm>
+          <a:prstGeom prst="roundRect">
+            <a:avLst>
+              <a:gd name="adj" fmla="val 11707"/>
+            </a:avLst>
+          </a:prstGeom>
+          <a:ln w="12700">
+            <a:prstDash val="solid"/>
+          </a:ln>
+        </p:spPr>
+        <p:style>
+          <a:lnRef idx="2">
+            <a:schemeClr val="dk1"/>
+          </a:lnRef>
+          <a:fillRef idx="1">
+            <a:schemeClr val="lt1"/>
+          </a:fillRef>
+          <a:effectRef idx="0">
+            <a:schemeClr val="dk1"/>
+          </a:effectRef>
+          <a:fontRef idx="minor">
+            <a:schemeClr val="dk1"/>
+          </a:fontRef>
+        </p:style>
+        <p:txBody>
+          <a:bodyPr rtlCol="0" anchor="ctr"/>
+          <a:lstStyle/>
+          <a:p>
+            <a:pPr algn="ctr"/>
+            <a:r>
+              <a:rPr lang="en-US" altLang="ko-KR" sz="900" b="1"/>
+              <a:t>helloworld</a:t>
+            </a:r>
+            <a:r>
+              <a:rPr lang="en-US" altLang="ko-KR" sz="900"/>
+              <a:t> </a:t>
+            </a:r>
+          </a:p>
+          <a:p>
+            <a:pPr algn="ctr"/>
+            <a:r>
+              <a:rPr lang="en-US" altLang="ko-KR" sz="900"/>
+              <a:t>Service</a:t>
+            </a:r>
+            <a:endParaRPr lang="ko-KR" altLang="en-US" sz="900"/>
+          </a:p>
+        </p:txBody>
+      </p:sp>
+      <p:sp>
+        <p:nvSpPr>
+          <p:cNvPr id="41" name="사각형: 둥근 모서리 29">
+            <a:extLst>
+              <a:ext uri="{FF2B5EF4-FFF2-40B4-BE49-F238E27FC236}">
+                <a16:creationId xmlns:a16="http://schemas.microsoft.com/office/drawing/2014/main" id="{3748AC52-7892-894C-B5FD-CCDE824A9549}"/>
+              </a:ext>
+            </a:extLst>
+          </p:cNvPr>
+          <p:cNvSpPr/>
+          <p:nvPr/>
+        </p:nvSpPr>
+        <p:spPr>
+          <a:xfrm>
+            <a:off x="2699792" y="3032672"/>
+            <a:ext cx="1639925" cy="1367777"/>
+          </a:xfrm>
+          <a:prstGeom prst="roundRect">
+            <a:avLst>
+              <a:gd name="adj" fmla="val 7396"/>
+            </a:avLst>
+          </a:prstGeom>
+          <a:ln w="12700"/>
+        </p:spPr>
+        <p:style>
+          <a:lnRef idx="2">
+            <a:schemeClr val="dk1"/>
+          </a:lnRef>
+          <a:fillRef idx="1">
+            <a:schemeClr val="lt1"/>
+          </a:fillRef>
+          <a:effectRef idx="0">
+            <a:schemeClr val="dk1"/>
+          </a:effectRef>
+          <a:fontRef idx="minor">
+            <a:schemeClr val="dk1"/>
+          </a:fontRef>
+        </p:style>
+        <p:txBody>
+          <a:bodyPr rtlCol="0" anchor="b"/>
+          <a:lstStyle/>
+          <a:p>
+            <a:pPr algn="ctr"/>
+            <a:r>
+              <a:rPr lang="en-US" altLang="ko-KR" sz="900" b="1"/>
+              <a:t>region : kr, zone : b </a:t>
+            </a:r>
+          </a:p>
+          <a:p>
+            <a:pPr algn="ctr"/>
+            <a:r>
+              <a:rPr lang="en-US" altLang="ko-KR" sz="900"/>
+              <a:t>Worker Node 2</a:t>
+            </a:r>
+            <a:endParaRPr lang="ko-KR" altLang="en-US" sz="900"/>
+          </a:p>
+        </p:txBody>
+      </p:sp>
+      <p:sp>
+        <p:nvSpPr>
+          <p:cNvPr id="42" name="사각형: 둥근 모서리 29">
+            <a:extLst>
+              <a:ext uri="{FF2B5EF4-FFF2-40B4-BE49-F238E27FC236}">
+                <a16:creationId xmlns:a16="http://schemas.microsoft.com/office/drawing/2014/main" id="{E1C11396-D32B-334C-98DA-66126C715FF3}"/>
+              </a:ext>
+            </a:extLst>
+          </p:cNvPr>
+          <p:cNvSpPr/>
+          <p:nvPr/>
+        </p:nvSpPr>
+        <p:spPr>
+          <a:xfrm>
+            <a:off x="2791744" y="3135204"/>
+            <a:ext cx="1452797" cy="864096"/>
+          </a:xfrm>
+          <a:prstGeom prst="roundRect">
+            <a:avLst>
+              <a:gd name="adj" fmla="val 11707"/>
+            </a:avLst>
+          </a:prstGeom>
+          <a:ln w="12700">
+            <a:prstDash val="solid"/>
+          </a:ln>
+        </p:spPr>
+        <p:style>
+          <a:lnRef idx="2">
+            <a:schemeClr val="dk1"/>
+          </a:lnRef>
+          <a:fillRef idx="1">
+            <a:schemeClr val="lt1"/>
+          </a:fillRef>
+          <a:effectRef idx="0">
+            <a:schemeClr val="dk1"/>
+          </a:effectRef>
+          <a:fontRef idx="minor">
+            <a:schemeClr val="dk1"/>
+          </a:fontRef>
+        </p:style>
+        <p:txBody>
+          <a:bodyPr rtlCol="0" anchor="b"/>
+          <a:lstStyle/>
+          <a:p>
+            <a:pPr algn="ctr"/>
+            <a:r>
+              <a:rPr lang="en-US" altLang="ko-KR" sz="900" b="1"/>
+              <a:t>helloworld-kr-b</a:t>
+            </a:r>
+            <a:r>
+              <a:rPr lang="en-US" altLang="ko-KR" sz="900"/>
+              <a:t> </a:t>
+            </a:r>
+          </a:p>
+          <a:p>
+            <a:pPr algn="ctr"/>
+            <a:r>
+              <a:rPr lang="en-US" altLang="ko-KR" sz="900"/>
+              <a:t>Deployment</a:t>
+            </a:r>
+            <a:endParaRPr lang="ko-KR" altLang="en-US" sz="900"/>
+          </a:p>
+        </p:txBody>
+      </p:sp>
+      <p:grpSp>
+        <p:nvGrpSpPr>
+          <p:cNvPr id="43" name="Group 42">
+            <a:extLst>
+              <a:ext uri="{FF2B5EF4-FFF2-40B4-BE49-F238E27FC236}">
+                <a16:creationId xmlns:a16="http://schemas.microsoft.com/office/drawing/2014/main" id="{47E354A4-1FA8-084A-88AB-404EF6D0838F}"/>
+              </a:ext>
+            </a:extLst>
+          </p:cNvPr>
+          <p:cNvGrpSpPr/>
+          <p:nvPr/>
+        </p:nvGrpSpPr>
+        <p:grpSpPr>
+          <a:xfrm>
+            <a:off x="2915425" y="3243215"/>
+            <a:ext cx="1205434" cy="360040"/>
+            <a:chOff x="296560" y="3039802"/>
+            <a:chExt cx="1205434" cy="360040"/>
+          </a:xfrm>
+        </p:grpSpPr>
+        <p:sp>
+          <p:nvSpPr>
+            <p:cNvPr id="44" name="사각형: 둥근 모서리 29">
+              <a:extLst>
+                <a:ext uri="{FF2B5EF4-FFF2-40B4-BE49-F238E27FC236}">
+                  <a16:creationId xmlns:a16="http://schemas.microsoft.com/office/drawing/2014/main" id="{E2117624-F249-ED4A-AF9B-B1E2DDBF269C}"/>
+                </a:ext>
+              </a:extLst>
+            </p:cNvPr>
+            <p:cNvSpPr/>
+            <p:nvPr/>
+          </p:nvSpPr>
+          <p:spPr>
+            <a:xfrm>
+              <a:off x="296560" y="3039802"/>
+              <a:ext cx="547268" cy="360040"/>
+            </a:xfrm>
+            <a:prstGeom prst="roundRect">
+              <a:avLst>
+                <a:gd name="adj" fmla="val 17374"/>
+              </a:avLst>
+            </a:prstGeom>
+            <a:ln w="12700"/>
+          </p:spPr>
+          <p:style>
+            <a:lnRef idx="2">
+              <a:schemeClr val="dk1"/>
+            </a:lnRef>
+            <a:fillRef idx="1">
+              <a:schemeClr val="lt1"/>
+            </a:fillRef>
+            <a:effectRef idx="0">
+              <a:schemeClr val="dk1"/>
+            </a:effectRef>
+            <a:fontRef idx="minor">
+              <a:schemeClr val="dk1"/>
+            </a:fontRef>
+          </p:style>
+          <p:txBody>
+            <a:bodyPr rtlCol="0" anchor="ctr"/>
+            <a:lstStyle/>
+            <a:p>
+              <a:pPr algn="ctr"/>
+              <a:r>
+                <a:rPr lang="en-US" altLang="ko-KR" sz="900"/>
+                <a:t>Pod</a:t>
+              </a:r>
+              <a:endParaRPr lang="ko-KR" altLang="en-US" sz="900"/>
+            </a:p>
+          </p:txBody>
+        </p:sp>
+        <p:sp>
+          <p:nvSpPr>
+            <p:cNvPr id="45" name="사각형: 둥근 모서리 29">
+              <a:extLst>
+                <a:ext uri="{FF2B5EF4-FFF2-40B4-BE49-F238E27FC236}">
+                  <a16:creationId xmlns:a16="http://schemas.microsoft.com/office/drawing/2014/main" id="{BCB29C28-200B-EA4F-9DCC-56CB21EDAA9B}"/>
+                </a:ext>
+              </a:extLst>
+            </p:cNvPr>
+            <p:cNvSpPr/>
+            <p:nvPr/>
+          </p:nvSpPr>
+          <p:spPr>
+            <a:xfrm>
+              <a:off x="954726" y="3039802"/>
+              <a:ext cx="547268" cy="360040"/>
+            </a:xfrm>
+            <a:prstGeom prst="roundRect">
+              <a:avLst>
+                <a:gd name="adj" fmla="val 17374"/>
+              </a:avLst>
+            </a:prstGeom>
+            <a:ln w="12700"/>
+          </p:spPr>
+          <p:style>
+            <a:lnRef idx="2">
+              <a:schemeClr val="dk1"/>
+            </a:lnRef>
+            <a:fillRef idx="1">
+              <a:schemeClr val="lt1"/>
+            </a:fillRef>
+            <a:effectRef idx="0">
+              <a:schemeClr val="dk1"/>
+            </a:effectRef>
+            <a:fontRef idx="minor">
+              <a:schemeClr val="dk1"/>
+            </a:fontRef>
+          </p:style>
+          <p:txBody>
+            <a:bodyPr rtlCol="0" anchor="ctr"/>
+            <a:lstStyle/>
+            <a:p>
+              <a:pPr algn="ctr"/>
+              <a:r>
+                <a:rPr lang="en-US" altLang="ko-KR" sz="900"/>
+                <a:t>Pod</a:t>
+              </a:r>
+              <a:endParaRPr lang="ko-KR" altLang="en-US" sz="900"/>
+            </a:p>
+          </p:txBody>
+        </p:sp>
+      </p:grpSp>
+      <p:sp>
+        <p:nvSpPr>
+          <p:cNvPr id="46" name="사각형: 둥근 모서리 29">
+            <a:extLst>
+              <a:ext uri="{FF2B5EF4-FFF2-40B4-BE49-F238E27FC236}">
+                <a16:creationId xmlns:a16="http://schemas.microsoft.com/office/drawing/2014/main" id="{642E2DCB-20C6-2548-A871-0035F9DCA874}"/>
+              </a:ext>
+            </a:extLst>
+          </p:cNvPr>
+          <p:cNvSpPr/>
+          <p:nvPr/>
+        </p:nvSpPr>
+        <p:spPr>
+          <a:xfrm>
+            <a:off x="4568612" y="3032377"/>
+            <a:ext cx="1639925" cy="1367777"/>
+          </a:xfrm>
+          <a:prstGeom prst="roundRect">
+            <a:avLst>
+              <a:gd name="adj" fmla="val 7396"/>
+            </a:avLst>
+          </a:prstGeom>
+          <a:ln w="12700"/>
+        </p:spPr>
+        <p:style>
+          <a:lnRef idx="2">
+            <a:schemeClr val="dk1"/>
+          </a:lnRef>
+          <a:fillRef idx="1">
+            <a:schemeClr val="lt1"/>
+          </a:fillRef>
+          <a:effectRef idx="0">
+            <a:schemeClr val="dk1"/>
+          </a:effectRef>
+          <a:fontRef idx="minor">
+            <a:schemeClr val="dk1"/>
+          </a:fontRef>
+        </p:style>
+        <p:txBody>
+          <a:bodyPr rtlCol="0" anchor="b"/>
+          <a:lstStyle/>
+          <a:p>
+            <a:pPr algn="ctr"/>
+            <a:r>
+              <a:rPr lang="en-US" altLang="ko-KR" sz="900" b="1"/>
+              <a:t>region : us, zone : a </a:t>
+            </a:r>
+          </a:p>
+          <a:p>
+            <a:pPr algn="ctr"/>
+            <a:r>
+              <a:rPr lang="en-US" altLang="ko-KR" sz="900"/>
+              <a:t>Worker Node 3</a:t>
+            </a:r>
+            <a:endParaRPr lang="ko-KR" altLang="en-US" sz="900"/>
+          </a:p>
+        </p:txBody>
+      </p:sp>
+      <p:sp>
+        <p:nvSpPr>
+          <p:cNvPr id="47" name="사각형: 둥근 모서리 29">
+            <a:extLst>
+              <a:ext uri="{FF2B5EF4-FFF2-40B4-BE49-F238E27FC236}">
+                <a16:creationId xmlns:a16="http://schemas.microsoft.com/office/drawing/2014/main" id="{E6E4D2E0-771E-B342-9DBB-02757D8B83E4}"/>
+              </a:ext>
+            </a:extLst>
+          </p:cNvPr>
+          <p:cNvSpPr/>
+          <p:nvPr/>
+        </p:nvSpPr>
+        <p:spPr>
+          <a:xfrm>
+            <a:off x="4660564" y="3134909"/>
+            <a:ext cx="1452797" cy="864096"/>
+          </a:xfrm>
+          <a:prstGeom prst="roundRect">
+            <a:avLst>
+              <a:gd name="adj" fmla="val 11707"/>
+            </a:avLst>
+          </a:prstGeom>
+          <a:ln w="12700">
+            <a:prstDash val="solid"/>
+          </a:ln>
+        </p:spPr>
+        <p:style>
+          <a:lnRef idx="2">
+            <a:schemeClr val="dk1"/>
+          </a:lnRef>
+          <a:fillRef idx="1">
+            <a:schemeClr val="lt1"/>
+          </a:fillRef>
+          <a:effectRef idx="0">
+            <a:schemeClr val="dk1"/>
+          </a:effectRef>
+          <a:fontRef idx="minor">
+            <a:schemeClr val="dk1"/>
+          </a:fontRef>
+        </p:style>
+        <p:txBody>
+          <a:bodyPr rtlCol="0" anchor="b"/>
+          <a:lstStyle/>
+          <a:p>
+            <a:pPr algn="ctr"/>
+            <a:r>
+              <a:rPr lang="en-US" altLang="ko-KR" sz="900" b="1"/>
+              <a:t>helloworld-us-a</a:t>
+            </a:r>
+            <a:r>
+              <a:rPr lang="en-US" altLang="ko-KR" sz="900"/>
+              <a:t> </a:t>
+            </a:r>
+          </a:p>
+          <a:p>
+            <a:pPr algn="ctr"/>
+            <a:r>
+              <a:rPr lang="en-US" altLang="ko-KR" sz="900"/>
+              <a:t>Deployment</a:t>
+            </a:r>
+            <a:endParaRPr lang="ko-KR" altLang="en-US" sz="900"/>
+          </a:p>
+        </p:txBody>
+      </p:sp>
+      <p:grpSp>
+        <p:nvGrpSpPr>
+          <p:cNvPr id="48" name="Group 47">
+            <a:extLst>
+              <a:ext uri="{FF2B5EF4-FFF2-40B4-BE49-F238E27FC236}">
+                <a16:creationId xmlns:a16="http://schemas.microsoft.com/office/drawing/2014/main" id="{CAB88C70-233E-3942-A59B-C3B13651F0D2}"/>
+              </a:ext>
+            </a:extLst>
+          </p:cNvPr>
+          <p:cNvGrpSpPr/>
+          <p:nvPr/>
+        </p:nvGrpSpPr>
+        <p:grpSpPr>
+          <a:xfrm>
+            <a:off x="4784245" y="3242920"/>
+            <a:ext cx="1205434" cy="360040"/>
+            <a:chOff x="296560" y="3039802"/>
+            <a:chExt cx="1205434" cy="360040"/>
+          </a:xfrm>
+        </p:grpSpPr>
+        <p:sp>
+          <p:nvSpPr>
+            <p:cNvPr id="49" name="사각형: 둥근 모서리 29">
+              <a:extLst>
+                <a:ext uri="{FF2B5EF4-FFF2-40B4-BE49-F238E27FC236}">
+                  <a16:creationId xmlns:a16="http://schemas.microsoft.com/office/drawing/2014/main" id="{04ACA664-60CB-854A-9301-920EB5FD70A8}"/>
+                </a:ext>
+              </a:extLst>
+            </p:cNvPr>
+            <p:cNvSpPr/>
+            <p:nvPr/>
+          </p:nvSpPr>
+          <p:spPr>
+            <a:xfrm>
+              <a:off x="296560" y="3039802"/>
+              <a:ext cx="547268" cy="360040"/>
+            </a:xfrm>
+            <a:prstGeom prst="roundRect">
+              <a:avLst>
+                <a:gd name="adj" fmla="val 17374"/>
+              </a:avLst>
+            </a:prstGeom>
+            <a:ln w="12700"/>
+          </p:spPr>
+          <p:style>
+            <a:lnRef idx="2">
+              <a:schemeClr val="dk1"/>
+            </a:lnRef>
+            <a:fillRef idx="1">
+              <a:schemeClr val="lt1"/>
+            </a:fillRef>
+            <a:effectRef idx="0">
+              <a:schemeClr val="dk1"/>
+            </a:effectRef>
+            <a:fontRef idx="minor">
+              <a:schemeClr val="dk1"/>
+            </a:fontRef>
+          </p:style>
+          <p:txBody>
+            <a:bodyPr rtlCol="0" anchor="ctr"/>
+            <a:lstStyle/>
+            <a:p>
+              <a:pPr algn="ctr"/>
+              <a:r>
+                <a:rPr lang="en-US" altLang="ko-KR" sz="900"/>
+                <a:t>Pod</a:t>
+              </a:r>
+              <a:endParaRPr lang="ko-KR" altLang="en-US" sz="900"/>
+            </a:p>
+          </p:txBody>
+        </p:sp>
+        <p:sp>
+          <p:nvSpPr>
+            <p:cNvPr id="50" name="사각형: 둥근 모서리 29">
+              <a:extLst>
+                <a:ext uri="{FF2B5EF4-FFF2-40B4-BE49-F238E27FC236}">
+                  <a16:creationId xmlns:a16="http://schemas.microsoft.com/office/drawing/2014/main" id="{02E7DD06-53BF-7548-908A-F01D75C9A08E}"/>
+                </a:ext>
+              </a:extLst>
+            </p:cNvPr>
+            <p:cNvSpPr/>
+            <p:nvPr/>
+          </p:nvSpPr>
+          <p:spPr>
+            <a:xfrm>
+              <a:off x="954726" y="3039802"/>
+              <a:ext cx="547268" cy="360040"/>
+            </a:xfrm>
+            <a:prstGeom prst="roundRect">
+              <a:avLst>
+                <a:gd name="adj" fmla="val 17374"/>
+              </a:avLst>
+            </a:prstGeom>
+            <a:ln w="12700"/>
+          </p:spPr>
+          <p:style>
+            <a:lnRef idx="2">
+              <a:schemeClr val="dk1"/>
+            </a:lnRef>
+            <a:fillRef idx="1">
+              <a:schemeClr val="lt1"/>
+            </a:fillRef>
+            <a:effectRef idx="0">
+              <a:schemeClr val="dk1"/>
+            </a:effectRef>
+            <a:fontRef idx="minor">
+              <a:schemeClr val="dk1"/>
+            </a:fontRef>
+          </p:style>
+          <p:txBody>
+            <a:bodyPr rtlCol="0" anchor="ctr"/>
+            <a:lstStyle/>
+            <a:p>
+              <a:pPr algn="ctr"/>
+              <a:r>
+                <a:rPr lang="en-US" altLang="ko-KR" sz="900"/>
+                <a:t>Pod</a:t>
+              </a:r>
+              <a:endParaRPr lang="ko-KR" altLang="en-US" sz="900"/>
+            </a:p>
+          </p:txBody>
+        </p:sp>
+      </p:grpSp>
+      <p:sp>
+        <p:nvSpPr>
+          <p:cNvPr id="51" name="사각형: 둥근 모서리 29">
+            <a:extLst>
+              <a:ext uri="{FF2B5EF4-FFF2-40B4-BE49-F238E27FC236}">
+                <a16:creationId xmlns:a16="http://schemas.microsoft.com/office/drawing/2014/main" id="{5483AB7D-1D0D-6440-83D6-6DFD74FE0587}"/>
+              </a:ext>
+            </a:extLst>
+          </p:cNvPr>
+          <p:cNvSpPr/>
+          <p:nvPr/>
+        </p:nvSpPr>
+        <p:spPr>
+          <a:xfrm>
+            <a:off x="6437432" y="3026053"/>
+            <a:ext cx="1639925" cy="1367777"/>
+          </a:xfrm>
+          <a:prstGeom prst="roundRect">
+            <a:avLst>
+              <a:gd name="adj" fmla="val 7396"/>
+            </a:avLst>
+          </a:prstGeom>
+          <a:ln w="12700"/>
+        </p:spPr>
+        <p:style>
+          <a:lnRef idx="2">
+            <a:schemeClr val="dk1"/>
+          </a:lnRef>
+          <a:fillRef idx="1">
+            <a:schemeClr val="lt1"/>
+          </a:fillRef>
+          <a:effectRef idx="0">
+            <a:schemeClr val="dk1"/>
+          </a:effectRef>
+          <a:fontRef idx="minor">
+            <a:schemeClr val="dk1"/>
+          </a:fontRef>
+        </p:style>
+        <p:txBody>
+          <a:bodyPr rtlCol="0" anchor="b"/>
+          <a:lstStyle/>
+          <a:p>
+            <a:pPr algn="ctr"/>
+            <a:r>
+              <a:rPr lang="en-US" altLang="ko-KR" sz="900" b="1"/>
+              <a:t>region : us, zone : b </a:t>
+            </a:r>
+          </a:p>
+          <a:p>
+            <a:pPr algn="ctr"/>
+            <a:r>
+              <a:rPr lang="en-US" altLang="ko-KR" sz="900"/>
+              <a:t>Worker Node 4</a:t>
+            </a:r>
+            <a:endParaRPr lang="ko-KR" altLang="en-US" sz="900"/>
+          </a:p>
+        </p:txBody>
+      </p:sp>
+      <p:sp>
+        <p:nvSpPr>
+          <p:cNvPr id="52" name="사각형: 둥근 모서리 29">
+            <a:extLst>
+              <a:ext uri="{FF2B5EF4-FFF2-40B4-BE49-F238E27FC236}">
+                <a16:creationId xmlns:a16="http://schemas.microsoft.com/office/drawing/2014/main" id="{AA0210A0-AF36-C149-B7DE-97C34B351542}"/>
+              </a:ext>
+            </a:extLst>
+          </p:cNvPr>
+          <p:cNvSpPr/>
+          <p:nvPr/>
+        </p:nvSpPr>
+        <p:spPr>
+          <a:xfrm>
+            <a:off x="6529384" y="3128585"/>
+            <a:ext cx="1452797" cy="864096"/>
+          </a:xfrm>
+          <a:prstGeom prst="roundRect">
+            <a:avLst>
+              <a:gd name="adj" fmla="val 11707"/>
+            </a:avLst>
+          </a:prstGeom>
+          <a:ln w="12700">
+            <a:prstDash val="solid"/>
+          </a:ln>
+        </p:spPr>
+        <p:style>
+          <a:lnRef idx="2">
+            <a:schemeClr val="dk1"/>
+          </a:lnRef>
+          <a:fillRef idx="1">
+            <a:schemeClr val="lt1"/>
+          </a:fillRef>
+          <a:effectRef idx="0">
+            <a:schemeClr val="dk1"/>
+          </a:effectRef>
+          <a:fontRef idx="minor">
+            <a:schemeClr val="dk1"/>
+          </a:fontRef>
+        </p:style>
+        <p:txBody>
+          <a:bodyPr rtlCol="0" anchor="b"/>
+          <a:lstStyle/>
+          <a:p>
+            <a:pPr algn="ctr"/>
+            <a:r>
+              <a:rPr lang="en-US" altLang="ko-KR" sz="900" b="1"/>
+              <a:t>helloworld-us-b</a:t>
+            </a:r>
+            <a:r>
+              <a:rPr lang="en-US" altLang="ko-KR" sz="900"/>
+              <a:t> </a:t>
+            </a:r>
+          </a:p>
+          <a:p>
+            <a:pPr algn="ctr"/>
+            <a:r>
+              <a:rPr lang="en-US" altLang="ko-KR" sz="900"/>
+              <a:t>Deployment</a:t>
+            </a:r>
+            <a:endParaRPr lang="ko-KR" altLang="en-US" sz="900"/>
+          </a:p>
+        </p:txBody>
+      </p:sp>
+      <p:grpSp>
+        <p:nvGrpSpPr>
+          <p:cNvPr id="53" name="Group 52">
+            <a:extLst>
+              <a:ext uri="{FF2B5EF4-FFF2-40B4-BE49-F238E27FC236}">
+                <a16:creationId xmlns:a16="http://schemas.microsoft.com/office/drawing/2014/main" id="{3C3CBB19-FD1D-7B49-8F0B-0B2E2A0AEEE1}"/>
+              </a:ext>
+            </a:extLst>
+          </p:cNvPr>
+          <p:cNvGrpSpPr/>
+          <p:nvPr/>
+        </p:nvGrpSpPr>
+        <p:grpSpPr>
+          <a:xfrm>
+            <a:off x="6653065" y="3236596"/>
+            <a:ext cx="1205434" cy="360040"/>
+            <a:chOff x="296560" y="3039802"/>
+            <a:chExt cx="1205434" cy="360040"/>
+          </a:xfrm>
+        </p:grpSpPr>
+        <p:sp>
+          <p:nvSpPr>
+            <p:cNvPr id="54" name="사각형: 둥근 모서리 29">
+              <a:extLst>
+                <a:ext uri="{FF2B5EF4-FFF2-40B4-BE49-F238E27FC236}">
+                  <a16:creationId xmlns:a16="http://schemas.microsoft.com/office/drawing/2014/main" id="{372CEF62-6428-0A49-97C2-4C6734F3B862}"/>
+                </a:ext>
+              </a:extLst>
+            </p:cNvPr>
+            <p:cNvSpPr/>
+            <p:nvPr/>
+          </p:nvSpPr>
+          <p:spPr>
+            <a:xfrm>
+              <a:off x="296560" y="3039802"/>
+              <a:ext cx="547268" cy="360040"/>
+            </a:xfrm>
+            <a:prstGeom prst="roundRect">
+              <a:avLst>
+                <a:gd name="adj" fmla="val 17374"/>
+              </a:avLst>
+            </a:prstGeom>
+            <a:ln w="12700"/>
+          </p:spPr>
+          <p:style>
+            <a:lnRef idx="2">
+              <a:schemeClr val="dk1"/>
+            </a:lnRef>
+            <a:fillRef idx="1">
+              <a:schemeClr val="lt1"/>
+            </a:fillRef>
+            <a:effectRef idx="0">
+              <a:schemeClr val="dk1"/>
+            </a:effectRef>
+            <a:fontRef idx="minor">
+              <a:schemeClr val="dk1"/>
+            </a:fontRef>
+          </p:style>
+          <p:txBody>
+            <a:bodyPr rtlCol="0" anchor="ctr"/>
+            <a:lstStyle/>
+            <a:p>
+              <a:pPr algn="ctr"/>
+              <a:r>
+                <a:rPr lang="en-US" altLang="ko-KR" sz="900"/>
+                <a:t>Pod</a:t>
+              </a:r>
+              <a:endParaRPr lang="ko-KR" altLang="en-US" sz="900"/>
+            </a:p>
+          </p:txBody>
+        </p:sp>
+        <p:sp>
+          <p:nvSpPr>
+            <p:cNvPr id="55" name="사각형: 둥근 모서리 29">
+              <a:extLst>
+                <a:ext uri="{FF2B5EF4-FFF2-40B4-BE49-F238E27FC236}">
+                  <a16:creationId xmlns:a16="http://schemas.microsoft.com/office/drawing/2014/main" id="{7FD6CB8D-70B9-954C-9E3F-FF97615642BA}"/>
+                </a:ext>
+              </a:extLst>
+            </p:cNvPr>
+            <p:cNvSpPr/>
+            <p:nvPr/>
+          </p:nvSpPr>
+          <p:spPr>
+            <a:xfrm>
+              <a:off x="954726" y="3039802"/>
+              <a:ext cx="547268" cy="360040"/>
+            </a:xfrm>
+            <a:prstGeom prst="roundRect">
+              <a:avLst>
+                <a:gd name="adj" fmla="val 17374"/>
+              </a:avLst>
+            </a:prstGeom>
+            <a:ln w="12700"/>
+          </p:spPr>
+          <p:style>
+            <a:lnRef idx="2">
+              <a:schemeClr val="dk1"/>
+            </a:lnRef>
+            <a:fillRef idx="1">
+              <a:schemeClr val="lt1"/>
+            </a:fillRef>
+            <a:effectRef idx="0">
+              <a:schemeClr val="dk1"/>
+            </a:effectRef>
+            <a:fontRef idx="minor">
+              <a:schemeClr val="dk1"/>
+            </a:fontRef>
+          </p:style>
+          <p:txBody>
+            <a:bodyPr rtlCol="0" anchor="ctr"/>
+            <a:lstStyle/>
+            <a:p>
+              <a:pPr algn="ctr"/>
+              <a:r>
+                <a:rPr lang="en-US" altLang="ko-KR" sz="900"/>
+                <a:t>Pod</a:t>
+              </a:r>
+              <a:endParaRPr lang="ko-KR" altLang="en-US" sz="900"/>
+            </a:p>
+          </p:txBody>
+        </p:sp>
+      </p:grpSp>
+      <p:cxnSp>
+        <p:nvCxnSpPr>
+          <p:cNvPr id="75" name="Elbow Connector 74">
+            <a:extLst>
+              <a:ext uri="{FF2B5EF4-FFF2-40B4-BE49-F238E27FC236}">
+                <a16:creationId xmlns:a16="http://schemas.microsoft.com/office/drawing/2014/main" id="{D4B0AA72-B444-7247-82BC-DB274BEBD868}"/>
+              </a:ext>
+            </a:extLst>
+          </p:cNvPr>
+          <p:cNvCxnSpPr>
+            <a:cxnSpLocks/>
+            <a:stCxn id="72" idx="2"/>
+            <a:endCxn id="42" idx="0"/>
+          </p:cNvCxnSpPr>
+          <p:nvPr/>
+        </p:nvCxnSpPr>
+        <p:spPr>
+          <a:xfrm rot="5400000">
+            <a:off x="3733319" y="2416052"/>
+            <a:ext cx="503976" cy="934328"/>
+          </a:xfrm>
+          <a:prstGeom prst="bentConnector3">
+            <a:avLst>
+              <a:gd name="adj1" fmla="val 50000"/>
+            </a:avLst>
+          </a:prstGeom>
+          <a:ln w="12700">
+            <a:solidFill>
+              <a:schemeClr val="tx1"/>
+            </a:solidFill>
+            <a:tailEnd type="triangle"/>
+          </a:ln>
+        </p:spPr>
+        <p:style>
+          <a:lnRef idx="1">
+            <a:schemeClr val="accent1"/>
+          </a:lnRef>
+          <a:fillRef idx="0">
+            <a:schemeClr val="accent1"/>
+          </a:fillRef>
+          <a:effectRef idx="0">
+            <a:schemeClr val="accent1"/>
+          </a:effectRef>
+          <a:fontRef idx="minor">
+            <a:schemeClr val="tx1"/>
+          </a:fontRef>
+        </p:style>
+      </p:cxnSp>
+      <p:sp>
+        <p:nvSpPr>
+          <p:cNvPr id="79" name="사각형: 둥근 모서리 29">
+            <a:extLst>
+              <a:ext uri="{FF2B5EF4-FFF2-40B4-BE49-F238E27FC236}">
+                <a16:creationId xmlns:a16="http://schemas.microsoft.com/office/drawing/2014/main" id="{444A8DB3-4DB9-2048-822C-5CFE4FE154F8}"/>
+              </a:ext>
+            </a:extLst>
+          </p:cNvPr>
+          <p:cNvSpPr/>
+          <p:nvPr/>
+        </p:nvSpPr>
+        <p:spPr>
+          <a:xfrm>
+            <a:off x="3813466" y="1401006"/>
+            <a:ext cx="1278007" cy="525929"/>
+          </a:xfrm>
+          <a:prstGeom prst="roundRect">
+            <a:avLst>
+              <a:gd name="adj" fmla="val 11707"/>
+            </a:avLst>
+          </a:prstGeom>
+          <a:ln w="12700">
+            <a:prstDash val="solid"/>
+          </a:ln>
+        </p:spPr>
+        <p:style>
+          <a:lnRef idx="2">
+            <a:schemeClr val="dk1"/>
+          </a:lnRef>
+          <a:fillRef idx="1">
+            <a:schemeClr val="lt1"/>
+          </a:fillRef>
+          <a:effectRef idx="0">
+            <a:schemeClr val="dk1"/>
+          </a:effectRef>
+          <a:fontRef idx="minor">
+            <a:schemeClr val="dk1"/>
+          </a:fontRef>
+        </p:style>
+        <p:txBody>
+          <a:bodyPr rtlCol="0" anchor="ctr"/>
+          <a:lstStyle/>
+          <a:p>
+            <a:pPr algn="ctr"/>
+            <a:r>
+              <a:rPr lang="en-US" altLang="ko-KR" sz="900" b="1"/>
+              <a:t>helloworld</a:t>
+            </a:r>
+            <a:r>
+              <a:rPr lang="en-US" altLang="ko-KR" sz="900"/>
+              <a:t> DestinationRule</a:t>
+            </a:r>
+            <a:endParaRPr lang="ko-KR" altLang="en-US" sz="900"/>
+          </a:p>
+        </p:txBody>
+      </p:sp>
+      <p:sp>
+        <p:nvSpPr>
+          <p:cNvPr id="80" name="사각형: 둥근 모서리 29">
+            <a:extLst>
+              <a:ext uri="{FF2B5EF4-FFF2-40B4-BE49-F238E27FC236}">
+                <a16:creationId xmlns:a16="http://schemas.microsoft.com/office/drawing/2014/main" id="{E6191776-AD2A-C742-8CCC-1CC0F29361E8}"/>
+              </a:ext>
+            </a:extLst>
+          </p:cNvPr>
+          <p:cNvSpPr/>
+          <p:nvPr/>
+        </p:nvSpPr>
+        <p:spPr>
+          <a:xfrm>
+            <a:off x="3813466" y="699542"/>
+            <a:ext cx="1278007" cy="525929"/>
+          </a:xfrm>
+          <a:prstGeom prst="roundRect">
+            <a:avLst>
+              <a:gd name="adj" fmla="val 11707"/>
+            </a:avLst>
+          </a:prstGeom>
+          <a:ln w="12700">
+            <a:prstDash val="solid"/>
+          </a:ln>
+        </p:spPr>
+        <p:style>
+          <a:lnRef idx="2">
+            <a:schemeClr val="dk1"/>
+          </a:lnRef>
+          <a:fillRef idx="1">
+            <a:schemeClr val="lt1"/>
+          </a:fillRef>
+          <a:effectRef idx="0">
+            <a:schemeClr val="dk1"/>
+          </a:effectRef>
+          <a:fontRef idx="minor">
+            <a:schemeClr val="dk1"/>
+          </a:fontRef>
+        </p:style>
+        <p:txBody>
+          <a:bodyPr rtlCol="0" anchor="ctr"/>
+          <a:lstStyle/>
+          <a:p>
+            <a:pPr algn="ctr"/>
+            <a:r>
+              <a:rPr lang="en-US" altLang="ko-KR" sz="900" b="1"/>
+              <a:t>helloworld</a:t>
+            </a:r>
+            <a:r>
+              <a:rPr lang="en-US" altLang="ko-KR" sz="900"/>
+              <a:t> VirtualService</a:t>
+            </a:r>
+            <a:endParaRPr lang="ko-KR" altLang="en-US" sz="900"/>
+          </a:p>
+        </p:txBody>
+      </p:sp>
+      <p:cxnSp>
+        <p:nvCxnSpPr>
+          <p:cNvPr id="81" name="Elbow Connector 80">
+            <a:extLst>
+              <a:ext uri="{FF2B5EF4-FFF2-40B4-BE49-F238E27FC236}">
+                <a16:creationId xmlns:a16="http://schemas.microsoft.com/office/drawing/2014/main" id="{68BEF10E-5023-4744-A438-A6E02108242A}"/>
+              </a:ext>
+            </a:extLst>
+          </p:cNvPr>
+          <p:cNvCxnSpPr>
+            <a:cxnSpLocks/>
+            <a:stCxn id="71" idx="0"/>
+            <a:endCxn id="80" idx="1"/>
+          </p:cNvCxnSpPr>
+          <p:nvPr/>
+        </p:nvCxnSpPr>
+        <p:spPr>
+          <a:xfrm rot="5400000" flipH="1" flipV="1">
+            <a:off x="2073704" y="534737"/>
+            <a:ext cx="1311992" cy="2167532"/>
+          </a:xfrm>
+          <a:prstGeom prst="bentConnector2">
+            <a:avLst/>
+          </a:prstGeom>
+          <a:ln w="12700">
+            <a:solidFill>
+              <a:schemeClr val="tx1"/>
+            </a:solidFill>
+            <a:tailEnd type="triangle"/>
+          </a:ln>
+        </p:spPr>
+        <p:style>
+          <a:lnRef idx="1">
+            <a:schemeClr val="accent1"/>
+          </a:lnRef>
+          <a:fillRef idx="0">
+            <a:schemeClr val="accent1"/>
+          </a:fillRef>
+          <a:effectRef idx="0">
+            <a:schemeClr val="accent1"/>
+          </a:effectRef>
+          <a:fontRef idx="minor">
+            <a:schemeClr val="tx1"/>
+          </a:fontRef>
+        </p:style>
+      </p:cxnSp>
+      <p:cxnSp>
+        <p:nvCxnSpPr>
+          <p:cNvPr id="25" name="Straight Arrow Connector 24">
+            <a:extLst>
+              <a:ext uri="{FF2B5EF4-FFF2-40B4-BE49-F238E27FC236}">
+                <a16:creationId xmlns:a16="http://schemas.microsoft.com/office/drawing/2014/main" id="{DCF2D692-DFA3-F043-9FD1-A63F7A2BEF86}"/>
+              </a:ext>
+            </a:extLst>
+          </p:cNvPr>
+          <p:cNvCxnSpPr>
+            <a:stCxn id="80" idx="2"/>
+            <a:endCxn id="79" idx="0"/>
+          </p:cNvCxnSpPr>
+          <p:nvPr/>
+        </p:nvCxnSpPr>
+        <p:spPr>
+          <a:xfrm>
+            <a:off x="4452470" y="1225471"/>
+            <a:ext cx="0" cy="175535"/>
+          </a:xfrm>
+          <a:prstGeom prst="straightConnector1">
+            <a:avLst/>
+          </a:prstGeom>
+          <a:ln>
+            <a:solidFill>
+              <a:schemeClr val="tx1"/>
+            </a:solidFill>
+            <a:tailEnd type="triangle"/>
+          </a:ln>
+        </p:spPr>
+        <p:style>
+          <a:lnRef idx="1">
+            <a:schemeClr val="accent1"/>
+          </a:lnRef>
+          <a:fillRef idx="0">
+            <a:schemeClr val="accent1"/>
+          </a:fillRef>
+          <a:effectRef idx="0">
+            <a:schemeClr val="accent1"/>
+          </a:effectRef>
+          <a:fontRef idx="minor">
+            <a:schemeClr val="tx1"/>
+          </a:fontRef>
+        </p:style>
+      </p:cxnSp>
+      <p:cxnSp>
+        <p:nvCxnSpPr>
+          <p:cNvPr id="82" name="Straight Arrow Connector 81">
+            <a:extLst>
+              <a:ext uri="{FF2B5EF4-FFF2-40B4-BE49-F238E27FC236}">
+                <a16:creationId xmlns:a16="http://schemas.microsoft.com/office/drawing/2014/main" id="{5729BE17-B09B-C84E-87BE-6F5682769182}"/>
+              </a:ext>
+            </a:extLst>
+          </p:cNvPr>
+          <p:cNvCxnSpPr>
+            <a:cxnSpLocks/>
+            <a:stCxn id="79" idx="2"/>
+            <a:endCxn id="72" idx="0"/>
+          </p:cNvCxnSpPr>
+          <p:nvPr/>
+        </p:nvCxnSpPr>
+        <p:spPr>
+          <a:xfrm>
+            <a:off x="4452470" y="1926935"/>
+            <a:ext cx="1" cy="178364"/>
+          </a:xfrm>
+          <a:prstGeom prst="straightConnector1">
+            <a:avLst/>
+          </a:prstGeom>
+          <a:ln>
+            <a:solidFill>
+              <a:schemeClr val="tx1"/>
+            </a:solidFill>
+            <a:tailEnd type="triangle"/>
+          </a:ln>
+        </p:spPr>
+        <p:style>
+          <a:lnRef idx="1">
+            <a:schemeClr val="accent1"/>
+          </a:lnRef>
+          <a:fillRef idx="0">
+            <a:schemeClr val="accent1"/>
+          </a:fillRef>
+          <a:effectRef idx="0">
+            <a:schemeClr val="accent1"/>
+          </a:effectRef>
+          <a:fontRef idx="minor">
+            <a:schemeClr val="tx1"/>
+          </a:fontRef>
+        </p:style>
+      </p:cxnSp>
+    </p:spTree>
+    <p:extLst>
+      <p:ext uri="{BB962C8B-B14F-4D97-AF65-F5344CB8AC3E}">
+        <p14:creationId xmlns:p14="http://schemas.microsoft.com/office/powerpoint/2010/main" val="1731259417"/>
+      </p:ext>
+    </p:extLst>
+  </p:cSld>
+  <p:clrMapOvr>
+    <a:masterClrMapping/>
+  </p:clrMapOvr>
+</p:sld>
+</file>
+
+<file path=ppt/slides/slide4.xml><?xml version="1.0" encoding="utf-8"?>
+<p:sld xmlns:a="http://schemas.openxmlformats.org/drawingml/2006/main" xmlns:r="http://schemas.openxmlformats.org/officeDocument/2006/relationships" xmlns:p="http://schemas.openxmlformats.org/presentationml/2006/main">
+  <p:cSld>
+    <p:spTree>
+      <p:nvGrpSpPr>
+        <p:cNvPr id="1" name=""/>
+        <p:cNvGrpSpPr/>
+        <p:nvPr/>
+      </p:nvGrpSpPr>
+      <p:grpSpPr>
+        <a:xfrm>
+          <a:off x="0" y="0"/>
+          <a:ext cx="0" cy="0"/>
+          <a:chOff x="0" y="0"/>
+          <a:chExt cx="0" cy="0"/>
+        </a:xfrm>
+      </p:grpSpPr>
+      <p:sp>
+        <p:nvSpPr>
+          <p:cNvPr id="19" name="사각형: 둥근 모서리 29">
+            <a:extLst>
+              <a:ext uri="{FF2B5EF4-FFF2-40B4-BE49-F238E27FC236}">
+                <a16:creationId xmlns:a16="http://schemas.microsoft.com/office/drawing/2014/main" id="{ACD14712-953B-4B41-9FE2-C7701A81A58D}"/>
+              </a:ext>
+            </a:extLst>
+          </p:cNvPr>
+          <p:cNvSpPr/>
+          <p:nvPr/>
+        </p:nvSpPr>
+        <p:spPr>
+          <a:xfrm>
+            <a:off x="827584" y="2182482"/>
+            <a:ext cx="1639925" cy="2217672"/>
+          </a:xfrm>
+          <a:prstGeom prst="roundRect">
+            <a:avLst>
+              <a:gd name="adj" fmla="val 7396"/>
+            </a:avLst>
+          </a:prstGeom>
+          <a:ln w="12700"/>
+        </p:spPr>
+        <p:style>
+          <a:lnRef idx="2">
+            <a:schemeClr val="dk1"/>
+          </a:lnRef>
+          <a:fillRef idx="1">
+            <a:schemeClr val="lt1"/>
+          </a:fillRef>
+          <a:effectRef idx="0">
+            <a:schemeClr val="dk1"/>
+          </a:effectRef>
+          <a:fontRef idx="minor">
+            <a:schemeClr val="dk1"/>
+          </a:fontRef>
+        </p:style>
+        <p:txBody>
+          <a:bodyPr rtlCol="0" anchor="b"/>
+          <a:lstStyle/>
+          <a:p>
+            <a:pPr algn="ctr"/>
+            <a:r>
+              <a:rPr lang="en-US" altLang="ko-KR" sz="900" b="1"/>
+              <a:t>region : kr, zone : a </a:t>
+            </a:r>
+          </a:p>
+          <a:p>
+            <a:pPr algn="ctr"/>
+            <a:r>
+              <a:rPr lang="en-US" altLang="ko-KR" sz="900"/>
+              <a:t>Worker Node 1</a:t>
+            </a:r>
+            <a:endParaRPr lang="ko-KR" altLang="en-US" sz="900"/>
+          </a:p>
+        </p:txBody>
+      </p:sp>
+      <p:sp>
+        <p:nvSpPr>
+          <p:cNvPr id="26" name="사각형: 둥근 모서리 29">
+            <a:extLst>
+              <a:ext uri="{FF2B5EF4-FFF2-40B4-BE49-F238E27FC236}">
+                <a16:creationId xmlns:a16="http://schemas.microsoft.com/office/drawing/2014/main" id="{DD7C8ABF-CB2D-3143-983E-92F0F058294C}"/>
+              </a:ext>
+            </a:extLst>
+          </p:cNvPr>
+          <p:cNvSpPr/>
+          <p:nvPr/>
+        </p:nvSpPr>
+        <p:spPr>
+          <a:xfrm>
+            <a:off x="919536" y="3134909"/>
+            <a:ext cx="1452797" cy="864096"/>
+          </a:xfrm>
+          <a:prstGeom prst="roundRect">
+            <a:avLst>
+              <a:gd name="adj" fmla="val 11707"/>
+            </a:avLst>
+          </a:prstGeom>
+          <a:ln w="12700">
+            <a:prstDash val="solid"/>
+          </a:ln>
+        </p:spPr>
+        <p:style>
+          <a:lnRef idx="2">
+            <a:schemeClr val="dk1"/>
+          </a:lnRef>
+          <a:fillRef idx="1">
+            <a:schemeClr val="lt1"/>
+          </a:fillRef>
+          <a:effectRef idx="0">
+            <a:schemeClr val="dk1"/>
+          </a:effectRef>
+          <a:fontRef idx="minor">
+            <a:schemeClr val="dk1"/>
+          </a:fontRef>
+        </p:style>
+        <p:txBody>
+          <a:bodyPr rtlCol="0" anchor="b"/>
+          <a:lstStyle/>
+          <a:p>
+            <a:pPr algn="ctr"/>
+            <a:r>
+              <a:rPr lang="en-US" altLang="ko-KR" sz="900" b="1"/>
+              <a:t>helloworld-kr-a</a:t>
+            </a:r>
+            <a:r>
+              <a:rPr lang="en-US" altLang="ko-KR" sz="900"/>
+              <a:t> </a:t>
+            </a:r>
+          </a:p>
+          <a:p>
+            <a:pPr algn="ctr"/>
+            <a:r>
+              <a:rPr lang="en-US" altLang="ko-KR" sz="900"/>
+              <a:t>Deployment</a:t>
+            </a:r>
+            <a:endParaRPr lang="ko-KR" altLang="en-US" sz="900"/>
+          </a:p>
+        </p:txBody>
+      </p:sp>
+      <p:sp>
+        <p:nvSpPr>
+          <p:cNvPr id="71" name="사각형: 둥근 모서리 29">
+            <a:extLst>
+              <a:ext uri="{FF2B5EF4-FFF2-40B4-BE49-F238E27FC236}">
+                <a16:creationId xmlns:a16="http://schemas.microsoft.com/office/drawing/2014/main" id="{77A98D48-BB79-0C4D-A5C4-BE111D7DBA22}"/>
+              </a:ext>
+            </a:extLst>
+          </p:cNvPr>
+          <p:cNvSpPr/>
+          <p:nvPr/>
+        </p:nvSpPr>
+        <p:spPr>
+          <a:xfrm>
+            <a:off x="919535" y="2274499"/>
+            <a:ext cx="1452797" cy="360040"/>
+          </a:xfrm>
+          <a:prstGeom prst="roundRect">
+            <a:avLst>
+              <a:gd name="adj" fmla="val 17374"/>
+            </a:avLst>
+          </a:prstGeom>
+          <a:ln w="12700"/>
+        </p:spPr>
+        <p:style>
+          <a:lnRef idx="2">
+            <a:schemeClr val="dk1"/>
+          </a:lnRef>
+          <a:fillRef idx="1">
+            <a:schemeClr val="lt1"/>
+          </a:fillRef>
+          <a:effectRef idx="0">
+            <a:schemeClr val="dk1"/>
+          </a:effectRef>
+          <a:fontRef idx="minor">
+            <a:schemeClr val="dk1"/>
+          </a:fontRef>
+        </p:style>
+        <p:txBody>
+          <a:bodyPr rtlCol="0" anchor="ctr"/>
+          <a:lstStyle/>
+          <a:p>
+            <a:pPr algn="ctr"/>
+            <a:r>
+              <a:rPr lang="en-US" altLang="ko-KR" sz="900" b="1"/>
+              <a:t>myshell-kr-a</a:t>
+            </a:r>
+          </a:p>
+          <a:p>
+            <a:pPr algn="ctr"/>
+            <a:r>
+              <a:rPr lang="en-US" altLang="ko-KR" sz="900"/>
+              <a:t>Pod</a:t>
+            </a:r>
+            <a:endParaRPr lang="ko-KR" altLang="en-US" sz="900"/>
+          </a:p>
+        </p:txBody>
+      </p:sp>
+      <p:sp>
+        <p:nvSpPr>
+          <p:cNvPr id="72" name="사각형: 둥근 모서리 29">
+            <a:extLst>
+              <a:ext uri="{FF2B5EF4-FFF2-40B4-BE49-F238E27FC236}">
+                <a16:creationId xmlns:a16="http://schemas.microsoft.com/office/drawing/2014/main" id="{898704CB-2A1E-DF4C-93AD-25D8EEA7D5A1}"/>
+              </a:ext>
+            </a:extLst>
+          </p:cNvPr>
+          <p:cNvSpPr/>
+          <p:nvPr/>
+        </p:nvSpPr>
+        <p:spPr>
+          <a:xfrm>
+            <a:off x="3813467" y="2105299"/>
+            <a:ext cx="1278007" cy="525929"/>
+          </a:xfrm>
+          <a:prstGeom prst="roundRect">
+            <a:avLst>
+              <a:gd name="adj" fmla="val 11707"/>
+            </a:avLst>
+          </a:prstGeom>
+          <a:ln w="12700">
+            <a:prstDash val="solid"/>
+          </a:ln>
+        </p:spPr>
+        <p:style>
+          <a:lnRef idx="2">
+            <a:schemeClr val="dk1"/>
+          </a:lnRef>
+          <a:fillRef idx="1">
+            <a:schemeClr val="lt1"/>
+          </a:fillRef>
+          <a:effectRef idx="0">
+            <a:schemeClr val="dk1"/>
+          </a:effectRef>
+          <a:fontRef idx="minor">
+            <a:schemeClr val="dk1"/>
+          </a:fontRef>
+        </p:style>
+        <p:txBody>
+          <a:bodyPr rtlCol="0" anchor="ctr"/>
+          <a:lstStyle/>
+          <a:p>
+            <a:pPr algn="ctr"/>
+            <a:r>
+              <a:rPr lang="en-US" altLang="ko-KR" sz="900" b="1"/>
+              <a:t>helloworld</a:t>
+            </a:r>
+            <a:r>
+              <a:rPr lang="en-US" altLang="ko-KR" sz="900"/>
+              <a:t> </a:t>
+            </a:r>
+          </a:p>
+          <a:p>
+            <a:pPr algn="ctr"/>
+            <a:r>
+              <a:rPr lang="en-US" altLang="ko-KR" sz="900"/>
+              <a:t>Service</a:t>
+            </a:r>
+            <a:endParaRPr lang="ko-KR" altLang="en-US" sz="900"/>
+          </a:p>
+        </p:txBody>
+      </p:sp>
+      <p:sp>
+        <p:nvSpPr>
+          <p:cNvPr id="41" name="사각형: 둥근 모서리 29">
+            <a:extLst>
+              <a:ext uri="{FF2B5EF4-FFF2-40B4-BE49-F238E27FC236}">
+                <a16:creationId xmlns:a16="http://schemas.microsoft.com/office/drawing/2014/main" id="{3748AC52-7892-894C-B5FD-CCDE824A9549}"/>
+              </a:ext>
+            </a:extLst>
+          </p:cNvPr>
+          <p:cNvSpPr/>
+          <p:nvPr/>
+        </p:nvSpPr>
+        <p:spPr>
+          <a:xfrm>
+            <a:off x="2699792" y="3032672"/>
+            <a:ext cx="1639925" cy="1367777"/>
+          </a:xfrm>
+          <a:prstGeom prst="roundRect">
+            <a:avLst>
+              <a:gd name="adj" fmla="val 7396"/>
+            </a:avLst>
+          </a:prstGeom>
+          <a:ln w="12700"/>
+        </p:spPr>
+        <p:style>
+          <a:lnRef idx="2">
+            <a:schemeClr val="dk1"/>
+          </a:lnRef>
+          <a:fillRef idx="1">
+            <a:schemeClr val="lt1"/>
+          </a:fillRef>
+          <a:effectRef idx="0">
+            <a:schemeClr val="dk1"/>
+          </a:effectRef>
+          <a:fontRef idx="minor">
+            <a:schemeClr val="dk1"/>
+          </a:fontRef>
+        </p:style>
+        <p:txBody>
+          <a:bodyPr rtlCol="0" anchor="b"/>
+          <a:lstStyle/>
+          <a:p>
+            <a:pPr algn="ctr"/>
+            <a:r>
+              <a:rPr lang="en-US" altLang="ko-KR" sz="900" b="1"/>
+              <a:t>region : kr, zone : b </a:t>
+            </a:r>
+          </a:p>
+          <a:p>
+            <a:pPr algn="ctr"/>
+            <a:r>
+              <a:rPr lang="en-US" altLang="ko-KR" sz="900"/>
+              <a:t>Worker Node 2</a:t>
+            </a:r>
+            <a:endParaRPr lang="ko-KR" altLang="en-US" sz="900"/>
+          </a:p>
+        </p:txBody>
+      </p:sp>
+      <p:sp>
+        <p:nvSpPr>
+          <p:cNvPr id="42" name="사각형: 둥근 모서리 29">
+            <a:extLst>
+              <a:ext uri="{FF2B5EF4-FFF2-40B4-BE49-F238E27FC236}">
+                <a16:creationId xmlns:a16="http://schemas.microsoft.com/office/drawing/2014/main" id="{E1C11396-D32B-334C-98DA-66126C715FF3}"/>
+              </a:ext>
+            </a:extLst>
+          </p:cNvPr>
+          <p:cNvSpPr/>
+          <p:nvPr/>
+        </p:nvSpPr>
+        <p:spPr>
+          <a:xfrm>
+            <a:off x="2791744" y="3135204"/>
+            <a:ext cx="1452797" cy="864096"/>
+          </a:xfrm>
+          <a:prstGeom prst="roundRect">
+            <a:avLst>
+              <a:gd name="adj" fmla="val 11707"/>
+            </a:avLst>
+          </a:prstGeom>
+          <a:ln w="12700">
+            <a:prstDash val="solid"/>
+          </a:ln>
+        </p:spPr>
+        <p:style>
+          <a:lnRef idx="2">
+            <a:schemeClr val="dk1"/>
+          </a:lnRef>
+          <a:fillRef idx="1">
+            <a:schemeClr val="lt1"/>
+          </a:fillRef>
+          <a:effectRef idx="0">
+            <a:schemeClr val="dk1"/>
+          </a:effectRef>
+          <a:fontRef idx="minor">
+            <a:schemeClr val="dk1"/>
+          </a:fontRef>
+        </p:style>
+        <p:txBody>
+          <a:bodyPr rtlCol="0" anchor="b"/>
+          <a:lstStyle/>
+          <a:p>
+            <a:pPr algn="ctr"/>
+            <a:r>
+              <a:rPr lang="en-US" altLang="ko-KR" sz="900" b="1"/>
+              <a:t>helloworld-kr-b</a:t>
+            </a:r>
+            <a:r>
+              <a:rPr lang="en-US" altLang="ko-KR" sz="900"/>
+              <a:t> </a:t>
+            </a:r>
+          </a:p>
+          <a:p>
+            <a:pPr algn="ctr"/>
+            <a:r>
+              <a:rPr lang="en-US" altLang="ko-KR" sz="900"/>
+              <a:t>Deployment</a:t>
+            </a:r>
+            <a:endParaRPr lang="ko-KR" altLang="en-US" sz="900"/>
+          </a:p>
+        </p:txBody>
+      </p:sp>
+      <p:sp>
+        <p:nvSpPr>
+          <p:cNvPr id="46" name="사각형: 둥근 모서리 29">
+            <a:extLst>
+              <a:ext uri="{FF2B5EF4-FFF2-40B4-BE49-F238E27FC236}">
+                <a16:creationId xmlns:a16="http://schemas.microsoft.com/office/drawing/2014/main" id="{642E2DCB-20C6-2548-A871-0035F9DCA874}"/>
+              </a:ext>
+            </a:extLst>
+          </p:cNvPr>
+          <p:cNvSpPr/>
+          <p:nvPr/>
+        </p:nvSpPr>
+        <p:spPr>
+          <a:xfrm>
+            <a:off x="4568612" y="3032377"/>
+            <a:ext cx="1639925" cy="1367777"/>
+          </a:xfrm>
+          <a:prstGeom prst="roundRect">
+            <a:avLst>
+              <a:gd name="adj" fmla="val 7396"/>
+            </a:avLst>
+          </a:prstGeom>
+          <a:ln w="12700"/>
+        </p:spPr>
+        <p:style>
+          <a:lnRef idx="2">
+            <a:schemeClr val="dk1"/>
+          </a:lnRef>
+          <a:fillRef idx="1">
+            <a:schemeClr val="lt1"/>
+          </a:fillRef>
+          <a:effectRef idx="0">
+            <a:schemeClr val="dk1"/>
+          </a:effectRef>
+          <a:fontRef idx="minor">
+            <a:schemeClr val="dk1"/>
+          </a:fontRef>
+        </p:style>
+        <p:txBody>
+          <a:bodyPr rtlCol="0" anchor="b"/>
+          <a:lstStyle/>
+          <a:p>
+            <a:pPr algn="ctr"/>
+            <a:r>
+              <a:rPr lang="en-US" altLang="ko-KR" sz="900" b="1"/>
+              <a:t>region : us, zone : a </a:t>
+            </a:r>
+          </a:p>
+          <a:p>
+            <a:pPr algn="ctr"/>
+            <a:r>
+              <a:rPr lang="en-US" altLang="ko-KR" sz="900"/>
+              <a:t>Worker Node 3</a:t>
+            </a:r>
+            <a:endParaRPr lang="ko-KR" altLang="en-US" sz="900"/>
+          </a:p>
+        </p:txBody>
+      </p:sp>
+      <p:sp>
+        <p:nvSpPr>
+          <p:cNvPr id="47" name="사각형: 둥근 모서리 29">
+            <a:extLst>
+              <a:ext uri="{FF2B5EF4-FFF2-40B4-BE49-F238E27FC236}">
+                <a16:creationId xmlns:a16="http://schemas.microsoft.com/office/drawing/2014/main" id="{E6E4D2E0-771E-B342-9DBB-02757D8B83E4}"/>
+              </a:ext>
+            </a:extLst>
+          </p:cNvPr>
+          <p:cNvSpPr/>
+          <p:nvPr/>
+        </p:nvSpPr>
+        <p:spPr>
+          <a:xfrm>
+            <a:off x="4660564" y="3134909"/>
+            <a:ext cx="1452797" cy="864096"/>
+          </a:xfrm>
+          <a:prstGeom prst="roundRect">
+            <a:avLst>
+              <a:gd name="adj" fmla="val 11707"/>
+            </a:avLst>
+          </a:prstGeom>
+          <a:ln w="12700">
+            <a:prstDash val="solid"/>
+          </a:ln>
+        </p:spPr>
+        <p:style>
+          <a:lnRef idx="2">
+            <a:schemeClr val="dk1"/>
+          </a:lnRef>
+          <a:fillRef idx="1">
+            <a:schemeClr val="lt1"/>
+          </a:fillRef>
+          <a:effectRef idx="0">
+            <a:schemeClr val="dk1"/>
+          </a:effectRef>
+          <a:fontRef idx="minor">
+            <a:schemeClr val="dk1"/>
+          </a:fontRef>
+        </p:style>
+        <p:txBody>
+          <a:bodyPr rtlCol="0" anchor="b"/>
+          <a:lstStyle/>
+          <a:p>
+            <a:pPr algn="ctr"/>
+            <a:r>
+              <a:rPr lang="en-US" altLang="ko-KR" sz="900" b="1"/>
+              <a:t>helloworld-us-a</a:t>
+            </a:r>
+            <a:r>
+              <a:rPr lang="en-US" altLang="ko-KR" sz="900"/>
+              <a:t> </a:t>
+            </a:r>
+          </a:p>
+          <a:p>
+            <a:pPr algn="ctr"/>
+            <a:r>
+              <a:rPr lang="en-US" altLang="ko-KR" sz="900"/>
+              <a:t>Deployment</a:t>
+            </a:r>
+            <a:endParaRPr lang="ko-KR" altLang="en-US" sz="900"/>
+          </a:p>
+        </p:txBody>
+      </p:sp>
+      <p:grpSp>
+        <p:nvGrpSpPr>
+          <p:cNvPr id="48" name="Group 47">
+            <a:extLst>
+              <a:ext uri="{FF2B5EF4-FFF2-40B4-BE49-F238E27FC236}">
+                <a16:creationId xmlns:a16="http://schemas.microsoft.com/office/drawing/2014/main" id="{CAB88C70-233E-3942-A59B-C3B13651F0D2}"/>
+              </a:ext>
+            </a:extLst>
+          </p:cNvPr>
+          <p:cNvGrpSpPr/>
+          <p:nvPr/>
+        </p:nvGrpSpPr>
+        <p:grpSpPr>
+          <a:xfrm>
+            <a:off x="4784245" y="3242920"/>
+            <a:ext cx="1205434" cy="360040"/>
+            <a:chOff x="296560" y="3039802"/>
+            <a:chExt cx="1205434" cy="360040"/>
+          </a:xfrm>
+        </p:grpSpPr>
+        <p:sp>
+          <p:nvSpPr>
+            <p:cNvPr id="49" name="사각형: 둥근 모서리 29">
+              <a:extLst>
+                <a:ext uri="{FF2B5EF4-FFF2-40B4-BE49-F238E27FC236}">
+                  <a16:creationId xmlns:a16="http://schemas.microsoft.com/office/drawing/2014/main" id="{04ACA664-60CB-854A-9301-920EB5FD70A8}"/>
+                </a:ext>
+              </a:extLst>
+            </p:cNvPr>
+            <p:cNvSpPr/>
+            <p:nvPr/>
+          </p:nvSpPr>
+          <p:spPr>
+            <a:xfrm>
+              <a:off x="296560" y="3039802"/>
+              <a:ext cx="547268" cy="360040"/>
+            </a:xfrm>
+            <a:prstGeom prst="roundRect">
+              <a:avLst>
+                <a:gd name="adj" fmla="val 17374"/>
+              </a:avLst>
+            </a:prstGeom>
+            <a:ln w="12700"/>
+          </p:spPr>
+          <p:style>
+            <a:lnRef idx="2">
+              <a:schemeClr val="dk1"/>
+            </a:lnRef>
+            <a:fillRef idx="1">
+              <a:schemeClr val="lt1"/>
+            </a:fillRef>
+            <a:effectRef idx="0">
+              <a:schemeClr val="dk1"/>
+            </a:effectRef>
+            <a:fontRef idx="minor">
+              <a:schemeClr val="dk1"/>
+            </a:fontRef>
+          </p:style>
+          <p:txBody>
+            <a:bodyPr rtlCol="0" anchor="ctr"/>
+            <a:lstStyle/>
+            <a:p>
+              <a:pPr algn="ctr"/>
+              <a:r>
+                <a:rPr lang="en-US" altLang="ko-KR" sz="900"/>
+                <a:t>Pod</a:t>
+              </a:r>
+              <a:endParaRPr lang="ko-KR" altLang="en-US" sz="900"/>
+            </a:p>
+          </p:txBody>
+        </p:sp>
+        <p:sp>
+          <p:nvSpPr>
+            <p:cNvPr id="50" name="사각형: 둥근 모서리 29">
+              <a:extLst>
+                <a:ext uri="{FF2B5EF4-FFF2-40B4-BE49-F238E27FC236}">
+                  <a16:creationId xmlns:a16="http://schemas.microsoft.com/office/drawing/2014/main" id="{02E7DD06-53BF-7548-908A-F01D75C9A08E}"/>
+                </a:ext>
+              </a:extLst>
+            </p:cNvPr>
+            <p:cNvSpPr/>
+            <p:nvPr/>
+          </p:nvSpPr>
+          <p:spPr>
+            <a:xfrm>
+              <a:off x="954726" y="3039802"/>
+              <a:ext cx="547268" cy="360040"/>
+            </a:xfrm>
+            <a:prstGeom prst="roundRect">
+              <a:avLst>
+                <a:gd name="adj" fmla="val 17374"/>
+              </a:avLst>
+            </a:prstGeom>
+            <a:ln w="12700"/>
+          </p:spPr>
+          <p:style>
+            <a:lnRef idx="2">
+              <a:schemeClr val="dk1"/>
+            </a:lnRef>
+            <a:fillRef idx="1">
+              <a:schemeClr val="lt1"/>
+            </a:fillRef>
+            <a:effectRef idx="0">
+              <a:schemeClr val="dk1"/>
+            </a:effectRef>
+            <a:fontRef idx="minor">
+              <a:schemeClr val="dk1"/>
+            </a:fontRef>
+          </p:style>
+          <p:txBody>
+            <a:bodyPr rtlCol="0" anchor="ctr"/>
+            <a:lstStyle/>
+            <a:p>
+              <a:pPr algn="ctr"/>
+              <a:r>
+                <a:rPr lang="en-US" altLang="ko-KR" sz="900"/>
+                <a:t>Pod</a:t>
+              </a:r>
+              <a:endParaRPr lang="ko-KR" altLang="en-US" sz="900"/>
+            </a:p>
+          </p:txBody>
+        </p:sp>
+      </p:grpSp>
+      <p:sp>
+        <p:nvSpPr>
+          <p:cNvPr id="51" name="사각형: 둥근 모서리 29">
+            <a:extLst>
+              <a:ext uri="{FF2B5EF4-FFF2-40B4-BE49-F238E27FC236}">
+                <a16:creationId xmlns:a16="http://schemas.microsoft.com/office/drawing/2014/main" id="{5483AB7D-1D0D-6440-83D6-6DFD74FE0587}"/>
+              </a:ext>
+            </a:extLst>
+          </p:cNvPr>
+          <p:cNvSpPr/>
+          <p:nvPr/>
+        </p:nvSpPr>
+        <p:spPr>
+          <a:xfrm>
+            <a:off x="6437432" y="3026053"/>
+            <a:ext cx="1639925" cy="1367777"/>
+          </a:xfrm>
+          <a:prstGeom prst="roundRect">
+            <a:avLst>
+              <a:gd name="adj" fmla="val 7396"/>
+            </a:avLst>
+          </a:prstGeom>
+          <a:ln w="12700"/>
+        </p:spPr>
+        <p:style>
+          <a:lnRef idx="2">
+            <a:schemeClr val="dk1"/>
+          </a:lnRef>
+          <a:fillRef idx="1">
+            <a:schemeClr val="lt1"/>
+          </a:fillRef>
+          <a:effectRef idx="0">
+            <a:schemeClr val="dk1"/>
+          </a:effectRef>
+          <a:fontRef idx="minor">
+            <a:schemeClr val="dk1"/>
+          </a:fontRef>
+        </p:style>
+        <p:txBody>
+          <a:bodyPr rtlCol="0" anchor="b"/>
+          <a:lstStyle/>
+          <a:p>
+            <a:pPr algn="ctr"/>
+            <a:r>
+              <a:rPr lang="en-US" altLang="ko-KR" sz="900" b="1"/>
+              <a:t>region : us, zone : b </a:t>
+            </a:r>
+          </a:p>
+          <a:p>
+            <a:pPr algn="ctr"/>
+            <a:r>
+              <a:rPr lang="en-US" altLang="ko-KR" sz="900"/>
+              <a:t>Worker Node 4</a:t>
+            </a:r>
+            <a:endParaRPr lang="ko-KR" altLang="en-US" sz="900"/>
+          </a:p>
+        </p:txBody>
+      </p:sp>
+      <p:sp>
+        <p:nvSpPr>
+          <p:cNvPr id="52" name="사각형: 둥근 모서리 29">
+            <a:extLst>
+              <a:ext uri="{FF2B5EF4-FFF2-40B4-BE49-F238E27FC236}">
+                <a16:creationId xmlns:a16="http://schemas.microsoft.com/office/drawing/2014/main" id="{AA0210A0-AF36-C149-B7DE-97C34B351542}"/>
+              </a:ext>
+            </a:extLst>
+          </p:cNvPr>
+          <p:cNvSpPr/>
+          <p:nvPr/>
+        </p:nvSpPr>
+        <p:spPr>
+          <a:xfrm>
+            <a:off x="6529384" y="3128585"/>
+            <a:ext cx="1452797" cy="864096"/>
+          </a:xfrm>
+          <a:prstGeom prst="roundRect">
+            <a:avLst>
+              <a:gd name="adj" fmla="val 11707"/>
+            </a:avLst>
+          </a:prstGeom>
+          <a:ln w="12700">
+            <a:prstDash val="solid"/>
+          </a:ln>
+        </p:spPr>
+        <p:style>
+          <a:lnRef idx="2">
+            <a:schemeClr val="dk1"/>
+          </a:lnRef>
+          <a:fillRef idx="1">
+            <a:schemeClr val="lt1"/>
+          </a:fillRef>
+          <a:effectRef idx="0">
+            <a:schemeClr val="dk1"/>
+          </a:effectRef>
+          <a:fontRef idx="minor">
+            <a:schemeClr val="dk1"/>
+          </a:fontRef>
+        </p:style>
+        <p:txBody>
+          <a:bodyPr rtlCol="0" anchor="b"/>
+          <a:lstStyle/>
+          <a:p>
+            <a:pPr algn="ctr"/>
+            <a:r>
+              <a:rPr lang="en-US" altLang="ko-KR" sz="900" b="1"/>
+              <a:t>helloworld-us-b</a:t>
+            </a:r>
+            <a:r>
+              <a:rPr lang="en-US" altLang="ko-KR" sz="900"/>
+              <a:t> </a:t>
+            </a:r>
+          </a:p>
+          <a:p>
+            <a:pPr algn="ctr"/>
+            <a:r>
+              <a:rPr lang="en-US" altLang="ko-KR" sz="900"/>
+              <a:t>Deployment</a:t>
+            </a:r>
+            <a:endParaRPr lang="ko-KR" altLang="en-US" sz="900"/>
+          </a:p>
+        </p:txBody>
+      </p:sp>
+      <p:grpSp>
+        <p:nvGrpSpPr>
+          <p:cNvPr id="53" name="Group 52">
+            <a:extLst>
+              <a:ext uri="{FF2B5EF4-FFF2-40B4-BE49-F238E27FC236}">
+                <a16:creationId xmlns:a16="http://schemas.microsoft.com/office/drawing/2014/main" id="{3C3CBB19-FD1D-7B49-8F0B-0B2E2A0AEEE1}"/>
+              </a:ext>
+            </a:extLst>
+          </p:cNvPr>
+          <p:cNvGrpSpPr/>
+          <p:nvPr/>
+        </p:nvGrpSpPr>
+        <p:grpSpPr>
+          <a:xfrm>
+            <a:off x="6653065" y="3236596"/>
+            <a:ext cx="1205434" cy="360040"/>
+            <a:chOff x="296560" y="3039802"/>
+            <a:chExt cx="1205434" cy="360040"/>
+          </a:xfrm>
+        </p:grpSpPr>
+        <p:sp>
+          <p:nvSpPr>
+            <p:cNvPr id="54" name="사각형: 둥근 모서리 29">
+              <a:extLst>
+                <a:ext uri="{FF2B5EF4-FFF2-40B4-BE49-F238E27FC236}">
+                  <a16:creationId xmlns:a16="http://schemas.microsoft.com/office/drawing/2014/main" id="{372CEF62-6428-0A49-97C2-4C6734F3B862}"/>
+                </a:ext>
+              </a:extLst>
+            </p:cNvPr>
+            <p:cNvSpPr/>
+            <p:nvPr/>
+          </p:nvSpPr>
+          <p:spPr>
+            <a:xfrm>
+              <a:off x="296560" y="3039802"/>
+              <a:ext cx="547268" cy="360040"/>
+            </a:xfrm>
+            <a:prstGeom prst="roundRect">
+              <a:avLst>
+                <a:gd name="adj" fmla="val 17374"/>
+              </a:avLst>
+            </a:prstGeom>
+            <a:ln w="12700"/>
+          </p:spPr>
+          <p:style>
+            <a:lnRef idx="2">
+              <a:schemeClr val="dk1"/>
+            </a:lnRef>
+            <a:fillRef idx="1">
+              <a:schemeClr val="lt1"/>
+            </a:fillRef>
+            <a:effectRef idx="0">
+              <a:schemeClr val="dk1"/>
+            </a:effectRef>
+            <a:fontRef idx="minor">
+              <a:schemeClr val="dk1"/>
+            </a:fontRef>
+          </p:style>
+          <p:txBody>
+            <a:bodyPr rtlCol="0" anchor="ctr"/>
+            <a:lstStyle/>
+            <a:p>
+              <a:pPr algn="ctr"/>
+              <a:r>
+                <a:rPr lang="en-US" altLang="ko-KR" sz="900"/>
+                <a:t>Pod</a:t>
+              </a:r>
+              <a:endParaRPr lang="ko-KR" altLang="en-US" sz="900"/>
+            </a:p>
+          </p:txBody>
+        </p:sp>
+        <p:sp>
+          <p:nvSpPr>
+            <p:cNvPr id="55" name="사각형: 둥근 모서리 29">
+              <a:extLst>
+                <a:ext uri="{FF2B5EF4-FFF2-40B4-BE49-F238E27FC236}">
+                  <a16:creationId xmlns:a16="http://schemas.microsoft.com/office/drawing/2014/main" id="{7FD6CB8D-70B9-954C-9E3F-FF97615642BA}"/>
+                </a:ext>
+              </a:extLst>
+            </p:cNvPr>
+            <p:cNvSpPr/>
+            <p:nvPr/>
+          </p:nvSpPr>
+          <p:spPr>
+            <a:xfrm>
+              <a:off x="954726" y="3039802"/>
+              <a:ext cx="547268" cy="360040"/>
+            </a:xfrm>
+            <a:prstGeom prst="roundRect">
+              <a:avLst>
+                <a:gd name="adj" fmla="val 17374"/>
+              </a:avLst>
+            </a:prstGeom>
+            <a:ln w="12700"/>
+          </p:spPr>
+          <p:style>
+            <a:lnRef idx="2">
+              <a:schemeClr val="dk1"/>
+            </a:lnRef>
+            <a:fillRef idx="1">
+              <a:schemeClr val="lt1"/>
+            </a:fillRef>
+            <a:effectRef idx="0">
+              <a:schemeClr val="dk1"/>
+            </a:effectRef>
+            <a:fontRef idx="minor">
+              <a:schemeClr val="dk1"/>
+            </a:fontRef>
+          </p:style>
+          <p:txBody>
+            <a:bodyPr rtlCol="0" anchor="ctr"/>
+            <a:lstStyle/>
+            <a:p>
+              <a:pPr algn="ctr"/>
+              <a:r>
+                <a:rPr lang="en-US" altLang="ko-KR" sz="900"/>
+                <a:t>Pod</a:t>
+              </a:r>
+              <a:endParaRPr lang="ko-KR" altLang="en-US" sz="900"/>
+            </a:p>
+          </p:txBody>
+        </p:sp>
+      </p:grpSp>
+      <p:cxnSp>
+        <p:nvCxnSpPr>
+          <p:cNvPr id="76" name="Elbow Connector 75">
+            <a:extLst>
+              <a:ext uri="{FF2B5EF4-FFF2-40B4-BE49-F238E27FC236}">
+                <a16:creationId xmlns:a16="http://schemas.microsoft.com/office/drawing/2014/main" id="{A53CBE94-C789-2F47-AAEC-FED237774C57}"/>
+              </a:ext>
+            </a:extLst>
+          </p:cNvPr>
+          <p:cNvCxnSpPr>
+            <a:cxnSpLocks/>
+            <a:stCxn id="72" idx="2"/>
+            <a:endCxn id="47" idx="0"/>
+          </p:cNvCxnSpPr>
+          <p:nvPr/>
+        </p:nvCxnSpPr>
+        <p:spPr>
+          <a:xfrm rot="16200000" flipH="1">
+            <a:off x="4667877" y="2415822"/>
+            <a:ext cx="503681" cy="934492"/>
+          </a:xfrm>
+          <a:prstGeom prst="bentConnector3">
+            <a:avLst>
+              <a:gd name="adj1" fmla="val 50000"/>
+            </a:avLst>
+          </a:prstGeom>
+          <a:ln w="12700">
+            <a:solidFill>
+              <a:schemeClr val="tx1"/>
+            </a:solidFill>
+            <a:tailEnd type="triangle"/>
+          </a:ln>
+        </p:spPr>
+        <p:style>
+          <a:lnRef idx="1">
+            <a:schemeClr val="accent1"/>
+          </a:lnRef>
+          <a:fillRef idx="0">
+            <a:schemeClr val="accent1"/>
+          </a:fillRef>
+          <a:effectRef idx="0">
+            <a:schemeClr val="accent1"/>
+          </a:effectRef>
+          <a:fontRef idx="minor">
+            <a:schemeClr val="tx1"/>
+          </a:fontRef>
+        </p:style>
+      </p:cxnSp>
+      <p:cxnSp>
+        <p:nvCxnSpPr>
+          <p:cNvPr id="78" name="Elbow Connector 77">
+            <a:extLst>
+              <a:ext uri="{FF2B5EF4-FFF2-40B4-BE49-F238E27FC236}">
+                <a16:creationId xmlns:a16="http://schemas.microsoft.com/office/drawing/2014/main" id="{03BAE97F-5FBA-BA47-8A3B-CC62F3DE25BE}"/>
+              </a:ext>
+            </a:extLst>
+          </p:cNvPr>
+          <p:cNvCxnSpPr>
+            <a:cxnSpLocks/>
+            <a:stCxn id="72" idx="2"/>
+            <a:endCxn id="52" idx="0"/>
+          </p:cNvCxnSpPr>
+          <p:nvPr/>
+        </p:nvCxnSpPr>
+        <p:spPr>
+          <a:xfrm rot="16200000" flipH="1">
+            <a:off x="5605449" y="1478250"/>
+            <a:ext cx="497357" cy="2803312"/>
+          </a:xfrm>
+          <a:prstGeom prst="bentConnector3">
+            <a:avLst>
+              <a:gd name="adj1" fmla="val 50000"/>
+            </a:avLst>
+          </a:prstGeom>
+          <a:ln w="12700">
+            <a:solidFill>
+              <a:schemeClr val="tx1"/>
+            </a:solidFill>
+            <a:tailEnd type="triangle"/>
+          </a:ln>
+        </p:spPr>
+        <p:style>
+          <a:lnRef idx="1">
+            <a:schemeClr val="accent1"/>
+          </a:lnRef>
+          <a:fillRef idx="0">
+            <a:schemeClr val="accent1"/>
+          </a:fillRef>
+          <a:effectRef idx="0">
+            <a:schemeClr val="accent1"/>
+          </a:effectRef>
+          <a:fontRef idx="minor">
+            <a:schemeClr val="tx1"/>
+          </a:fontRef>
+        </p:style>
+      </p:cxnSp>
+      <p:sp>
+        <p:nvSpPr>
+          <p:cNvPr id="79" name="사각형: 둥근 모서리 29">
+            <a:extLst>
+              <a:ext uri="{FF2B5EF4-FFF2-40B4-BE49-F238E27FC236}">
+                <a16:creationId xmlns:a16="http://schemas.microsoft.com/office/drawing/2014/main" id="{444A8DB3-4DB9-2048-822C-5CFE4FE154F8}"/>
+              </a:ext>
+            </a:extLst>
+          </p:cNvPr>
+          <p:cNvSpPr/>
+          <p:nvPr/>
+        </p:nvSpPr>
+        <p:spPr>
+          <a:xfrm>
+            <a:off x="3813466" y="1401006"/>
+            <a:ext cx="1278007" cy="525929"/>
+          </a:xfrm>
+          <a:prstGeom prst="roundRect">
+            <a:avLst>
+              <a:gd name="adj" fmla="val 11707"/>
+            </a:avLst>
+          </a:prstGeom>
+          <a:ln w="12700">
+            <a:prstDash val="solid"/>
+          </a:ln>
+        </p:spPr>
+        <p:style>
+          <a:lnRef idx="2">
+            <a:schemeClr val="dk1"/>
+          </a:lnRef>
+          <a:fillRef idx="1">
+            <a:schemeClr val="lt1"/>
+          </a:fillRef>
+          <a:effectRef idx="0">
+            <a:schemeClr val="dk1"/>
+          </a:effectRef>
+          <a:fontRef idx="minor">
+            <a:schemeClr val="dk1"/>
+          </a:fontRef>
+        </p:style>
+        <p:txBody>
+          <a:bodyPr rtlCol="0" anchor="ctr"/>
+          <a:lstStyle/>
+          <a:p>
+            <a:pPr algn="ctr"/>
+            <a:r>
+              <a:rPr lang="en-US" altLang="ko-KR" sz="900" b="1"/>
+              <a:t>helloworld</a:t>
+            </a:r>
+            <a:r>
+              <a:rPr lang="en-US" altLang="ko-KR" sz="900"/>
+              <a:t> DestinationRule</a:t>
+            </a:r>
+            <a:endParaRPr lang="ko-KR" altLang="en-US" sz="900"/>
+          </a:p>
+        </p:txBody>
+      </p:sp>
+      <p:sp>
+        <p:nvSpPr>
+          <p:cNvPr id="80" name="사각형: 둥근 모서리 29">
+            <a:extLst>
+              <a:ext uri="{FF2B5EF4-FFF2-40B4-BE49-F238E27FC236}">
+                <a16:creationId xmlns:a16="http://schemas.microsoft.com/office/drawing/2014/main" id="{E6191776-AD2A-C742-8CCC-1CC0F29361E8}"/>
+              </a:ext>
+            </a:extLst>
+          </p:cNvPr>
+          <p:cNvSpPr/>
+          <p:nvPr/>
+        </p:nvSpPr>
+        <p:spPr>
+          <a:xfrm>
+            <a:off x="3813466" y="699542"/>
+            <a:ext cx="1278007" cy="525929"/>
+          </a:xfrm>
+          <a:prstGeom prst="roundRect">
+            <a:avLst>
+              <a:gd name="adj" fmla="val 11707"/>
+            </a:avLst>
+          </a:prstGeom>
+          <a:ln w="12700">
+            <a:prstDash val="solid"/>
+          </a:ln>
+        </p:spPr>
+        <p:style>
+          <a:lnRef idx="2">
+            <a:schemeClr val="dk1"/>
+          </a:lnRef>
+          <a:fillRef idx="1">
+            <a:schemeClr val="lt1"/>
+          </a:fillRef>
+          <a:effectRef idx="0">
+            <a:schemeClr val="dk1"/>
+          </a:effectRef>
+          <a:fontRef idx="minor">
+            <a:schemeClr val="dk1"/>
+          </a:fontRef>
+        </p:style>
+        <p:txBody>
+          <a:bodyPr rtlCol="0" anchor="ctr"/>
+          <a:lstStyle/>
+          <a:p>
+            <a:pPr algn="ctr"/>
+            <a:r>
+              <a:rPr lang="en-US" altLang="ko-KR" sz="900" b="1"/>
+              <a:t>helloworld</a:t>
+            </a:r>
+            <a:r>
+              <a:rPr lang="en-US" altLang="ko-KR" sz="900"/>
+              <a:t> VirtualService</a:t>
+            </a:r>
+            <a:endParaRPr lang="ko-KR" altLang="en-US" sz="900"/>
+          </a:p>
+        </p:txBody>
+      </p:sp>
+      <p:cxnSp>
+        <p:nvCxnSpPr>
+          <p:cNvPr id="81" name="Elbow Connector 80">
+            <a:extLst>
+              <a:ext uri="{FF2B5EF4-FFF2-40B4-BE49-F238E27FC236}">
+                <a16:creationId xmlns:a16="http://schemas.microsoft.com/office/drawing/2014/main" id="{68BEF10E-5023-4744-A438-A6E02108242A}"/>
+              </a:ext>
+            </a:extLst>
+          </p:cNvPr>
+          <p:cNvCxnSpPr>
+            <a:cxnSpLocks/>
+            <a:stCxn id="71" idx="0"/>
+            <a:endCxn id="80" idx="1"/>
+          </p:cNvCxnSpPr>
+          <p:nvPr/>
+        </p:nvCxnSpPr>
+        <p:spPr>
+          <a:xfrm rot="5400000" flipH="1" flipV="1">
+            <a:off x="2073704" y="534737"/>
+            <a:ext cx="1311992" cy="2167532"/>
+          </a:xfrm>
+          <a:prstGeom prst="bentConnector2">
+            <a:avLst/>
+          </a:prstGeom>
+          <a:ln w="12700">
+            <a:solidFill>
+              <a:schemeClr val="tx1"/>
+            </a:solidFill>
+            <a:tailEnd type="triangle"/>
+          </a:ln>
+        </p:spPr>
+        <p:style>
+          <a:lnRef idx="1">
+            <a:schemeClr val="accent1"/>
+          </a:lnRef>
+          <a:fillRef idx="0">
+            <a:schemeClr val="accent1"/>
+          </a:fillRef>
+          <a:effectRef idx="0">
+            <a:schemeClr val="accent1"/>
+          </a:effectRef>
+          <a:fontRef idx="minor">
+            <a:schemeClr val="tx1"/>
+          </a:fontRef>
+        </p:style>
+      </p:cxnSp>
+      <p:cxnSp>
+        <p:nvCxnSpPr>
+          <p:cNvPr id="25" name="Straight Arrow Connector 24">
+            <a:extLst>
+              <a:ext uri="{FF2B5EF4-FFF2-40B4-BE49-F238E27FC236}">
+                <a16:creationId xmlns:a16="http://schemas.microsoft.com/office/drawing/2014/main" id="{DCF2D692-DFA3-F043-9FD1-A63F7A2BEF86}"/>
+              </a:ext>
+            </a:extLst>
+          </p:cNvPr>
+          <p:cNvCxnSpPr>
+            <a:stCxn id="80" idx="2"/>
+            <a:endCxn id="79" idx="0"/>
+          </p:cNvCxnSpPr>
+          <p:nvPr/>
+        </p:nvCxnSpPr>
+        <p:spPr>
+          <a:xfrm>
+            <a:off x="4452470" y="1225471"/>
+            <a:ext cx="0" cy="175535"/>
+          </a:xfrm>
+          <a:prstGeom prst="straightConnector1">
+            <a:avLst/>
+          </a:prstGeom>
+          <a:ln>
+            <a:solidFill>
+              <a:schemeClr val="tx1"/>
+            </a:solidFill>
+            <a:tailEnd type="triangle"/>
+          </a:ln>
+        </p:spPr>
+        <p:style>
+          <a:lnRef idx="1">
+            <a:schemeClr val="accent1"/>
+          </a:lnRef>
+          <a:fillRef idx="0">
+            <a:schemeClr val="accent1"/>
+          </a:fillRef>
+          <a:effectRef idx="0">
+            <a:schemeClr val="accent1"/>
+          </a:effectRef>
+          <a:fontRef idx="minor">
+            <a:schemeClr val="tx1"/>
+          </a:fontRef>
+        </p:style>
+      </p:cxnSp>
+      <p:cxnSp>
+        <p:nvCxnSpPr>
+          <p:cNvPr id="82" name="Straight Arrow Connector 81">
+            <a:extLst>
+              <a:ext uri="{FF2B5EF4-FFF2-40B4-BE49-F238E27FC236}">
+                <a16:creationId xmlns:a16="http://schemas.microsoft.com/office/drawing/2014/main" id="{5729BE17-B09B-C84E-87BE-6F5682769182}"/>
+              </a:ext>
+            </a:extLst>
+          </p:cNvPr>
+          <p:cNvCxnSpPr>
+            <a:cxnSpLocks/>
+            <a:stCxn id="79" idx="2"/>
+            <a:endCxn id="72" idx="0"/>
+          </p:cNvCxnSpPr>
+          <p:nvPr/>
+        </p:nvCxnSpPr>
+        <p:spPr>
+          <a:xfrm>
+            <a:off x="4452470" y="1926935"/>
+            <a:ext cx="1" cy="178364"/>
+          </a:xfrm>
+          <a:prstGeom prst="straightConnector1">
+            <a:avLst/>
+          </a:prstGeom>
+          <a:ln>
+            <a:solidFill>
+              <a:schemeClr val="tx1"/>
+            </a:solidFill>
+            <a:tailEnd type="triangle"/>
+          </a:ln>
+        </p:spPr>
+        <p:style>
+          <a:lnRef idx="1">
+            <a:schemeClr val="accent1"/>
+          </a:lnRef>
+          <a:fillRef idx="0">
+            <a:schemeClr val="accent1"/>
+          </a:fillRef>
+          <a:effectRef idx="0">
+            <a:schemeClr val="accent1"/>
+          </a:effectRef>
+          <a:fontRef idx="minor">
+            <a:schemeClr val="tx1"/>
+          </a:fontRef>
+        </p:style>
+      </p:cxnSp>
+    </p:spTree>
+    <p:extLst>
+      <p:ext uri="{BB962C8B-B14F-4D97-AF65-F5344CB8AC3E}">
+        <p14:creationId xmlns:p14="http://schemas.microsoft.com/office/powerpoint/2010/main" val="2869561458"/>
+      </p:ext>
+    </p:extLst>
+  </p:cSld>
+  <p:clrMapOvr>
+    <a:masterClrMapping/>
+  </p:clrMapOvr>
+</p:sld>
+</file>
+
+<file path=ppt/slides/slide5.xml><?xml version="1.0" encoding="utf-8"?>
+<p:sld xmlns:a="http://schemas.openxmlformats.org/drawingml/2006/main" xmlns:r="http://schemas.openxmlformats.org/officeDocument/2006/relationships" xmlns:p="http://schemas.openxmlformats.org/presentationml/2006/main">
+  <p:cSld>
+    <p:spTree>
+      <p:nvGrpSpPr>
+        <p:cNvPr id="1" name=""/>
+        <p:cNvGrpSpPr/>
+        <p:nvPr/>
+      </p:nvGrpSpPr>
+      <p:grpSpPr>
+        <a:xfrm>
+          <a:off x="0" y="0"/>
+          <a:ext cx="0" cy="0"/>
+          <a:chOff x="0" y="0"/>
+          <a:chExt cx="0" cy="0"/>
+        </a:xfrm>
+      </p:grpSpPr>
+      <p:sp>
+        <p:nvSpPr>
+          <p:cNvPr id="19" name="사각형: 둥근 모서리 29">
+            <a:extLst>
+              <a:ext uri="{FF2B5EF4-FFF2-40B4-BE49-F238E27FC236}">
+                <a16:creationId xmlns:a16="http://schemas.microsoft.com/office/drawing/2014/main" id="{ACD14712-953B-4B41-9FE2-C7701A81A58D}"/>
+              </a:ext>
+            </a:extLst>
+          </p:cNvPr>
+          <p:cNvSpPr/>
+          <p:nvPr/>
+        </p:nvSpPr>
+        <p:spPr>
+          <a:xfrm>
+            <a:off x="827584" y="2182482"/>
+            <a:ext cx="1639925" cy="2217672"/>
+          </a:xfrm>
+          <a:prstGeom prst="roundRect">
+            <a:avLst>
+              <a:gd name="adj" fmla="val 7396"/>
+            </a:avLst>
+          </a:prstGeom>
+          <a:ln w="12700"/>
+        </p:spPr>
+        <p:style>
+          <a:lnRef idx="2">
+            <a:schemeClr val="dk1"/>
+          </a:lnRef>
+          <a:fillRef idx="1">
+            <a:schemeClr val="lt1"/>
+          </a:fillRef>
+          <a:effectRef idx="0">
+            <a:schemeClr val="dk1"/>
+          </a:effectRef>
+          <a:fontRef idx="minor">
+            <a:schemeClr val="dk1"/>
+          </a:fontRef>
+        </p:style>
+        <p:txBody>
+          <a:bodyPr rtlCol="0" anchor="b"/>
+          <a:lstStyle/>
+          <a:p>
+            <a:pPr algn="ctr"/>
+            <a:r>
+              <a:rPr lang="en-US" altLang="ko-KR" sz="900" b="1"/>
+              <a:t>region : kr, zone : a </a:t>
+            </a:r>
+          </a:p>
+          <a:p>
+            <a:pPr algn="ctr"/>
+            <a:r>
+              <a:rPr lang="en-US" altLang="ko-KR" sz="900"/>
+              <a:t>Worker Node 1</a:t>
+            </a:r>
+            <a:endParaRPr lang="ko-KR" altLang="en-US" sz="900"/>
+          </a:p>
+        </p:txBody>
+      </p:sp>
+      <p:sp>
+        <p:nvSpPr>
+          <p:cNvPr id="26" name="사각형: 둥근 모서리 29">
+            <a:extLst>
+              <a:ext uri="{FF2B5EF4-FFF2-40B4-BE49-F238E27FC236}">
+                <a16:creationId xmlns:a16="http://schemas.microsoft.com/office/drawing/2014/main" id="{DD7C8ABF-CB2D-3143-983E-92F0F058294C}"/>
+              </a:ext>
+            </a:extLst>
+          </p:cNvPr>
+          <p:cNvSpPr/>
+          <p:nvPr/>
+        </p:nvSpPr>
+        <p:spPr>
+          <a:xfrm>
+            <a:off x="919536" y="3134909"/>
+            <a:ext cx="1452797" cy="864096"/>
+          </a:xfrm>
+          <a:prstGeom prst="roundRect">
+            <a:avLst>
+              <a:gd name="adj" fmla="val 11707"/>
+            </a:avLst>
+          </a:prstGeom>
+          <a:ln w="12700">
+            <a:prstDash val="solid"/>
+          </a:ln>
+        </p:spPr>
+        <p:style>
+          <a:lnRef idx="2">
+            <a:schemeClr val="dk1"/>
+          </a:lnRef>
+          <a:fillRef idx="1">
+            <a:schemeClr val="lt1"/>
+          </a:fillRef>
+          <a:effectRef idx="0">
+            <a:schemeClr val="dk1"/>
+          </a:effectRef>
+          <a:fontRef idx="minor">
+            <a:schemeClr val="dk1"/>
+          </a:fontRef>
+        </p:style>
+        <p:txBody>
+          <a:bodyPr rtlCol="0" anchor="b"/>
+          <a:lstStyle/>
+          <a:p>
+            <a:pPr algn="ctr"/>
+            <a:r>
+              <a:rPr lang="en-US" altLang="ko-KR" sz="900" b="1"/>
+              <a:t>helloworld-kr-a</a:t>
+            </a:r>
+            <a:r>
+              <a:rPr lang="en-US" altLang="ko-KR" sz="900"/>
+              <a:t> </a:t>
+            </a:r>
+          </a:p>
+          <a:p>
+            <a:pPr algn="ctr"/>
+            <a:r>
+              <a:rPr lang="en-US" altLang="ko-KR" sz="900"/>
+              <a:t>Deployment</a:t>
+            </a:r>
+            <a:endParaRPr lang="ko-KR" altLang="en-US" sz="900"/>
+          </a:p>
+        </p:txBody>
+      </p:sp>
+      <p:sp>
+        <p:nvSpPr>
+          <p:cNvPr id="71" name="사각형: 둥근 모서리 29">
+            <a:extLst>
+              <a:ext uri="{FF2B5EF4-FFF2-40B4-BE49-F238E27FC236}">
+                <a16:creationId xmlns:a16="http://schemas.microsoft.com/office/drawing/2014/main" id="{77A98D48-BB79-0C4D-A5C4-BE111D7DBA22}"/>
+              </a:ext>
+            </a:extLst>
+          </p:cNvPr>
+          <p:cNvSpPr/>
+          <p:nvPr/>
+        </p:nvSpPr>
+        <p:spPr>
+          <a:xfrm>
+            <a:off x="919535" y="2274499"/>
+            <a:ext cx="1452797" cy="360040"/>
+          </a:xfrm>
+          <a:prstGeom prst="roundRect">
+            <a:avLst>
+              <a:gd name="adj" fmla="val 17374"/>
+            </a:avLst>
+          </a:prstGeom>
+          <a:ln w="12700"/>
+        </p:spPr>
+        <p:style>
+          <a:lnRef idx="2">
+            <a:schemeClr val="dk1"/>
+          </a:lnRef>
+          <a:fillRef idx="1">
+            <a:schemeClr val="lt1"/>
+          </a:fillRef>
+          <a:effectRef idx="0">
+            <a:schemeClr val="dk1"/>
+          </a:effectRef>
+          <a:fontRef idx="minor">
+            <a:schemeClr val="dk1"/>
+          </a:fontRef>
+        </p:style>
+        <p:txBody>
+          <a:bodyPr rtlCol="0" anchor="ctr"/>
+          <a:lstStyle/>
+          <a:p>
+            <a:pPr algn="ctr"/>
+            <a:r>
+              <a:rPr lang="en-US" altLang="ko-KR" sz="900" b="1"/>
+              <a:t>myshell-kr-a</a:t>
+            </a:r>
+          </a:p>
+          <a:p>
+            <a:pPr algn="ctr"/>
+            <a:r>
+              <a:rPr lang="en-US" altLang="ko-KR" sz="900"/>
+              <a:t>Pod</a:t>
+            </a:r>
+            <a:endParaRPr lang="ko-KR" altLang="en-US" sz="900"/>
+          </a:p>
+        </p:txBody>
+      </p:sp>
+      <p:sp>
+        <p:nvSpPr>
+          <p:cNvPr id="72" name="사각형: 둥근 모서리 29">
+            <a:extLst>
+              <a:ext uri="{FF2B5EF4-FFF2-40B4-BE49-F238E27FC236}">
+                <a16:creationId xmlns:a16="http://schemas.microsoft.com/office/drawing/2014/main" id="{898704CB-2A1E-DF4C-93AD-25D8EEA7D5A1}"/>
+              </a:ext>
+            </a:extLst>
+          </p:cNvPr>
+          <p:cNvSpPr/>
+          <p:nvPr/>
+        </p:nvSpPr>
+        <p:spPr>
+          <a:xfrm>
+            <a:off x="3813467" y="2105299"/>
+            <a:ext cx="1278007" cy="525929"/>
+          </a:xfrm>
+          <a:prstGeom prst="roundRect">
+            <a:avLst>
+              <a:gd name="adj" fmla="val 11707"/>
+            </a:avLst>
+          </a:prstGeom>
+          <a:ln w="12700">
+            <a:prstDash val="solid"/>
+          </a:ln>
+        </p:spPr>
+        <p:style>
+          <a:lnRef idx="2">
+            <a:schemeClr val="dk1"/>
+          </a:lnRef>
+          <a:fillRef idx="1">
+            <a:schemeClr val="lt1"/>
+          </a:fillRef>
+          <a:effectRef idx="0">
+            <a:schemeClr val="dk1"/>
+          </a:effectRef>
+          <a:fontRef idx="minor">
+            <a:schemeClr val="dk1"/>
+          </a:fontRef>
+        </p:style>
+        <p:txBody>
+          <a:bodyPr rtlCol="0" anchor="ctr"/>
+          <a:lstStyle/>
+          <a:p>
+            <a:pPr algn="ctr"/>
+            <a:r>
+              <a:rPr lang="en-US" altLang="ko-KR" sz="900" b="1"/>
+              <a:t>helloworld</a:t>
+            </a:r>
+            <a:r>
+              <a:rPr lang="en-US" altLang="ko-KR" sz="900"/>
+              <a:t> </a:t>
+            </a:r>
+          </a:p>
+          <a:p>
+            <a:pPr algn="ctr"/>
+            <a:r>
+              <a:rPr lang="en-US" altLang="ko-KR" sz="900"/>
+              <a:t>Service</a:t>
+            </a:r>
+            <a:endParaRPr lang="ko-KR" altLang="en-US" sz="900"/>
+          </a:p>
+        </p:txBody>
+      </p:sp>
+      <p:sp>
+        <p:nvSpPr>
+          <p:cNvPr id="37" name="사각형: 둥근 모서리 29">
+            <a:extLst>
+              <a:ext uri="{FF2B5EF4-FFF2-40B4-BE49-F238E27FC236}">
+                <a16:creationId xmlns:a16="http://schemas.microsoft.com/office/drawing/2014/main" id="{C5F66508-4677-3641-8B2E-5942A93B24D2}"/>
+              </a:ext>
+            </a:extLst>
+          </p:cNvPr>
+          <p:cNvSpPr/>
+          <p:nvPr/>
+        </p:nvSpPr>
+        <p:spPr>
+          <a:xfrm>
+            <a:off x="1043217" y="3242920"/>
+            <a:ext cx="547268" cy="360040"/>
+          </a:xfrm>
+          <a:prstGeom prst="roundRect">
+            <a:avLst>
+              <a:gd name="adj" fmla="val 17374"/>
+            </a:avLst>
+          </a:prstGeom>
+          <a:ln w="12700"/>
+        </p:spPr>
+        <p:style>
+          <a:lnRef idx="2">
+            <a:schemeClr val="dk1"/>
+          </a:lnRef>
+          <a:fillRef idx="1">
+            <a:schemeClr val="lt1"/>
+          </a:fillRef>
+          <a:effectRef idx="0">
+            <a:schemeClr val="dk1"/>
+          </a:effectRef>
+          <a:fontRef idx="minor">
+            <a:schemeClr val="dk1"/>
+          </a:fontRef>
+        </p:style>
+        <p:txBody>
+          <a:bodyPr rtlCol="0" anchor="ctr"/>
+          <a:lstStyle/>
+          <a:p>
+            <a:pPr algn="ctr"/>
+            <a:r>
+              <a:rPr lang="en-US" altLang="ko-KR" sz="900"/>
+              <a:t>Pod</a:t>
+            </a:r>
+            <a:endParaRPr lang="ko-KR" altLang="en-US" sz="900"/>
+          </a:p>
+        </p:txBody>
+      </p:sp>
+      <p:sp>
+        <p:nvSpPr>
+          <p:cNvPr id="41" name="사각형: 둥근 모서리 29">
+            <a:extLst>
+              <a:ext uri="{FF2B5EF4-FFF2-40B4-BE49-F238E27FC236}">
+                <a16:creationId xmlns:a16="http://schemas.microsoft.com/office/drawing/2014/main" id="{3748AC52-7892-894C-B5FD-CCDE824A9549}"/>
+              </a:ext>
+            </a:extLst>
+          </p:cNvPr>
+          <p:cNvSpPr/>
+          <p:nvPr/>
+        </p:nvSpPr>
+        <p:spPr>
+          <a:xfrm>
+            <a:off x="2699792" y="3032672"/>
+            <a:ext cx="1639925" cy="1367777"/>
+          </a:xfrm>
+          <a:prstGeom prst="roundRect">
+            <a:avLst>
+              <a:gd name="adj" fmla="val 7396"/>
+            </a:avLst>
+          </a:prstGeom>
+          <a:ln w="12700"/>
+        </p:spPr>
+        <p:style>
+          <a:lnRef idx="2">
+            <a:schemeClr val="dk1"/>
+          </a:lnRef>
+          <a:fillRef idx="1">
+            <a:schemeClr val="lt1"/>
+          </a:fillRef>
+          <a:effectRef idx="0">
+            <a:schemeClr val="dk1"/>
+          </a:effectRef>
+          <a:fontRef idx="minor">
+            <a:schemeClr val="dk1"/>
+          </a:fontRef>
+        </p:style>
+        <p:txBody>
+          <a:bodyPr rtlCol="0" anchor="b"/>
+          <a:lstStyle/>
+          <a:p>
+            <a:pPr algn="ctr"/>
+            <a:r>
+              <a:rPr lang="en-US" altLang="ko-KR" sz="900" b="1"/>
+              <a:t>region : kr, zone : b </a:t>
+            </a:r>
+          </a:p>
+          <a:p>
+            <a:pPr algn="ctr"/>
+            <a:r>
+              <a:rPr lang="en-US" altLang="ko-KR" sz="900"/>
+              <a:t>Worker Node 2</a:t>
+            </a:r>
+            <a:endParaRPr lang="ko-KR" altLang="en-US" sz="900"/>
+          </a:p>
+        </p:txBody>
+      </p:sp>
+      <p:sp>
+        <p:nvSpPr>
+          <p:cNvPr id="42" name="사각형: 둥근 모서리 29">
+            <a:extLst>
+              <a:ext uri="{FF2B5EF4-FFF2-40B4-BE49-F238E27FC236}">
+                <a16:creationId xmlns:a16="http://schemas.microsoft.com/office/drawing/2014/main" id="{E1C11396-D32B-334C-98DA-66126C715FF3}"/>
+              </a:ext>
+            </a:extLst>
+          </p:cNvPr>
+          <p:cNvSpPr/>
+          <p:nvPr/>
+        </p:nvSpPr>
+        <p:spPr>
+          <a:xfrm>
+            <a:off x="2791744" y="3135204"/>
+            <a:ext cx="1452797" cy="864096"/>
+          </a:xfrm>
+          <a:prstGeom prst="roundRect">
+            <a:avLst>
+              <a:gd name="adj" fmla="val 11707"/>
+            </a:avLst>
+          </a:prstGeom>
+          <a:ln w="12700">
+            <a:prstDash val="solid"/>
+          </a:ln>
+        </p:spPr>
+        <p:style>
+          <a:lnRef idx="2">
+            <a:schemeClr val="dk1"/>
+          </a:lnRef>
+          <a:fillRef idx="1">
+            <a:schemeClr val="lt1"/>
+          </a:fillRef>
+          <a:effectRef idx="0">
+            <a:schemeClr val="dk1"/>
+          </a:effectRef>
+          <a:fontRef idx="minor">
+            <a:schemeClr val="dk1"/>
+          </a:fontRef>
+        </p:style>
+        <p:txBody>
+          <a:bodyPr rtlCol="0" anchor="b"/>
+          <a:lstStyle/>
+          <a:p>
+            <a:pPr algn="ctr"/>
+            <a:r>
+              <a:rPr lang="en-US" altLang="ko-KR" sz="900" b="1"/>
+              <a:t>helloworld-kr-b</a:t>
+            </a:r>
+            <a:r>
+              <a:rPr lang="en-US" altLang="ko-KR" sz="900"/>
+              <a:t> </a:t>
+            </a:r>
+          </a:p>
+          <a:p>
+            <a:pPr algn="ctr"/>
+            <a:r>
+              <a:rPr lang="en-US" altLang="ko-KR" sz="900"/>
+              <a:t>Deployment</a:t>
+            </a:r>
+            <a:endParaRPr lang="ko-KR" altLang="en-US" sz="900"/>
+          </a:p>
+        </p:txBody>
+      </p:sp>
+      <p:grpSp>
+        <p:nvGrpSpPr>
+          <p:cNvPr id="43" name="Group 42">
+            <a:extLst>
+              <a:ext uri="{FF2B5EF4-FFF2-40B4-BE49-F238E27FC236}">
+                <a16:creationId xmlns:a16="http://schemas.microsoft.com/office/drawing/2014/main" id="{47E354A4-1FA8-084A-88AB-404EF6D0838F}"/>
+              </a:ext>
+            </a:extLst>
+          </p:cNvPr>
+          <p:cNvGrpSpPr/>
+          <p:nvPr/>
+        </p:nvGrpSpPr>
+        <p:grpSpPr>
+          <a:xfrm>
+            <a:off x="2915425" y="3243215"/>
+            <a:ext cx="1205434" cy="360040"/>
+            <a:chOff x="296560" y="3039802"/>
+            <a:chExt cx="1205434" cy="360040"/>
+          </a:xfrm>
+        </p:grpSpPr>
+        <p:sp>
+          <p:nvSpPr>
+            <p:cNvPr id="44" name="사각형: 둥근 모서리 29">
+              <a:extLst>
+                <a:ext uri="{FF2B5EF4-FFF2-40B4-BE49-F238E27FC236}">
+                  <a16:creationId xmlns:a16="http://schemas.microsoft.com/office/drawing/2014/main" id="{E2117624-F249-ED4A-AF9B-B1E2DDBF269C}"/>
+                </a:ext>
+              </a:extLst>
+            </p:cNvPr>
+            <p:cNvSpPr/>
+            <p:nvPr/>
+          </p:nvSpPr>
+          <p:spPr>
+            <a:xfrm>
+              <a:off x="296560" y="3039802"/>
+              <a:ext cx="547268" cy="360040"/>
+            </a:xfrm>
+            <a:prstGeom prst="roundRect">
+              <a:avLst>
+                <a:gd name="adj" fmla="val 17374"/>
+              </a:avLst>
+            </a:prstGeom>
+            <a:ln w="12700"/>
+          </p:spPr>
+          <p:style>
+            <a:lnRef idx="2">
+              <a:schemeClr val="dk1"/>
+            </a:lnRef>
+            <a:fillRef idx="1">
+              <a:schemeClr val="lt1"/>
+            </a:fillRef>
+            <a:effectRef idx="0">
+              <a:schemeClr val="dk1"/>
+            </a:effectRef>
+            <a:fontRef idx="minor">
+              <a:schemeClr val="dk1"/>
+            </a:fontRef>
+          </p:style>
+          <p:txBody>
+            <a:bodyPr rtlCol="0" anchor="ctr"/>
+            <a:lstStyle/>
+            <a:p>
+              <a:pPr algn="ctr"/>
+              <a:r>
+                <a:rPr lang="en-US" altLang="ko-KR" sz="900"/>
+                <a:t>Pod</a:t>
+              </a:r>
+              <a:endParaRPr lang="ko-KR" altLang="en-US" sz="900"/>
+            </a:p>
+          </p:txBody>
+        </p:sp>
+        <p:sp>
+          <p:nvSpPr>
+            <p:cNvPr id="45" name="사각형: 둥근 모서리 29">
+              <a:extLst>
+                <a:ext uri="{FF2B5EF4-FFF2-40B4-BE49-F238E27FC236}">
+                  <a16:creationId xmlns:a16="http://schemas.microsoft.com/office/drawing/2014/main" id="{BCB29C28-200B-EA4F-9DCC-56CB21EDAA9B}"/>
+                </a:ext>
+              </a:extLst>
+            </p:cNvPr>
+            <p:cNvSpPr/>
+            <p:nvPr/>
+          </p:nvSpPr>
+          <p:spPr>
+            <a:xfrm>
+              <a:off x="954726" y="3039802"/>
+              <a:ext cx="547268" cy="360040"/>
+            </a:xfrm>
+            <a:prstGeom prst="roundRect">
+              <a:avLst>
+                <a:gd name="adj" fmla="val 17374"/>
+              </a:avLst>
+            </a:prstGeom>
+            <a:ln w="12700"/>
+          </p:spPr>
+          <p:style>
+            <a:lnRef idx="2">
+              <a:schemeClr val="dk1"/>
+            </a:lnRef>
+            <a:fillRef idx="1">
+              <a:schemeClr val="lt1"/>
+            </a:fillRef>
+            <a:effectRef idx="0">
+              <a:schemeClr val="dk1"/>
+            </a:effectRef>
+            <a:fontRef idx="minor">
+              <a:schemeClr val="dk1"/>
+            </a:fontRef>
+          </p:style>
+          <p:txBody>
+            <a:bodyPr rtlCol="0" anchor="ctr"/>
+            <a:lstStyle/>
+            <a:p>
+              <a:pPr algn="ctr"/>
+              <a:r>
+                <a:rPr lang="en-US" altLang="ko-KR" sz="900"/>
+                <a:t>Pod</a:t>
+              </a:r>
+              <a:endParaRPr lang="ko-KR" altLang="en-US" sz="900"/>
+            </a:p>
+          </p:txBody>
+        </p:sp>
+      </p:grpSp>
+      <p:sp>
+        <p:nvSpPr>
+          <p:cNvPr id="46" name="사각형: 둥근 모서리 29">
+            <a:extLst>
+              <a:ext uri="{FF2B5EF4-FFF2-40B4-BE49-F238E27FC236}">
+                <a16:creationId xmlns:a16="http://schemas.microsoft.com/office/drawing/2014/main" id="{642E2DCB-20C6-2548-A871-0035F9DCA874}"/>
+              </a:ext>
+            </a:extLst>
+          </p:cNvPr>
+          <p:cNvSpPr/>
+          <p:nvPr/>
+        </p:nvSpPr>
+        <p:spPr>
+          <a:xfrm>
+            <a:off x="4568612" y="3032377"/>
+            <a:ext cx="1639925" cy="1367777"/>
+          </a:xfrm>
+          <a:prstGeom prst="roundRect">
+            <a:avLst>
+              <a:gd name="adj" fmla="val 7396"/>
+            </a:avLst>
+          </a:prstGeom>
+          <a:ln w="12700"/>
+        </p:spPr>
+        <p:style>
+          <a:lnRef idx="2">
+            <a:schemeClr val="dk1"/>
+          </a:lnRef>
+          <a:fillRef idx="1">
+            <a:schemeClr val="lt1"/>
+          </a:fillRef>
+          <a:effectRef idx="0">
+            <a:schemeClr val="dk1"/>
+          </a:effectRef>
+          <a:fontRef idx="minor">
+            <a:schemeClr val="dk1"/>
+          </a:fontRef>
+        </p:style>
+        <p:txBody>
+          <a:bodyPr rtlCol="0" anchor="b"/>
+          <a:lstStyle/>
+          <a:p>
+            <a:pPr algn="ctr"/>
+            <a:r>
+              <a:rPr lang="en-US" altLang="ko-KR" sz="900" b="1"/>
+              <a:t>region : us, zone : a </a:t>
+            </a:r>
+          </a:p>
+          <a:p>
+            <a:pPr algn="ctr"/>
+            <a:r>
+              <a:rPr lang="en-US" altLang="ko-KR" sz="900"/>
+              <a:t>Worker Node 3</a:t>
+            </a:r>
+            <a:endParaRPr lang="ko-KR" altLang="en-US" sz="900"/>
+          </a:p>
+        </p:txBody>
+      </p:sp>
+      <p:sp>
+        <p:nvSpPr>
+          <p:cNvPr id="47" name="사각형: 둥근 모서리 29">
+            <a:extLst>
+              <a:ext uri="{FF2B5EF4-FFF2-40B4-BE49-F238E27FC236}">
+                <a16:creationId xmlns:a16="http://schemas.microsoft.com/office/drawing/2014/main" id="{E6E4D2E0-771E-B342-9DBB-02757D8B83E4}"/>
+              </a:ext>
+            </a:extLst>
+          </p:cNvPr>
+          <p:cNvSpPr/>
+          <p:nvPr/>
+        </p:nvSpPr>
+        <p:spPr>
+          <a:xfrm>
+            <a:off x="4660564" y="3134909"/>
+            <a:ext cx="1452797" cy="864096"/>
+          </a:xfrm>
+          <a:prstGeom prst="roundRect">
+            <a:avLst>
+              <a:gd name="adj" fmla="val 11707"/>
+            </a:avLst>
+          </a:prstGeom>
+          <a:ln w="12700">
+            <a:prstDash val="solid"/>
+          </a:ln>
+        </p:spPr>
+        <p:style>
+          <a:lnRef idx="2">
+            <a:schemeClr val="dk1"/>
+          </a:lnRef>
+          <a:fillRef idx="1">
+            <a:schemeClr val="lt1"/>
+          </a:fillRef>
+          <a:effectRef idx="0">
+            <a:schemeClr val="dk1"/>
+          </a:effectRef>
+          <a:fontRef idx="minor">
+            <a:schemeClr val="dk1"/>
+          </a:fontRef>
+        </p:style>
+        <p:txBody>
+          <a:bodyPr rtlCol="0" anchor="b"/>
+          <a:lstStyle/>
+          <a:p>
+            <a:pPr algn="ctr"/>
+            <a:r>
+              <a:rPr lang="en-US" altLang="ko-KR" sz="900" b="1"/>
+              <a:t>helloworld-us-a</a:t>
+            </a:r>
+            <a:r>
+              <a:rPr lang="en-US" altLang="ko-KR" sz="900"/>
+              <a:t> </a:t>
+            </a:r>
+          </a:p>
+          <a:p>
+            <a:pPr algn="ctr"/>
+            <a:r>
+              <a:rPr lang="en-US" altLang="ko-KR" sz="900"/>
+              <a:t>Deployment</a:t>
+            </a:r>
+            <a:endParaRPr lang="ko-KR" altLang="en-US" sz="900"/>
+          </a:p>
+        </p:txBody>
+      </p:sp>
+      <p:grpSp>
+        <p:nvGrpSpPr>
+          <p:cNvPr id="48" name="Group 47">
+            <a:extLst>
+              <a:ext uri="{FF2B5EF4-FFF2-40B4-BE49-F238E27FC236}">
+                <a16:creationId xmlns:a16="http://schemas.microsoft.com/office/drawing/2014/main" id="{CAB88C70-233E-3942-A59B-C3B13651F0D2}"/>
+              </a:ext>
+            </a:extLst>
+          </p:cNvPr>
+          <p:cNvGrpSpPr/>
+          <p:nvPr/>
+        </p:nvGrpSpPr>
+        <p:grpSpPr>
+          <a:xfrm>
+            <a:off x="4784245" y="3242920"/>
+            <a:ext cx="1205434" cy="360040"/>
+            <a:chOff x="296560" y="3039802"/>
+            <a:chExt cx="1205434" cy="360040"/>
+          </a:xfrm>
+        </p:grpSpPr>
+        <p:sp>
+          <p:nvSpPr>
+            <p:cNvPr id="49" name="사각형: 둥근 모서리 29">
+              <a:extLst>
+                <a:ext uri="{FF2B5EF4-FFF2-40B4-BE49-F238E27FC236}">
+                  <a16:creationId xmlns:a16="http://schemas.microsoft.com/office/drawing/2014/main" id="{04ACA664-60CB-854A-9301-920EB5FD70A8}"/>
+                </a:ext>
+              </a:extLst>
+            </p:cNvPr>
+            <p:cNvSpPr/>
+            <p:nvPr/>
+          </p:nvSpPr>
+          <p:spPr>
+            <a:xfrm>
+              <a:off x="296560" y="3039802"/>
+              <a:ext cx="547268" cy="360040"/>
+            </a:xfrm>
+            <a:prstGeom prst="roundRect">
+              <a:avLst>
+                <a:gd name="adj" fmla="val 17374"/>
+              </a:avLst>
+            </a:prstGeom>
+            <a:ln w="12700"/>
+          </p:spPr>
+          <p:style>
+            <a:lnRef idx="2">
+              <a:schemeClr val="dk1"/>
+            </a:lnRef>
+            <a:fillRef idx="1">
+              <a:schemeClr val="lt1"/>
+            </a:fillRef>
+            <a:effectRef idx="0">
+              <a:schemeClr val="dk1"/>
+            </a:effectRef>
+            <a:fontRef idx="minor">
+              <a:schemeClr val="dk1"/>
+            </a:fontRef>
+          </p:style>
+          <p:txBody>
+            <a:bodyPr rtlCol="0" anchor="ctr"/>
+            <a:lstStyle/>
+            <a:p>
+              <a:pPr algn="ctr"/>
+              <a:r>
+                <a:rPr lang="en-US" altLang="ko-KR" sz="900"/>
+                <a:t>Pod</a:t>
+              </a:r>
+              <a:endParaRPr lang="ko-KR" altLang="en-US" sz="900"/>
+            </a:p>
+          </p:txBody>
+        </p:sp>
+        <p:sp>
+          <p:nvSpPr>
+            <p:cNvPr id="50" name="사각형: 둥근 모서리 29">
+              <a:extLst>
+                <a:ext uri="{FF2B5EF4-FFF2-40B4-BE49-F238E27FC236}">
+                  <a16:creationId xmlns:a16="http://schemas.microsoft.com/office/drawing/2014/main" id="{02E7DD06-53BF-7548-908A-F01D75C9A08E}"/>
+                </a:ext>
+              </a:extLst>
+            </p:cNvPr>
+            <p:cNvSpPr/>
+            <p:nvPr/>
+          </p:nvSpPr>
+          <p:spPr>
+            <a:xfrm>
+              <a:off x="954726" y="3039802"/>
+              <a:ext cx="547268" cy="360040"/>
+            </a:xfrm>
+            <a:prstGeom prst="roundRect">
+              <a:avLst>
+                <a:gd name="adj" fmla="val 17374"/>
+              </a:avLst>
+            </a:prstGeom>
+            <a:ln w="12700"/>
+          </p:spPr>
+          <p:style>
+            <a:lnRef idx="2">
+              <a:schemeClr val="dk1"/>
+            </a:lnRef>
+            <a:fillRef idx="1">
+              <a:schemeClr val="lt1"/>
+            </a:fillRef>
+            <a:effectRef idx="0">
+              <a:schemeClr val="dk1"/>
+            </a:effectRef>
+            <a:fontRef idx="minor">
+              <a:schemeClr val="dk1"/>
+            </a:fontRef>
+          </p:style>
+          <p:txBody>
+            <a:bodyPr rtlCol="0" anchor="ctr"/>
+            <a:lstStyle/>
+            <a:p>
+              <a:pPr algn="ctr"/>
+              <a:r>
+                <a:rPr lang="en-US" altLang="ko-KR" sz="900"/>
+                <a:t>Pod</a:t>
+              </a:r>
+              <a:endParaRPr lang="ko-KR" altLang="en-US" sz="900"/>
+            </a:p>
+          </p:txBody>
+        </p:sp>
+      </p:grpSp>
+      <p:sp>
+        <p:nvSpPr>
+          <p:cNvPr id="51" name="사각형: 둥근 모서리 29">
+            <a:extLst>
+              <a:ext uri="{FF2B5EF4-FFF2-40B4-BE49-F238E27FC236}">
+                <a16:creationId xmlns:a16="http://schemas.microsoft.com/office/drawing/2014/main" id="{5483AB7D-1D0D-6440-83D6-6DFD74FE0587}"/>
+              </a:ext>
+            </a:extLst>
+          </p:cNvPr>
+          <p:cNvSpPr/>
+          <p:nvPr/>
+        </p:nvSpPr>
+        <p:spPr>
+          <a:xfrm>
+            <a:off x="6437432" y="3026053"/>
+            <a:ext cx="1639925" cy="1367777"/>
+          </a:xfrm>
+          <a:prstGeom prst="roundRect">
+            <a:avLst>
+              <a:gd name="adj" fmla="val 7396"/>
+            </a:avLst>
+          </a:prstGeom>
+          <a:ln w="12700"/>
+        </p:spPr>
+        <p:style>
+          <a:lnRef idx="2">
+            <a:schemeClr val="dk1"/>
+          </a:lnRef>
+          <a:fillRef idx="1">
+            <a:schemeClr val="lt1"/>
+          </a:fillRef>
+          <a:effectRef idx="0">
+            <a:schemeClr val="dk1"/>
+          </a:effectRef>
+          <a:fontRef idx="minor">
+            <a:schemeClr val="dk1"/>
+          </a:fontRef>
+        </p:style>
+        <p:txBody>
+          <a:bodyPr rtlCol="0" anchor="b"/>
+          <a:lstStyle/>
+          <a:p>
+            <a:pPr algn="ctr"/>
+            <a:r>
+              <a:rPr lang="en-US" altLang="ko-KR" sz="900" b="1"/>
+              <a:t>region : us, zone : b </a:t>
+            </a:r>
+          </a:p>
+          <a:p>
+            <a:pPr algn="ctr"/>
+            <a:r>
+              <a:rPr lang="en-US" altLang="ko-KR" sz="900"/>
+              <a:t>Worker Node 4</a:t>
+            </a:r>
+            <a:endParaRPr lang="ko-KR" altLang="en-US" sz="900"/>
+          </a:p>
+        </p:txBody>
+      </p:sp>
+      <p:sp>
+        <p:nvSpPr>
+          <p:cNvPr id="52" name="사각형: 둥근 모서리 29">
+            <a:extLst>
+              <a:ext uri="{FF2B5EF4-FFF2-40B4-BE49-F238E27FC236}">
+                <a16:creationId xmlns:a16="http://schemas.microsoft.com/office/drawing/2014/main" id="{AA0210A0-AF36-C149-B7DE-97C34B351542}"/>
+              </a:ext>
+            </a:extLst>
+          </p:cNvPr>
+          <p:cNvSpPr/>
+          <p:nvPr/>
+        </p:nvSpPr>
+        <p:spPr>
+          <a:xfrm>
+            <a:off x="6529384" y="3128585"/>
+            <a:ext cx="1452797" cy="864096"/>
+          </a:xfrm>
+          <a:prstGeom prst="roundRect">
+            <a:avLst>
+              <a:gd name="adj" fmla="val 11707"/>
+            </a:avLst>
+          </a:prstGeom>
+          <a:ln w="12700">
+            <a:prstDash val="solid"/>
+          </a:ln>
+        </p:spPr>
+        <p:style>
+          <a:lnRef idx="2">
+            <a:schemeClr val="dk1"/>
+          </a:lnRef>
+          <a:fillRef idx="1">
+            <a:schemeClr val="lt1"/>
+          </a:fillRef>
+          <a:effectRef idx="0">
+            <a:schemeClr val="dk1"/>
+          </a:effectRef>
+          <a:fontRef idx="minor">
+            <a:schemeClr val="dk1"/>
+          </a:fontRef>
+        </p:style>
+        <p:txBody>
+          <a:bodyPr rtlCol="0" anchor="b"/>
+          <a:lstStyle/>
+          <a:p>
+            <a:pPr algn="ctr"/>
+            <a:r>
+              <a:rPr lang="en-US" altLang="ko-KR" sz="900" b="1"/>
+              <a:t>helloworld-us-b</a:t>
+            </a:r>
+            <a:r>
+              <a:rPr lang="en-US" altLang="ko-KR" sz="900"/>
+              <a:t> </a:t>
+            </a:r>
+          </a:p>
+          <a:p>
+            <a:pPr algn="ctr"/>
+            <a:r>
+              <a:rPr lang="en-US" altLang="ko-KR" sz="900"/>
+              <a:t>Deployment</a:t>
+            </a:r>
+            <a:endParaRPr lang="ko-KR" altLang="en-US" sz="900"/>
+          </a:p>
+        </p:txBody>
+      </p:sp>
+      <p:grpSp>
+        <p:nvGrpSpPr>
+          <p:cNvPr id="53" name="Group 52">
+            <a:extLst>
+              <a:ext uri="{FF2B5EF4-FFF2-40B4-BE49-F238E27FC236}">
+                <a16:creationId xmlns:a16="http://schemas.microsoft.com/office/drawing/2014/main" id="{3C3CBB19-FD1D-7B49-8F0B-0B2E2A0AEEE1}"/>
+              </a:ext>
+            </a:extLst>
+          </p:cNvPr>
+          <p:cNvGrpSpPr/>
+          <p:nvPr/>
+        </p:nvGrpSpPr>
+        <p:grpSpPr>
+          <a:xfrm>
+            <a:off x="6653065" y="3236596"/>
+            <a:ext cx="1205434" cy="360040"/>
+            <a:chOff x="296560" y="3039802"/>
+            <a:chExt cx="1205434" cy="360040"/>
+          </a:xfrm>
+        </p:grpSpPr>
+        <p:sp>
+          <p:nvSpPr>
+            <p:cNvPr id="54" name="사각형: 둥근 모서리 29">
+              <a:extLst>
+                <a:ext uri="{FF2B5EF4-FFF2-40B4-BE49-F238E27FC236}">
+                  <a16:creationId xmlns:a16="http://schemas.microsoft.com/office/drawing/2014/main" id="{372CEF62-6428-0A49-97C2-4C6734F3B862}"/>
+                </a:ext>
+              </a:extLst>
+            </p:cNvPr>
+            <p:cNvSpPr/>
+            <p:nvPr/>
+          </p:nvSpPr>
+          <p:spPr>
+            <a:xfrm>
+              <a:off x="296560" y="3039802"/>
+              <a:ext cx="547268" cy="360040"/>
+            </a:xfrm>
+            <a:prstGeom prst="roundRect">
+              <a:avLst>
+                <a:gd name="adj" fmla="val 17374"/>
+              </a:avLst>
+            </a:prstGeom>
+            <a:ln w="12700"/>
+          </p:spPr>
+          <p:style>
+            <a:lnRef idx="2">
+              <a:schemeClr val="dk1"/>
+            </a:lnRef>
+            <a:fillRef idx="1">
+              <a:schemeClr val="lt1"/>
+            </a:fillRef>
+            <a:effectRef idx="0">
+              <a:schemeClr val="dk1"/>
+            </a:effectRef>
+            <a:fontRef idx="minor">
+              <a:schemeClr val="dk1"/>
+            </a:fontRef>
+          </p:style>
+          <p:txBody>
+            <a:bodyPr rtlCol="0" anchor="ctr"/>
+            <a:lstStyle/>
+            <a:p>
+              <a:pPr algn="ctr"/>
+              <a:r>
+                <a:rPr lang="en-US" altLang="ko-KR" sz="900"/>
+                <a:t>Pod</a:t>
+              </a:r>
+              <a:endParaRPr lang="ko-KR" altLang="en-US" sz="900"/>
+            </a:p>
+          </p:txBody>
+        </p:sp>
+        <p:sp>
+          <p:nvSpPr>
+            <p:cNvPr id="55" name="사각형: 둥근 모서리 29">
+              <a:extLst>
+                <a:ext uri="{FF2B5EF4-FFF2-40B4-BE49-F238E27FC236}">
+                  <a16:creationId xmlns:a16="http://schemas.microsoft.com/office/drawing/2014/main" id="{7FD6CB8D-70B9-954C-9E3F-FF97615642BA}"/>
+                </a:ext>
+              </a:extLst>
+            </p:cNvPr>
+            <p:cNvSpPr/>
+            <p:nvPr/>
+          </p:nvSpPr>
+          <p:spPr>
+            <a:xfrm>
+              <a:off x="954726" y="3039802"/>
+              <a:ext cx="547268" cy="360040"/>
+            </a:xfrm>
+            <a:prstGeom prst="roundRect">
+              <a:avLst>
+                <a:gd name="adj" fmla="val 17374"/>
+              </a:avLst>
+            </a:prstGeom>
+            <a:ln w="12700"/>
+          </p:spPr>
+          <p:style>
+            <a:lnRef idx="2">
+              <a:schemeClr val="dk1"/>
+            </a:lnRef>
+            <a:fillRef idx="1">
+              <a:schemeClr val="lt1"/>
+            </a:fillRef>
+            <a:effectRef idx="0">
+              <a:schemeClr val="dk1"/>
+            </a:effectRef>
+            <a:fontRef idx="minor">
+              <a:schemeClr val="dk1"/>
+            </a:fontRef>
+          </p:style>
+          <p:txBody>
+            <a:bodyPr rtlCol="0" anchor="ctr"/>
+            <a:lstStyle/>
+            <a:p>
+              <a:pPr algn="ctr"/>
+              <a:r>
+                <a:rPr lang="en-US" altLang="ko-KR" sz="900"/>
+                <a:t>Pod</a:t>
+              </a:r>
+              <a:endParaRPr lang="ko-KR" altLang="en-US" sz="900"/>
+            </a:p>
+          </p:txBody>
+        </p:sp>
+      </p:grpSp>
+      <p:cxnSp>
+        <p:nvCxnSpPr>
+          <p:cNvPr id="74" name="Elbow Connector 73">
+            <a:extLst>
+              <a:ext uri="{FF2B5EF4-FFF2-40B4-BE49-F238E27FC236}">
+                <a16:creationId xmlns:a16="http://schemas.microsoft.com/office/drawing/2014/main" id="{C00A727F-10B2-174F-AA4F-D7BB7AC90648}"/>
+              </a:ext>
+            </a:extLst>
+          </p:cNvPr>
+          <p:cNvCxnSpPr>
+            <a:cxnSpLocks/>
+            <a:stCxn id="72" idx="2"/>
+            <a:endCxn id="26" idx="0"/>
+          </p:cNvCxnSpPr>
+          <p:nvPr/>
+        </p:nvCxnSpPr>
+        <p:spPr>
+          <a:xfrm rot="5400000">
+            <a:off x="2797363" y="1479800"/>
+            <a:ext cx="503681" cy="2806536"/>
+          </a:xfrm>
+          <a:prstGeom prst="bentConnector3">
+            <a:avLst>
+              <a:gd name="adj1" fmla="val 50000"/>
+            </a:avLst>
+          </a:prstGeom>
+          <a:ln w="12700">
+            <a:solidFill>
+              <a:schemeClr val="tx1"/>
+            </a:solidFill>
+            <a:tailEnd type="triangle"/>
+          </a:ln>
+        </p:spPr>
+        <p:style>
+          <a:lnRef idx="1">
+            <a:schemeClr val="accent1"/>
+          </a:lnRef>
+          <a:fillRef idx="0">
+            <a:schemeClr val="accent1"/>
+          </a:fillRef>
+          <a:effectRef idx="0">
+            <a:schemeClr val="accent1"/>
+          </a:effectRef>
+          <a:fontRef idx="minor">
+            <a:schemeClr val="tx1"/>
+          </a:fontRef>
+        </p:style>
+      </p:cxnSp>
+      <p:sp>
+        <p:nvSpPr>
+          <p:cNvPr id="79" name="사각형: 둥근 모서리 29">
+            <a:extLst>
+              <a:ext uri="{FF2B5EF4-FFF2-40B4-BE49-F238E27FC236}">
+                <a16:creationId xmlns:a16="http://schemas.microsoft.com/office/drawing/2014/main" id="{444A8DB3-4DB9-2048-822C-5CFE4FE154F8}"/>
+              </a:ext>
+            </a:extLst>
+          </p:cNvPr>
+          <p:cNvSpPr/>
+          <p:nvPr/>
+        </p:nvSpPr>
+        <p:spPr>
+          <a:xfrm>
+            <a:off x="3813466" y="1401006"/>
+            <a:ext cx="1278007" cy="525929"/>
+          </a:xfrm>
+          <a:prstGeom prst="roundRect">
+            <a:avLst>
+              <a:gd name="adj" fmla="val 11707"/>
+            </a:avLst>
+          </a:prstGeom>
+          <a:ln w="12700">
+            <a:prstDash val="solid"/>
+          </a:ln>
+        </p:spPr>
+        <p:style>
+          <a:lnRef idx="2">
+            <a:schemeClr val="dk1"/>
+          </a:lnRef>
+          <a:fillRef idx="1">
+            <a:schemeClr val="lt1"/>
+          </a:fillRef>
+          <a:effectRef idx="0">
+            <a:schemeClr val="dk1"/>
+          </a:effectRef>
+          <a:fontRef idx="minor">
+            <a:schemeClr val="dk1"/>
+          </a:fontRef>
+        </p:style>
+        <p:txBody>
+          <a:bodyPr rtlCol="0" anchor="ctr"/>
+          <a:lstStyle/>
+          <a:p>
+            <a:pPr algn="ctr"/>
+            <a:r>
+              <a:rPr lang="en-US" altLang="ko-KR" sz="900" b="1"/>
+              <a:t>helloworld</a:t>
+            </a:r>
+            <a:r>
+              <a:rPr lang="en-US" altLang="ko-KR" sz="900"/>
+              <a:t> DestinationRule</a:t>
+            </a:r>
+            <a:endParaRPr lang="ko-KR" altLang="en-US" sz="900"/>
+          </a:p>
+        </p:txBody>
+      </p:sp>
+      <p:sp>
+        <p:nvSpPr>
+          <p:cNvPr id="80" name="사각형: 둥근 모서리 29">
+            <a:extLst>
+              <a:ext uri="{FF2B5EF4-FFF2-40B4-BE49-F238E27FC236}">
+                <a16:creationId xmlns:a16="http://schemas.microsoft.com/office/drawing/2014/main" id="{E6191776-AD2A-C742-8CCC-1CC0F29361E8}"/>
+              </a:ext>
+            </a:extLst>
+          </p:cNvPr>
+          <p:cNvSpPr/>
+          <p:nvPr/>
+        </p:nvSpPr>
+        <p:spPr>
+          <a:xfrm>
+            <a:off x="3813466" y="699542"/>
+            <a:ext cx="1278007" cy="525929"/>
+          </a:xfrm>
+          <a:prstGeom prst="roundRect">
+            <a:avLst>
+              <a:gd name="adj" fmla="val 11707"/>
+            </a:avLst>
+          </a:prstGeom>
+          <a:ln w="12700">
+            <a:prstDash val="solid"/>
+          </a:ln>
+        </p:spPr>
+        <p:style>
+          <a:lnRef idx="2">
+            <a:schemeClr val="dk1"/>
+          </a:lnRef>
+          <a:fillRef idx="1">
+            <a:schemeClr val="lt1"/>
+          </a:fillRef>
+          <a:effectRef idx="0">
+            <a:schemeClr val="dk1"/>
+          </a:effectRef>
+          <a:fontRef idx="minor">
+            <a:schemeClr val="dk1"/>
+          </a:fontRef>
+        </p:style>
+        <p:txBody>
+          <a:bodyPr rtlCol="0" anchor="ctr"/>
+          <a:lstStyle/>
+          <a:p>
+            <a:pPr algn="ctr"/>
+            <a:r>
+              <a:rPr lang="en-US" altLang="ko-KR" sz="900" b="1"/>
+              <a:t>helloworld</a:t>
+            </a:r>
+            <a:r>
+              <a:rPr lang="en-US" altLang="ko-KR" sz="900"/>
+              <a:t> VirtualService</a:t>
+            </a:r>
+            <a:endParaRPr lang="ko-KR" altLang="en-US" sz="900"/>
+          </a:p>
+        </p:txBody>
+      </p:sp>
+      <p:cxnSp>
+        <p:nvCxnSpPr>
+          <p:cNvPr id="81" name="Elbow Connector 80">
+            <a:extLst>
+              <a:ext uri="{FF2B5EF4-FFF2-40B4-BE49-F238E27FC236}">
+                <a16:creationId xmlns:a16="http://schemas.microsoft.com/office/drawing/2014/main" id="{68BEF10E-5023-4744-A438-A6E02108242A}"/>
+              </a:ext>
+            </a:extLst>
+          </p:cNvPr>
+          <p:cNvCxnSpPr>
+            <a:cxnSpLocks/>
+            <a:stCxn id="71" idx="0"/>
+            <a:endCxn id="80" idx="1"/>
+          </p:cNvCxnSpPr>
+          <p:nvPr/>
+        </p:nvCxnSpPr>
+        <p:spPr>
+          <a:xfrm rot="5400000" flipH="1" flipV="1">
+            <a:off x="2073704" y="534737"/>
+            <a:ext cx="1311992" cy="2167532"/>
+          </a:xfrm>
+          <a:prstGeom prst="bentConnector2">
+            <a:avLst/>
+          </a:prstGeom>
+          <a:ln w="12700">
+            <a:solidFill>
+              <a:schemeClr val="tx1"/>
+            </a:solidFill>
+            <a:tailEnd type="triangle"/>
+          </a:ln>
+        </p:spPr>
+        <p:style>
+          <a:lnRef idx="1">
+            <a:schemeClr val="accent1"/>
+          </a:lnRef>
+          <a:fillRef idx="0">
+            <a:schemeClr val="accent1"/>
+          </a:fillRef>
+          <a:effectRef idx="0">
+            <a:schemeClr val="accent1"/>
+          </a:effectRef>
+          <a:fontRef idx="minor">
+            <a:schemeClr val="tx1"/>
+          </a:fontRef>
+        </p:style>
+      </p:cxnSp>
+      <p:cxnSp>
+        <p:nvCxnSpPr>
+          <p:cNvPr id="25" name="Straight Arrow Connector 24">
+            <a:extLst>
+              <a:ext uri="{FF2B5EF4-FFF2-40B4-BE49-F238E27FC236}">
+                <a16:creationId xmlns:a16="http://schemas.microsoft.com/office/drawing/2014/main" id="{DCF2D692-DFA3-F043-9FD1-A63F7A2BEF86}"/>
+              </a:ext>
+            </a:extLst>
+          </p:cNvPr>
+          <p:cNvCxnSpPr>
+            <a:stCxn id="80" idx="2"/>
+            <a:endCxn id="79" idx="0"/>
+          </p:cNvCxnSpPr>
+          <p:nvPr/>
+        </p:nvCxnSpPr>
+        <p:spPr>
+          <a:xfrm>
+            <a:off x="4452470" y="1225471"/>
+            <a:ext cx="0" cy="175535"/>
+          </a:xfrm>
+          <a:prstGeom prst="straightConnector1">
+            <a:avLst/>
+          </a:prstGeom>
+          <a:ln>
+            <a:solidFill>
+              <a:schemeClr val="tx1"/>
+            </a:solidFill>
+            <a:tailEnd type="triangle"/>
+          </a:ln>
+        </p:spPr>
+        <p:style>
+          <a:lnRef idx="1">
+            <a:schemeClr val="accent1"/>
+          </a:lnRef>
+          <a:fillRef idx="0">
+            <a:schemeClr val="accent1"/>
+          </a:fillRef>
+          <a:effectRef idx="0">
+            <a:schemeClr val="accent1"/>
+          </a:effectRef>
+          <a:fontRef idx="minor">
+            <a:schemeClr val="tx1"/>
+          </a:fontRef>
+        </p:style>
+      </p:cxnSp>
+      <p:cxnSp>
+        <p:nvCxnSpPr>
+          <p:cNvPr id="82" name="Straight Arrow Connector 81">
+            <a:extLst>
+              <a:ext uri="{FF2B5EF4-FFF2-40B4-BE49-F238E27FC236}">
+                <a16:creationId xmlns:a16="http://schemas.microsoft.com/office/drawing/2014/main" id="{5729BE17-B09B-C84E-87BE-6F5682769182}"/>
+              </a:ext>
+            </a:extLst>
+          </p:cNvPr>
+          <p:cNvCxnSpPr>
+            <a:cxnSpLocks/>
+            <a:stCxn id="79" idx="2"/>
+            <a:endCxn id="72" idx="0"/>
+          </p:cNvCxnSpPr>
+          <p:nvPr/>
+        </p:nvCxnSpPr>
+        <p:spPr>
+          <a:xfrm>
+            <a:off x="4452470" y="1926935"/>
+            <a:ext cx="1" cy="178364"/>
+          </a:xfrm>
+          <a:prstGeom prst="straightConnector1">
+            <a:avLst/>
+          </a:prstGeom>
+          <a:ln>
+            <a:solidFill>
+              <a:schemeClr val="tx1"/>
+            </a:solidFill>
+            <a:tailEnd type="triangle"/>
+          </a:ln>
+        </p:spPr>
+        <p:style>
+          <a:lnRef idx="1">
+            <a:schemeClr val="accent1"/>
+          </a:lnRef>
+          <a:fillRef idx="0">
+            <a:schemeClr val="accent1"/>
+          </a:fillRef>
+          <a:effectRef idx="0">
+            <a:schemeClr val="accent1"/>
+          </a:effectRef>
+          <a:fontRef idx="minor">
+            <a:schemeClr val="tx1"/>
+          </a:fontRef>
+        </p:style>
+      </p:cxnSp>
+    </p:spTree>
+    <p:extLst>
+      <p:ext uri="{BB962C8B-B14F-4D97-AF65-F5344CB8AC3E}">
+        <p14:creationId xmlns:p14="http://schemas.microsoft.com/office/powerpoint/2010/main" val="1584728584"/>
+      </p:ext>
+    </p:extLst>
+  </p:cSld>
+  <p:clrMapOvr>
+    <a:masterClrMapping/>
+  </p:clrMapOvr>
+</p:sld>
+</file>
+
+<file path=ppt/slides/slide6.xml><?xml version="1.0" encoding="utf-8"?>
+<p:sld xmlns:a="http://schemas.openxmlformats.org/drawingml/2006/main" xmlns:r="http://schemas.openxmlformats.org/officeDocument/2006/relationships" xmlns:p="http://schemas.openxmlformats.org/presentationml/2006/main">
+  <p:cSld>
+    <p:spTree>
+      <p:nvGrpSpPr>
+        <p:cNvPr id="1" name=""/>
+        <p:cNvGrpSpPr/>
+        <p:nvPr/>
+      </p:nvGrpSpPr>
+      <p:grpSpPr>
+        <a:xfrm>
+          <a:off x="0" y="0"/>
+          <a:ext cx="0" cy="0"/>
+          <a:chOff x="0" y="0"/>
+          <a:chExt cx="0" cy="0"/>
+        </a:xfrm>
+      </p:grpSpPr>
+      <p:sp>
+        <p:nvSpPr>
           <p:cNvPr id="2" name="제목 1">
             <a:extLst>
               <a:ext uri="{FF2B5EF4-FFF2-40B4-BE49-F238E27FC236}">
@@ -6471,7 +10374,7 @@
 </p:sld>
 </file>
 
-<file path=ppt/slides/slide4.xml><?xml version="1.0" encoding="utf-8"?>
+<file path=ppt/slides/slide7.xml><?xml version="1.0" encoding="utf-8"?>
 <p:sld xmlns:a="http://schemas.openxmlformats.org/drawingml/2006/main" xmlns:r="http://schemas.openxmlformats.org/officeDocument/2006/relationships" xmlns:p="http://schemas.openxmlformats.org/presentationml/2006/main">
   <p:cSld>
     <p:spTree>

--- a/content/docs/theory-analysis/istio-locality-load-balancing/images/images.pptx
+++ b/content/docs/theory-analysis/istio-locality-load-balancing/images/images.pptx
@@ -5,7 +5,7 @@
     <p:sldMasterId id="2147483648" r:id="rId1"/>
   </p:sldMasterIdLst>
   <p:notesMasterIdLst>
-    <p:notesMasterId r:id="rId9"/>
+    <p:notesMasterId r:id="rId10"/>
   </p:notesMasterIdLst>
   <p:sldIdLst>
     <p:sldId id="392" r:id="rId2"/>
@@ -13,8 +13,9 @@
     <p:sldId id="394" r:id="rId4"/>
     <p:sldId id="395" r:id="rId5"/>
     <p:sldId id="396" r:id="rId6"/>
-    <p:sldId id="387" r:id="rId7"/>
-    <p:sldId id="391" r:id="rId8"/>
+    <p:sldId id="397" r:id="rId7"/>
+    <p:sldId id="387" r:id="rId8"/>
+    <p:sldId id="391" r:id="rId9"/>
   </p:sldIdLst>
   <p:sldSz cx="9144000" cy="5143500" type="screen16x9"/>
   <p:notesSz cx="6858000" cy="9144000"/>
@@ -231,7 +232,7 @@
           <a:p>
             <a:fld id="{6CD5550B-26C4-49A9-A5BA-636EF7BE6CE9}" type="datetimeFigureOut">
               <a:rPr lang="ko-KR" altLang="en-US" smtClean="0"/>
-              <a:t>2025. 9. 9.</a:t>
+              <a:t>2025. 9. 12.</a:t>
             </a:fld>
             <a:endParaRPr lang="ko-KR" altLang="en-US"/>
           </a:p>
@@ -677,7 +678,7 @@
           <a:p>
             <a:fld id="{FB30EDBD-1C2D-4C1E-B459-B60219FAB484}" type="datetimeFigureOut">
               <a:rPr lang="ko-KR" altLang="en-US" smtClean="0"/>
-              <a:t>2025. 9. 9.</a:t>
+              <a:t>2025. 9. 12.</a:t>
             </a:fld>
             <a:endParaRPr lang="ko-KR" altLang="en-US"/>
           </a:p>
@@ -840,7 +841,7 @@
           <a:p>
             <a:fld id="{FB30EDBD-1C2D-4C1E-B459-B60219FAB484}" type="datetimeFigureOut">
               <a:rPr lang="ko-KR" altLang="en-US" smtClean="0"/>
-              <a:t>2025. 9. 9.</a:t>
+              <a:t>2025. 9. 12.</a:t>
             </a:fld>
             <a:endParaRPr lang="ko-KR" altLang="en-US"/>
           </a:p>
@@ -1013,7 +1014,7 @@
           <a:p>
             <a:fld id="{FB30EDBD-1C2D-4C1E-B459-B60219FAB484}" type="datetimeFigureOut">
               <a:rPr lang="ko-KR" altLang="en-US" smtClean="0"/>
-              <a:t>2025. 9. 9.</a:t>
+              <a:t>2025. 9. 12.</a:t>
             </a:fld>
             <a:endParaRPr lang="ko-KR" altLang="en-US"/>
           </a:p>
@@ -1176,7 +1177,7 @@
           <a:p>
             <a:fld id="{FB30EDBD-1C2D-4C1E-B459-B60219FAB484}" type="datetimeFigureOut">
               <a:rPr lang="ko-KR" altLang="en-US" smtClean="0"/>
-              <a:t>2025. 9. 9.</a:t>
+              <a:t>2025. 9. 12.</a:t>
             </a:fld>
             <a:endParaRPr lang="ko-KR" altLang="en-US"/>
           </a:p>
@@ -1416,7 +1417,7 @@
           <a:p>
             <a:fld id="{FB30EDBD-1C2D-4C1E-B459-B60219FAB484}" type="datetimeFigureOut">
               <a:rPr lang="ko-KR" altLang="en-US" smtClean="0"/>
-              <a:t>2025. 9. 9.</a:t>
+              <a:t>2025. 9. 12.</a:t>
             </a:fld>
             <a:endParaRPr lang="ko-KR" altLang="en-US"/>
           </a:p>
@@ -1696,7 +1697,7 @@
           <a:p>
             <a:fld id="{FB30EDBD-1C2D-4C1E-B459-B60219FAB484}" type="datetimeFigureOut">
               <a:rPr lang="ko-KR" altLang="en-US" smtClean="0"/>
-              <a:t>2025. 9. 9.</a:t>
+              <a:t>2025. 9. 12.</a:t>
             </a:fld>
             <a:endParaRPr lang="ko-KR" altLang="en-US"/>
           </a:p>
@@ -2110,7 +2111,7 @@
           <a:p>
             <a:fld id="{FB30EDBD-1C2D-4C1E-B459-B60219FAB484}" type="datetimeFigureOut">
               <a:rPr lang="ko-KR" altLang="en-US" smtClean="0"/>
-              <a:t>2025. 9. 9.</a:t>
+              <a:t>2025. 9. 12.</a:t>
             </a:fld>
             <a:endParaRPr lang="ko-KR" altLang="en-US"/>
           </a:p>
@@ -2222,7 +2223,7 @@
           <a:p>
             <a:fld id="{FB30EDBD-1C2D-4C1E-B459-B60219FAB484}" type="datetimeFigureOut">
               <a:rPr lang="ko-KR" altLang="en-US" smtClean="0"/>
-              <a:t>2025. 9. 9.</a:t>
+              <a:t>2025. 9. 12.</a:t>
             </a:fld>
             <a:endParaRPr lang="ko-KR" altLang="en-US"/>
           </a:p>
@@ -2312,7 +2313,7 @@
           <a:p>
             <a:fld id="{FB30EDBD-1C2D-4C1E-B459-B60219FAB484}" type="datetimeFigureOut">
               <a:rPr lang="ko-KR" altLang="en-US" smtClean="0"/>
-              <a:t>2025. 9. 9.</a:t>
+              <a:t>2025. 9. 12.</a:t>
             </a:fld>
             <a:endParaRPr lang="ko-KR" altLang="en-US"/>
           </a:p>
@@ -2582,7 +2583,7 @@
           <a:p>
             <a:fld id="{FB30EDBD-1C2D-4C1E-B459-B60219FAB484}" type="datetimeFigureOut">
               <a:rPr lang="ko-KR" altLang="en-US" smtClean="0"/>
-              <a:t>2025. 9. 9.</a:t>
+              <a:t>2025. 9. 12.</a:t>
             </a:fld>
             <a:endParaRPr lang="ko-KR" altLang="en-US"/>
           </a:p>
@@ -2829,7 +2830,7 @@
           <a:p>
             <a:fld id="{FB30EDBD-1C2D-4C1E-B459-B60219FAB484}" type="datetimeFigureOut">
               <a:rPr lang="ko-KR" altLang="en-US" smtClean="0"/>
-              <a:t>2025. 9. 9.</a:t>
+              <a:t>2025. 9. 12.</a:t>
             </a:fld>
             <a:endParaRPr lang="ko-KR" altLang="en-US"/>
           </a:p>
@@ -3035,7 +3036,7 @@
           <a:p>
             <a:fld id="{FB30EDBD-1C2D-4C1E-B459-B60219FAB484}" type="datetimeFigureOut">
               <a:rPr lang="ko-KR" altLang="en-US" smtClean="0"/>
-              <a:t>2025. 9. 9.</a:t>
+              <a:t>2025. 9. 12.</a:t>
             </a:fld>
             <a:endParaRPr lang="ko-KR" altLang="en-US"/>
           </a:p>
@@ -10313,6 +10314,1521 @@
       </p:grpSpPr>
       <p:sp>
         <p:nvSpPr>
+          <p:cNvPr id="19" name="사각형: 둥근 모서리 29">
+            <a:extLst>
+              <a:ext uri="{FF2B5EF4-FFF2-40B4-BE49-F238E27FC236}">
+                <a16:creationId xmlns:a16="http://schemas.microsoft.com/office/drawing/2014/main" id="{ACD14712-953B-4B41-9FE2-C7701A81A58D}"/>
+              </a:ext>
+            </a:extLst>
+          </p:cNvPr>
+          <p:cNvSpPr/>
+          <p:nvPr/>
+        </p:nvSpPr>
+        <p:spPr>
+          <a:xfrm>
+            <a:off x="827584" y="2182482"/>
+            <a:ext cx="1639925" cy="2217672"/>
+          </a:xfrm>
+          <a:prstGeom prst="roundRect">
+            <a:avLst>
+              <a:gd name="adj" fmla="val 7396"/>
+            </a:avLst>
+          </a:prstGeom>
+          <a:ln w="12700"/>
+        </p:spPr>
+        <p:style>
+          <a:lnRef idx="2">
+            <a:schemeClr val="dk1"/>
+          </a:lnRef>
+          <a:fillRef idx="1">
+            <a:schemeClr val="lt1"/>
+          </a:fillRef>
+          <a:effectRef idx="0">
+            <a:schemeClr val="dk1"/>
+          </a:effectRef>
+          <a:fontRef idx="minor">
+            <a:schemeClr val="dk1"/>
+          </a:fontRef>
+        </p:style>
+        <p:txBody>
+          <a:bodyPr rtlCol="0" anchor="b"/>
+          <a:lstStyle/>
+          <a:p>
+            <a:pPr algn="ctr"/>
+            <a:r>
+              <a:rPr lang="en-US" altLang="ko-KR" sz="900" b="1"/>
+              <a:t>region : kr, zone : a </a:t>
+            </a:r>
+          </a:p>
+          <a:p>
+            <a:pPr algn="ctr"/>
+            <a:r>
+              <a:rPr lang="en-US" altLang="ko-KR" sz="900"/>
+              <a:t>Worker Node 1</a:t>
+            </a:r>
+            <a:endParaRPr lang="ko-KR" altLang="en-US" sz="900"/>
+          </a:p>
+        </p:txBody>
+      </p:sp>
+      <p:sp>
+        <p:nvSpPr>
+          <p:cNvPr id="26" name="사각형: 둥근 모서리 29">
+            <a:extLst>
+              <a:ext uri="{FF2B5EF4-FFF2-40B4-BE49-F238E27FC236}">
+                <a16:creationId xmlns:a16="http://schemas.microsoft.com/office/drawing/2014/main" id="{DD7C8ABF-CB2D-3143-983E-92F0F058294C}"/>
+              </a:ext>
+            </a:extLst>
+          </p:cNvPr>
+          <p:cNvSpPr/>
+          <p:nvPr/>
+        </p:nvSpPr>
+        <p:spPr>
+          <a:xfrm>
+            <a:off x="919536" y="3134909"/>
+            <a:ext cx="1452797" cy="864096"/>
+          </a:xfrm>
+          <a:prstGeom prst="roundRect">
+            <a:avLst>
+              <a:gd name="adj" fmla="val 11707"/>
+            </a:avLst>
+          </a:prstGeom>
+          <a:ln w="12700">
+            <a:prstDash val="solid"/>
+          </a:ln>
+        </p:spPr>
+        <p:style>
+          <a:lnRef idx="2">
+            <a:schemeClr val="dk1"/>
+          </a:lnRef>
+          <a:fillRef idx="1">
+            <a:schemeClr val="lt1"/>
+          </a:fillRef>
+          <a:effectRef idx="0">
+            <a:schemeClr val="dk1"/>
+          </a:effectRef>
+          <a:fontRef idx="minor">
+            <a:schemeClr val="dk1"/>
+          </a:fontRef>
+        </p:style>
+        <p:txBody>
+          <a:bodyPr rtlCol="0" anchor="b"/>
+          <a:lstStyle/>
+          <a:p>
+            <a:pPr algn="ctr"/>
+            <a:r>
+              <a:rPr lang="en-US" altLang="ko-KR" sz="900" b="1"/>
+              <a:t>helloworld-kr-a</a:t>
+            </a:r>
+            <a:r>
+              <a:rPr lang="en-US" altLang="ko-KR" sz="900"/>
+              <a:t> </a:t>
+            </a:r>
+          </a:p>
+          <a:p>
+            <a:pPr algn="ctr"/>
+            <a:r>
+              <a:rPr lang="en-US" altLang="ko-KR" sz="900"/>
+              <a:t>Deployment</a:t>
+            </a:r>
+            <a:endParaRPr lang="ko-KR" altLang="en-US" sz="900"/>
+          </a:p>
+        </p:txBody>
+      </p:sp>
+      <p:sp>
+        <p:nvSpPr>
+          <p:cNvPr id="71" name="사각형: 둥근 모서리 29">
+            <a:extLst>
+              <a:ext uri="{FF2B5EF4-FFF2-40B4-BE49-F238E27FC236}">
+                <a16:creationId xmlns:a16="http://schemas.microsoft.com/office/drawing/2014/main" id="{77A98D48-BB79-0C4D-A5C4-BE111D7DBA22}"/>
+              </a:ext>
+            </a:extLst>
+          </p:cNvPr>
+          <p:cNvSpPr/>
+          <p:nvPr/>
+        </p:nvSpPr>
+        <p:spPr>
+          <a:xfrm>
+            <a:off x="919535" y="2274499"/>
+            <a:ext cx="1452797" cy="360040"/>
+          </a:xfrm>
+          <a:prstGeom prst="roundRect">
+            <a:avLst>
+              <a:gd name="adj" fmla="val 17374"/>
+            </a:avLst>
+          </a:prstGeom>
+          <a:ln w="12700"/>
+        </p:spPr>
+        <p:style>
+          <a:lnRef idx="2">
+            <a:schemeClr val="dk1"/>
+          </a:lnRef>
+          <a:fillRef idx="1">
+            <a:schemeClr val="lt1"/>
+          </a:fillRef>
+          <a:effectRef idx="0">
+            <a:schemeClr val="dk1"/>
+          </a:effectRef>
+          <a:fontRef idx="minor">
+            <a:schemeClr val="dk1"/>
+          </a:fontRef>
+        </p:style>
+        <p:txBody>
+          <a:bodyPr rtlCol="0" anchor="ctr"/>
+          <a:lstStyle/>
+          <a:p>
+            <a:pPr algn="ctr"/>
+            <a:r>
+              <a:rPr lang="en-US" altLang="ko-KR" sz="900" b="1"/>
+              <a:t>myshell-kr-a</a:t>
+            </a:r>
+          </a:p>
+          <a:p>
+            <a:pPr algn="ctr"/>
+            <a:r>
+              <a:rPr lang="en-US" altLang="ko-KR" sz="900"/>
+              <a:t>Pod</a:t>
+            </a:r>
+            <a:endParaRPr lang="ko-KR" altLang="en-US" sz="900"/>
+          </a:p>
+        </p:txBody>
+      </p:sp>
+      <p:sp>
+        <p:nvSpPr>
+          <p:cNvPr id="72" name="사각형: 둥근 모서리 29">
+            <a:extLst>
+              <a:ext uri="{FF2B5EF4-FFF2-40B4-BE49-F238E27FC236}">
+                <a16:creationId xmlns:a16="http://schemas.microsoft.com/office/drawing/2014/main" id="{898704CB-2A1E-DF4C-93AD-25D8EEA7D5A1}"/>
+              </a:ext>
+            </a:extLst>
+          </p:cNvPr>
+          <p:cNvSpPr/>
+          <p:nvPr/>
+        </p:nvSpPr>
+        <p:spPr>
+          <a:xfrm>
+            <a:off x="3813467" y="2105299"/>
+            <a:ext cx="1278007" cy="525929"/>
+          </a:xfrm>
+          <a:prstGeom prst="roundRect">
+            <a:avLst>
+              <a:gd name="adj" fmla="val 11707"/>
+            </a:avLst>
+          </a:prstGeom>
+          <a:ln w="12700">
+            <a:prstDash val="solid"/>
+          </a:ln>
+        </p:spPr>
+        <p:style>
+          <a:lnRef idx="2">
+            <a:schemeClr val="dk1"/>
+          </a:lnRef>
+          <a:fillRef idx="1">
+            <a:schemeClr val="lt1"/>
+          </a:fillRef>
+          <a:effectRef idx="0">
+            <a:schemeClr val="dk1"/>
+          </a:effectRef>
+          <a:fontRef idx="minor">
+            <a:schemeClr val="dk1"/>
+          </a:fontRef>
+        </p:style>
+        <p:txBody>
+          <a:bodyPr rtlCol="0" anchor="ctr"/>
+          <a:lstStyle/>
+          <a:p>
+            <a:pPr algn="ctr"/>
+            <a:r>
+              <a:rPr lang="en-US" altLang="ko-KR" sz="900" b="1"/>
+              <a:t>helloworld</a:t>
+            </a:r>
+            <a:r>
+              <a:rPr lang="en-US" altLang="ko-KR" sz="900"/>
+              <a:t> </a:t>
+            </a:r>
+          </a:p>
+          <a:p>
+            <a:pPr algn="ctr"/>
+            <a:r>
+              <a:rPr lang="en-US" altLang="ko-KR" sz="900"/>
+              <a:t>Service</a:t>
+            </a:r>
+            <a:endParaRPr lang="ko-KR" altLang="en-US" sz="900"/>
+          </a:p>
+        </p:txBody>
+      </p:sp>
+      <p:sp>
+        <p:nvSpPr>
+          <p:cNvPr id="37" name="사각형: 둥근 모서리 29">
+            <a:extLst>
+              <a:ext uri="{FF2B5EF4-FFF2-40B4-BE49-F238E27FC236}">
+                <a16:creationId xmlns:a16="http://schemas.microsoft.com/office/drawing/2014/main" id="{C5F66508-4677-3641-8B2E-5942A93B24D2}"/>
+              </a:ext>
+            </a:extLst>
+          </p:cNvPr>
+          <p:cNvSpPr/>
+          <p:nvPr/>
+        </p:nvSpPr>
+        <p:spPr>
+          <a:xfrm>
+            <a:off x="1043217" y="3242920"/>
+            <a:ext cx="547268" cy="360040"/>
+          </a:xfrm>
+          <a:prstGeom prst="roundRect">
+            <a:avLst>
+              <a:gd name="adj" fmla="val 17374"/>
+            </a:avLst>
+          </a:prstGeom>
+          <a:ln w="12700"/>
+        </p:spPr>
+        <p:style>
+          <a:lnRef idx="2">
+            <a:schemeClr val="dk1"/>
+          </a:lnRef>
+          <a:fillRef idx="1">
+            <a:schemeClr val="lt1"/>
+          </a:fillRef>
+          <a:effectRef idx="0">
+            <a:schemeClr val="dk1"/>
+          </a:effectRef>
+          <a:fontRef idx="minor">
+            <a:schemeClr val="dk1"/>
+          </a:fontRef>
+        </p:style>
+        <p:txBody>
+          <a:bodyPr rtlCol="0" anchor="ctr"/>
+          <a:lstStyle/>
+          <a:p>
+            <a:pPr algn="ctr"/>
+            <a:r>
+              <a:rPr lang="en-US" altLang="ko-KR" sz="900"/>
+              <a:t>Pod</a:t>
+            </a:r>
+            <a:endParaRPr lang="ko-KR" altLang="en-US" sz="900"/>
+          </a:p>
+        </p:txBody>
+      </p:sp>
+      <p:sp>
+        <p:nvSpPr>
+          <p:cNvPr id="41" name="사각형: 둥근 모서리 29">
+            <a:extLst>
+              <a:ext uri="{FF2B5EF4-FFF2-40B4-BE49-F238E27FC236}">
+                <a16:creationId xmlns:a16="http://schemas.microsoft.com/office/drawing/2014/main" id="{3748AC52-7892-894C-B5FD-CCDE824A9549}"/>
+              </a:ext>
+            </a:extLst>
+          </p:cNvPr>
+          <p:cNvSpPr/>
+          <p:nvPr/>
+        </p:nvSpPr>
+        <p:spPr>
+          <a:xfrm>
+            <a:off x="2699792" y="3032672"/>
+            <a:ext cx="1639925" cy="1367777"/>
+          </a:xfrm>
+          <a:prstGeom prst="roundRect">
+            <a:avLst>
+              <a:gd name="adj" fmla="val 7396"/>
+            </a:avLst>
+          </a:prstGeom>
+          <a:ln w="12700"/>
+        </p:spPr>
+        <p:style>
+          <a:lnRef idx="2">
+            <a:schemeClr val="dk1"/>
+          </a:lnRef>
+          <a:fillRef idx="1">
+            <a:schemeClr val="lt1"/>
+          </a:fillRef>
+          <a:effectRef idx="0">
+            <a:schemeClr val="dk1"/>
+          </a:effectRef>
+          <a:fontRef idx="minor">
+            <a:schemeClr val="dk1"/>
+          </a:fontRef>
+        </p:style>
+        <p:txBody>
+          <a:bodyPr rtlCol="0" anchor="b"/>
+          <a:lstStyle/>
+          <a:p>
+            <a:pPr algn="ctr"/>
+            <a:r>
+              <a:rPr lang="en-US" altLang="ko-KR" sz="900" b="1"/>
+              <a:t>region : kr, zone : b </a:t>
+            </a:r>
+          </a:p>
+          <a:p>
+            <a:pPr algn="ctr"/>
+            <a:r>
+              <a:rPr lang="en-US" altLang="ko-KR" sz="900"/>
+              <a:t>Worker Node 2</a:t>
+            </a:r>
+            <a:endParaRPr lang="ko-KR" altLang="en-US" sz="900"/>
+          </a:p>
+        </p:txBody>
+      </p:sp>
+      <p:sp>
+        <p:nvSpPr>
+          <p:cNvPr id="42" name="사각형: 둥근 모서리 29">
+            <a:extLst>
+              <a:ext uri="{FF2B5EF4-FFF2-40B4-BE49-F238E27FC236}">
+                <a16:creationId xmlns:a16="http://schemas.microsoft.com/office/drawing/2014/main" id="{E1C11396-D32B-334C-98DA-66126C715FF3}"/>
+              </a:ext>
+            </a:extLst>
+          </p:cNvPr>
+          <p:cNvSpPr/>
+          <p:nvPr/>
+        </p:nvSpPr>
+        <p:spPr>
+          <a:xfrm>
+            <a:off x="2791744" y="3135204"/>
+            <a:ext cx="1452797" cy="864096"/>
+          </a:xfrm>
+          <a:prstGeom prst="roundRect">
+            <a:avLst>
+              <a:gd name="adj" fmla="val 11707"/>
+            </a:avLst>
+          </a:prstGeom>
+          <a:ln w="12700">
+            <a:prstDash val="solid"/>
+          </a:ln>
+        </p:spPr>
+        <p:style>
+          <a:lnRef idx="2">
+            <a:schemeClr val="dk1"/>
+          </a:lnRef>
+          <a:fillRef idx="1">
+            <a:schemeClr val="lt1"/>
+          </a:fillRef>
+          <a:effectRef idx="0">
+            <a:schemeClr val="dk1"/>
+          </a:effectRef>
+          <a:fontRef idx="minor">
+            <a:schemeClr val="dk1"/>
+          </a:fontRef>
+        </p:style>
+        <p:txBody>
+          <a:bodyPr rtlCol="0" anchor="b"/>
+          <a:lstStyle/>
+          <a:p>
+            <a:pPr algn="ctr"/>
+            <a:r>
+              <a:rPr lang="en-US" altLang="ko-KR" sz="900" b="1"/>
+              <a:t>helloworld-kr-b</a:t>
+            </a:r>
+            <a:r>
+              <a:rPr lang="en-US" altLang="ko-KR" sz="900"/>
+              <a:t> </a:t>
+            </a:r>
+          </a:p>
+          <a:p>
+            <a:pPr algn="ctr"/>
+            <a:r>
+              <a:rPr lang="en-US" altLang="ko-KR" sz="900"/>
+              <a:t>Deployment</a:t>
+            </a:r>
+            <a:endParaRPr lang="ko-KR" altLang="en-US" sz="900"/>
+          </a:p>
+        </p:txBody>
+      </p:sp>
+      <p:grpSp>
+        <p:nvGrpSpPr>
+          <p:cNvPr id="43" name="Group 42">
+            <a:extLst>
+              <a:ext uri="{FF2B5EF4-FFF2-40B4-BE49-F238E27FC236}">
+                <a16:creationId xmlns:a16="http://schemas.microsoft.com/office/drawing/2014/main" id="{47E354A4-1FA8-084A-88AB-404EF6D0838F}"/>
+              </a:ext>
+            </a:extLst>
+          </p:cNvPr>
+          <p:cNvGrpSpPr/>
+          <p:nvPr/>
+        </p:nvGrpSpPr>
+        <p:grpSpPr>
+          <a:xfrm>
+            <a:off x="2915425" y="3243215"/>
+            <a:ext cx="1205434" cy="360040"/>
+            <a:chOff x="296560" y="3039802"/>
+            <a:chExt cx="1205434" cy="360040"/>
+          </a:xfrm>
+        </p:grpSpPr>
+        <p:sp>
+          <p:nvSpPr>
+            <p:cNvPr id="44" name="사각형: 둥근 모서리 29">
+              <a:extLst>
+                <a:ext uri="{FF2B5EF4-FFF2-40B4-BE49-F238E27FC236}">
+                  <a16:creationId xmlns:a16="http://schemas.microsoft.com/office/drawing/2014/main" id="{E2117624-F249-ED4A-AF9B-B1E2DDBF269C}"/>
+                </a:ext>
+              </a:extLst>
+            </p:cNvPr>
+            <p:cNvSpPr/>
+            <p:nvPr/>
+          </p:nvSpPr>
+          <p:spPr>
+            <a:xfrm>
+              <a:off x="296560" y="3039802"/>
+              <a:ext cx="547268" cy="360040"/>
+            </a:xfrm>
+            <a:prstGeom prst="roundRect">
+              <a:avLst>
+                <a:gd name="adj" fmla="val 17374"/>
+              </a:avLst>
+            </a:prstGeom>
+            <a:ln w="12700"/>
+          </p:spPr>
+          <p:style>
+            <a:lnRef idx="2">
+              <a:schemeClr val="dk1"/>
+            </a:lnRef>
+            <a:fillRef idx="1">
+              <a:schemeClr val="lt1"/>
+            </a:fillRef>
+            <a:effectRef idx="0">
+              <a:schemeClr val="dk1"/>
+            </a:effectRef>
+            <a:fontRef idx="minor">
+              <a:schemeClr val="dk1"/>
+            </a:fontRef>
+          </p:style>
+          <p:txBody>
+            <a:bodyPr rtlCol="0" anchor="ctr"/>
+            <a:lstStyle/>
+            <a:p>
+              <a:pPr algn="ctr"/>
+              <a:r>
+                <a:rPr lang="en-US" altLang="ko-KR" sz="900"/>
+                <a:t>Pod</a:t>
+              </a:r>
+              <a:endParaRPr lang="ko-KR" altLang="en-US" sz="900"/>
+            </a:p>
+          </p:txBody>
+        </p:sp>
+        <p:sp>
+          <p:nvSpPr>
+            <p:cNvPr id="45" name="사각형: 둥근 모서리 29">
+              <a:extLst>
+                <a:ext uri="{FF2B5EF4-FFF2-40B4-BE49-F238E27FC236}">
+                  <a16:creationId xmlns:a16="http://schemas.microsoft.com/office/drawing/2014/main" id="{BCB29C28-200B-EA4F-9DCC-56CB21EDAA9B}"/>
+                </a:ext>
+              </a:extLst>
+            </p:cNvPr>
+            <p:cNvSpPr/>
+            <p:nvPr/>
+          </p:nvSpPr>
+          <p:spPr>
+            <a:xfrm>
+              <a:off x="954726" y="3039802"/>
+              <a:ext cx="547268" cy="360040"/>
+            </a:xfrm>
+            <a:prstGeom prst="roundRect">
+              <a:avLst>
+                <a:gd name="adj" fmla="val 17374"/>
+              </a:avLst>
+            </a:prstGeom>
+            <a:ln w="12700"/>
+          </p:spPr>
+          <p:style>
+            <a:lnRef idx="2">
+              <a:schemeClr val="dk1"/>
+            </a:lnRef>
+            <a:fillRef idx="1">
+              <a:schemeClr val="lt1"/>
+            </a:fillRef>
+            <a:effectRef idx="0">
+              <a:schemeClr val="dk1"/>
+            </a:effectRef>
+            <a:fontRef idx="minor">
+              <a:schemeClr val="dk1"/>
+            </a:fontRef>
+          </p:style>
+          <p:txBody>
+            <a:bodyPr rtlCol="0" anchor="ctr"/>
+            <a:lstStyle/>
+            <a:p>
+              <a:pPr algn="ctr"/>
+              <a:r>
+                <a:rPr lang="en-US" altLang="ko-KR" sz="900"/>
+                <a:t>Pod</a:t>
+              </a:r>
+              <a:endParaRPr lang="ko-KR" altLang="en-US" sz="900"/>
+            </a:p>
+          </p:txBody>
+        </p:sp>
+      </p:grpSp>
+      <p:sp>
+        <p:nvSpPr>
+          <p:cNvPr id="46" name="사각형: 둥근 모서리 29">
+            <a:extLst>
+              <a:ext uri="{FF2B5EF4-FFF2-40B4-BE49-F238E27FC236}">
+                <a16:creationId xmlns:a16="http://schemas.microsoft.com/office/drawing/2014/main" id="{642E2DCB-20C6-2548-A871-0035F9DCA874}"/>
+              </a:ext>
+            </a:extLst>
+          </p:cNvPr>
+          <p:cNvSpPr/>
+          <p:nvPr/>
+        </p:nvSpPr>
+        <p:spPr>
+          <a:xfrm>
+            <a:off x="4568612" y="3032377"/>
+            <a:ext cx="1639925" cy="1367777"/>
+          </a:xfrm>
+          <a:prstGeom prst="roundRect">
+            <a:avLst>
+              <a:gd name="adj" fmla="val 7396"/>
+            </a:avLst>
+          </a:prstGeom>
+          <a:ln w="12700"/>
+        </p:spPr>
+        <p:style>
+          <a:lnRef idx="2">
+            <a:schemeClr val="dk1"/>
+          </a:lnRef>
+          <a:fillRef idx="1">
+            <a:schemeClr val="lt1"/>
+          </a:fillRef>
+          <a:effectRef idx="0">
+            <a:schemeClr val="dk1"/>
+          </a:effectRef>
+          <a:fontRef idx="minor">
+            <a:schemeClr val="dk1"/>
+          </a:fontRef>
+        </p:style>
+        <p:txBody>
+          <a:bodyPr rtlCol="0" anchor="b"/>
+          <a:lstStyle/>
+          <a:p>
+            <a:pPr algn="ctr"/>
+            <a:r>
+              <a:rPr lang="en-US" altLang="ko-KR" sz="900" b="1"/>
+              <a:t>region : us, zone : a </a:t>
+            </a:r>
+          </a:p>
+          <a:p>
+            <a:pPr algn="ctr"/>
+            <a:r>
+              <a:rPr lang="en-US" altLang="ko-KR" sz="900"/>
+              <a:t>Worker Node 3</a:t>
+            </a:r>
+            <a:endParaRPr lang="ko-KR" altLang="en-US" sz="900"/>
+          </a:p>
+        </p:txBody>
+      </p:sp>
+      <p:sp>
+        <p:nvSpPr>
+          <p:cNvPr id="47" name="사각형: 둥근 모서리 29">
+            <a:extLst>
+              <a:ext uri="{FF2B5EF4-FFF2-40B4-BE49-F238E27FC236}">
+                <a16:creationId xmlns:a16="http://schemas.microsoft.com/office/drawing/2014/main" id="{E6E4D2E0-771E-B342-9DBB-02757D8B83E4}"/>
+              </a:ext>
+            </a:extLst>
+          </p:cNvPr>
+          <p:cNvSpPr/>
+          <p:nvPr/>
+        </p:nvSpPr>
+        <p:spPr>
+          <a:xfrm>
+            <a:off x="4660564" y="3134909"/>
+            <a:ext cx="1452797" cy="864096"/>
+          </a:xfrm>
+          <a:prstGeom prst="roundRect">
+            <a:avLst>
+              <a:gd name="adj" fmla="val 11707"/>
+            </a:avLst>
+          </a:prstGeom>
+          <a:ln w="12700">
+            <a:prstDash val="solid"/>
+          </a:ln>
+        </p:spPr>
+        <p:style>
+          <a:lnRef idx="2">
+            <a:schemeClr val="dk1"/>
+          </a:lnRef>
+          <a:fillRef idx="1">
+            <a:schemeClr val="lt1"/>
+          </a:fillRef>
+          <a:effectRef idx="0">
+            <a:schemeClr val="dk1"/>
+          </a:effectRef>
+          <a:fontRef idx="minor">
+            <a:schemeClr val="dk1"/>
+          </a:fontRef>
+        </p:style>
+        <p:txBody>
+          <a:bodyPr rtlCol="0" anchor="b"/>
+          <a:lstStyle/>
+          <a:p>
+            <a:pPr algn="ctr"/>
+            <a:r>
+              <a:rPr lang="en-US" altLang="ko-KR" sz="900" b="1"/>
+              <a:t>helloworld-us-a</a:t>
+            </a:r>
+            <a:r>
+              <a:rPr lang="en-US" altLang="ko-KR" sz="900"/>
+              <a:t> </a:t>
+            </a:r>
+          </a:p>
+          <a:p>
+            <a:pPr algn="ctr"/>
+            <a:r>
+              <a:rPr lang="en-US" altLang="ko-KR" sz="900"/>
+              <a:t>Deployment</a:t>
+            </a:r>
+            <a:endParaRPr lang="ko-KR" altLang="en-US" sz="900"/>
+          </a:p>
+        </p:txBody>
+      </p:sp>
+      <p:grpSp>
+        <p:nvGrpSpPr>
+          <p:cNvPr id="48" name="Group 47">
+            <a:extLst>
+              <a:ext uri="{FF2B5EF4-FFF2-40B4-BE49-F238E27FC236}">
+                <a16:creationId xmlns:a16="http://schemas.microsoft.com/office/drawing/2014/main" id="{CAB88C70-233E-3942-A59B-C3B13651F0D2}"/>
+              </a:ext>
+            </a:extLst>
+          </p:cNvPr>
+          <p:cNvGrpSpPr/>
+          <p:nvPr/>
+        </p:nvGrpSpPr>
+        <p:grpSpPr>
+          <a:xfrm>
+            <a:off x="4784245" y="3242920"/>
+            <a:ext cx="1205434" cy="360040"/>
+            <a:chOff x="296560" y="3039802"/>
+            <a:chExt cx="1205434" cy="360040"/>
+          </a:xfrm>
+        </p:grpSpPr>
+        <p:sp>
+          <p:nvSpPr>
+            <p:cNvPr id="49" name="사각형: 둥근 모서리 29">
+              <a:extLst>
+                <a:ext uri="{FF2B5EF4-FFF2-40B4-BE49-F238E27FC236}">
+                  <a16:creationId xmlns:a16="http://schemas.microsoft.com/office/drawing/2014/main" id="{04ACA664-60CB-854A-9301-920EB5FD70A8}"/>
+                </a:ext>
+              </a:extLst>
+            </p:cNvPr>
+            <p:cNvSpPr/>
+            <p:nvPr/>
+          </p:nvSpPr>
+          <p:spPr>
+            <a:xfrm>
+              <a:off x="296560" y="3039802"/>
+              <a:ext cx="547268" cy="360040"/>
+            </a:xfrm>
+            <a:prstGeom prst="roundRect">
+              <a:avLst>
+                <a:gd name="adj" fmla="val 17374"/>
+              </a:avLst>
+            </a:prstGeom>
+            <a:ln w="12700"/>
+          </p:spPr>
+          <p:style>
+            <a:lnRef idx="2">
+              <a:schemeClr val="dk1"/>
+            </a:lnRef>
+            <a:fillRef idx="1">
+              <a:schemeClr val="lt1"/>
+            </a:fillRef>
+            <a:effectRef idx="0">
+              <a:schemeClr val="dk1"/>
+            </a:effectRef>
+            <a:fontRef idx="minor">
+              <a:schemeClr val="dk1"/>
+            </a:fontRef>
+          </p:style>
+          <p:txBody>
+            <a:bodyPr rtlCol="0" anchor="ctr"/>
+            <a:lstStyle/>
+            <a:p>
+              <a:pPr algn="ctr"/>
+              <a:r>
+                <a:rPr lang="en-US" altLang="ko-KR" sz="900"/>
+                <a:t>Pod</a:t>
+              </a:r>
+              <a:endParaRPr lang="ko-KR" altLang="en-US" sz="900"/>
+            </a:p>
+          </p:txBody>
+        </p:sp>
+        <p:sp>
+          <p:nvSpPr>
+            <p:cNvPr id="50" name="사각형: 둥근 모서리 29">
+              <a:extLst>
+                <a:ext uri="{FF2B5EF4-FFF2-40B4-BE49-F238E27FC236}">
+                  <a16:creationId xmlns:a16="http://schemas.microsoft.com/office/drawing/2014/main" id="{02E7DD06-53BF-7548-908A-F01D75C9A08E}"/>
+                </a:ext>
+              </a:extLst>
+            </p:cNvPr>
+            <p:cNvSpPr/>
+            <p:nvPr/>
+          </p:nvSpPr>
+          <p:spPr>
+            <a:xfrm>
+              <a:off x="954726" y="3039802"/>
+              <a:ext cx="547268" cy="360040"/>
+            </a:xfrm>
+            <a:prstGeom prst="roundRect">
+              <a:avLst>
+                <a:gd name="adj" fmla="val 17374"/>
+              </a:avLst>
+            </a:prstGeom>
+            <a:ln w="12700"/>
+          </p:spPr>
+          <p:style>
+            <a:lnRef idx="2">
+              <a:schemeClr val="dk1"/>
+            </a:lnRef>
+            <a:fillRef idx="1">
+              <a:schemeClr val="lt1"/>
+            </a:fillRef>
+            <a:effectRef idx="0">
+              <a:schemeClr val="dk1"/>
+            </a:effectRef>
+            <a:fontRef idx="minor">
+              <a:schemeClr val="dk1"/>
+            </a:fontRef>
+          </p:style>
+          <p:txBody>
+            <a:bodyPr rtlCol="0" anchor="ctr"/>
+            <a:lstStyle/>
+            <a:p>
+              <a:pPr algn="ctr"/>
+              <a:r>
+                <a:rPr lang="en-US" altLang="ko-KR" sz="900"/>
+                <a:t>Pod</a:t>
+              </a:r>
+              <a:endParaRPr lang="ko-KR" altLang="en-US" sz="900"/>
+            </a:p>
+          </p:txBody>
+        </p:sp>
+      </p:grpSp>
+      <p:sp>
+        <p:nvSpPr>
+          <p:cNvPr id="51" name="사각형: 둥근 모서리 29">
+            <a:extLst>
+              <a:ext uri="{FF2B5EF4-FFF2-40B4-BE49-F238E27FC236}">
+                <a16:creationId xmlns:a16="http://schemas.microsoft.com/office/drawing/2014/main" id="{5483AB7D-1D0D-6440-83D6-6DFD74FE0587}"/>
+              </a:ext>
+            </a:extLst>
+          </p:cNvPr>
+          <p:cNvSpPr/>
+          <p:nvPr/>
+        </p:nvSpPr>
+        <p:spPr>
+          <a:xfrm>
+            <a:off x="6437432" y="3026053"/>
+            <a:ext cx="1639925" cy="1367777"/>
+          </a:xfrm>
+          <a:prstGeom prst="roundRect">
+            <a:avLst>
+              <a:gd name="adj" fmla="val 7396"/>
+            </a:avLst>
+          </a:prstGeom>
+          <a:ln w="12700"/>
+        </p:spPr>
+        <p:style>
+          <a:lnRef idx="2">
+            <a:schemeClr val="dk1"/>
+          </a:lnRef>
+          <a:fillRef idx="1">
+            <a:schemeClr val="lt1"/>
+          </a:fillRef>
+          <a:effectRef idx="0">
+            <a:schemeClr val="dk1"/>
+          </a:effectRef>
+          <a:fontRef idx="minor">
+            <a:schemeClr val="dk1"/>
+          </a:fontRef>
+        </p:style>
+        <p:txBody>
+          <a:bodyPr rtlCol="0" anchor="b"/>
+          <a:lstStyle/>
+          <a:p>
+            <a:pPr algn="ctr"/>
+            <a:r>
+              <a:rPr lang="en-US" altLang="ko-KR" sz="900" b="1"/>
+              <a:t>region : us, zone : b </a:t>
+            </a:r>
+          </a:p>
+          <a:p>
+            <a:pPr algn="ctr"/>
+            <a:r>
+              <a:rPr lang="en-US" altLang="ko-KR" sz="900"/>
+              <a:t>Worker Node 4</a:t>
+            </a:r>
+            <a:endParaRPr lang="ko-KR" altLang="en-US" sz="900"/>
+          </a:p>
+        </p:txBody>
+      </p:sp>
+      <p:sp>
+        <p:nvSpPr>
+          <p:cNvPr id="52" name="사각형: 둥근 모서리 29">
+            <a:extLst>
+              <a:ext uri="{FF2B5EF4-FFF2-40B4-BE49-F238E27FC236}">
+                <a16:creationId xmlns:a16="http://schemas.microsoft.com/office/drawing/2014/main" id="{AA0210A0-AF36-C149-B7DE-97C34B351542}"/>
+              </a:ext>
+            </a:extLst>
+          </p:cNvPr>
+          <p:cNvSpPr/>
+          <p:nvPr/>
+        </p:nvSpPr>
+        <p:spPr>
+          <a:xfrm>
+            <a:off x="6529384" y="3128585"/>
+            <a:ext cx="1452797" cy="864096"/>
+          </a:xfrm>
+          <a:prstGeom prst="roundRect">
+            <a:avLst>
+              <a:gd name="adj" fmla="val 11707"/>
+            </a:avLst>
+          </a:prstGeom>
+          <a:ln w="12700">
+            <a:prstDash val="solid"/>
+          </a:ln>
+        </p:spPr>
+        <p:style>
+          <a:lnRef idx="2">
+            <a:schemeClr val="dk1"/>
+          </a:lnRef>
+          <a:fillRef idx="1">
+            <a:schemeClr val="lt1"/>
+          </a:fillRef>
+          <a:effectRef idx="0">
+            <a:schemeClr val="dk1"/>
+          </a:effectRef>
+          <a:fontRef idx="minor">
+            <a:schemeClr val="dk1"/>
+          </a:fontRef>
+        </p:style>
+        <p:txBody>
+          <a:bodyPr rtlCol="0" anchor="b"/>
+          <a:lstStyle/>
+          <a:p>
+            <a:pPr algn="ctr"/>
+            <a:r>
+              <a:rPr lang="en-US" altLang="ko-KR" sz="900" b="1"/>
+              <a:t>helloworld-us-b</a:t>
+            </a:r>
+            <a:r>
+              <a:rPr lang="en-US" altLang="ko-KR" sz="900"/>
+              <a:t> </a:t>
+            </a:r>
+          </a:p>
+          <a:p>
+            <a:pPr algn="ctr"/>
+            <a:r>
+              <a:rPr lang="en-US" altLang="ko-KR" sz="900"/>
+              <a:t>Deployment</a:t>
+            </a:r>
+            <a:endParaRPr lang="ko-KR" altLang="en-US" sz="900"/>
+          </a:p>
+        </p:txBody>
+      </p:sp>
+      <p:grpSp>
+        <p:nvGrpSpPr>
+          <p:cNvPr id="53" name="Group 52">
+            <a:extLst>
+              <a:ext uri="{FF2B5EF4-FFF2-40B4-BE49-F238E27FC236}">
+                <a16:creationId xmlns:a16="http://schemas.microsoft.com/office/drawing/2014/main" id="{3C3CBB19-FD1D-7B49-8F0B-0B2E2A0AEEE1}"/>
+              </a:ext>
+            </a:extLst>
+          </p:cNvPr>
+          <p:cNvGrpSpPr/>
+          <p:nvPr/>
+        </p:nvGrpSpPr>
+        <p:grpSpPr>
+          <a:xfrm>
+            <a:off x="6653065" y="3236596"/>
+            <a:ext cx="1205434" cy="360040"/>
+            <a:chOff x="296560" y="3039802"/>
+            <a:chExt cx="1205434" cy="360040"/>
+          </a:xfrm>
+        </p:grpSpPr>
+        <p:sp>
+          <p:nvSpPr>
+            <p:cNvPr id="54" name="사각형: 둥근 모서리 29">
+              <a:extLst>
+                <a:ext uri="{FF2B5EF4-FFF2-40B4-BE49-F238E27FC236}">
+                  <a16:creationId xmlns:a16="http://schemas.microsoft.com/office/drawing/2014/main" id="{372CEF62-6428-0A49-97C2-4C6734F3B862}"/>
+                </a:ext>
+              </a:extLst>
+            </p:cNvPr>
+            <p:cNvSpPr/>
+            <p:nvPr/>
+          </p:nvSpPr>
+          <p:spPr>
+            <a:xfrm>
+              <a:off x="296560" y="3039802"/>
+              <a:ext cx="547268" cy="360040"/>
+            </a:xfrm>
+            <a:prstGeom prst="roundRect">
+              <a:avLst>
+                <a:gd name="adj" fmla="val 17374"/>
+              </a:avLst>
+            </a:prstGeom>
+            <a:ln w="12700"/>
+          </p:spPr>
+          <p:style>
+            <a:lnRef idx="2">
+              <a:schemeClr val="dk1"/>
+            </a:lnRef>
+            <a:fillRef idx="1">
+              <a:schemeClr val="lt1"/>
+            </a:fillRef>
+            <a:effectRef idx="0">
+              <a:schemeClr val="dk1"/>
+            </a:effectRef>
+            <a:fontRef idx="minor">
+              <a:schemeClr val="dk1"/>
+            </a:fontRef>
+          </p:style>
+          <p:txBody>
+            <a:bodyPr rtlCol="0" anchor="ctr"/>
+            <a:lstStyle/>
+            <a:p>
+              <a:pPr algn="ctr"/>
+              <a:r>
+                <a:rPr lang="en-US" altLang="ko-KR" sz="900"/>
+                <a:t>Pod</a:t>
+              </a:r>
+              <a:endParaRPr lang="ko-KR" altLang="en-US" sz="900"/>
+            </a:p>
+          </p:txBody>
+        </p:sp>
+        <p:sp>
+          <p:nvSpPr>
+            <p:cNvPr id="55" name="사각형: 둥근 모서리 29">
+              <a:extLst>
+                <a:ext uri="{FF2B5EF4-FFF2-40B4-BE49-F238E27FC236}">
+                  <a16:creationId xmlns:a16="http://schemas.microsoft.com/office/drawing/2014/main" id="{7FD6CB8D-70B9-954C-9E3F-FF97615642BA}"/>
+                </a:ext>
+              </a:extLst>
+            </p:cNvPr>
+            <p:cNvSpPr/>
+            <p:nvPr/>
+          </p:nvSpPr>
+          <p:spPr>
+            <a:xfrm>
+              <a:off x="954726" y="3039802"/>
+              <a:ext cx="547268" cy="360040"/>
+            </a:xfrm>
+            <a:prstGeom prst="roundRect">
+              <a:avLst>
+                <a:gd name="adj" fmla="val 17374"/>
+              </a:avLst>
+            </a:prstGeom>
+            <a:ln w="12700"/>
+          </p:spPr>
+          <p:style>
+            <a:lnRef idx="2">
+              <a:schemeClr val="dk1"/>
+            </a:lnRef>
+            <a:fillRef idx="1">
+              <a:schemeClr val="lt1"/>
+            </a:fillRef>
+            <a:effectRef idx="0">
+              <a:schemeClr val="dk1"/>
+            </a:effectRef>
+            <a:fontRef idx="minor">
+              <a:schemeClr val="dk1"/>
+            </a:fontRef>
+          </p:style>
+          <p:txBody>
+            <a:bodyPr rtlCol="0" anchor="ctr"/>
+            <a:lstStyle/>
+            <a:p>
+              <a:pPr algn="ctr"/>
+              <a:r>
+                <a:rPr lang="en-US" altLang="ko-KR" sz="900"/>
+                <a:t>Pod</a:t>
+              </a:r>
+              <a:endParaRPr lang="ko-KR" altLang="en-US" sz="900"/>
+            </a:p>
+          </p:txBody>
+        </p:sp>
+      </p:grpSp>
+      <p:cxnSp>
+        <p:nvCxnSpPr>
+          <p:cNvPr id="74" name="Elbow Connector 73">
+            <a:extLst>
+              <a:ext uri="{FF2B5EF4-FFF2-40B4-BE49-F238E27FC236}">
+                <a16:creationId xmlns:a16="http://schemas.microsoft.com/office/drawing/2014/main" id="{C00A727F-10B2-174F-AA4F-D7BB7AC90648}"/>
+              </a:ext>
+            </a:extLst>
+          </p:cNvPr>
+          <p:cNvCxnSpPr>
+            <a:cxnSpLocks/>
+            <a:stCxn id="72" idx="2"/>
+            <a:endCxn id="47" idx="0"/>
+          </p:cNvCxnSpPr>
+          <p:nvPr/>
+        </p:nvCxnSpPr>
+        <p:spPr>
+          <a:xfrm rot="16200000" flipH="1">
+            <a:off x="4667877" y="2415822"/>
+            <a:ext cx="503681" cy="934492"/>
+          </a:xfrm>
+          <a:prstGeom prst="bentConnector3">
+            <a:avLst>
+              <a:gd name="adj1" fmla="val 50000"/>
+            </a:avLst>
+          </a:prstGeom>
+          <a:ln w="12700">
+            <a:solidFill>
+              <a:schemeClr val="tx1"/>
+            </a:solidFill>
+            <a:tailEnd type="triangle"/>
+          </a:ln>
+        </p:spPr>
+        <p:style>
+          <a:lnRef idx="1">
+            <a:schemeClr val="accent1"/>
+          </a:lnRef>
+          <a:fillRef idx="0">
+            <a:schemeClr val="accent1"/>
+          </a:fillRef>
+          <a:effectRef idx="0">
+            <a:schemeClr val="accent1"/>
+          </a:effectRef>
+          <a:fontRef idx="minor">
+            <a:schemeClr val="tx1"/>
+          </a:fontRef>
+        </p:style>
+      </p:cxnSp>
+      <p:sp>
+        <p:nvSpPr>
+          <p:cNvPr id="79" name="사각형: 둥근 모서리 29">
+            <a:extLst>
+              <a:ext uri="{FF2B5EF4-FFF2-40B4-BE49-F238E27FC236}">
+                <a16:creationId xmlns:a16="http://schemas.microsoft.com/office/drawing/2014/main" id="{444A8DB3-4DB9-2048-822C-5CFE4FE154F8}"/>
+              </a:ext>
+            </a:extLst>
+          </p:cNvPr>
+          <p:cNvSpPr/>
+          <p:nvPr/>
+        </p:nvSpPr>
+        <p:spPr>
+          <a:xfrm>
+            <a:off x="3813466" y="1401006"/>
+            <a:ext cx="1278007" cy="525929"/>
+          </a:xfrm>
+          <a:prstGeom prst="roundRect">
+            <a:avLst>
+              <a:gd name="adj" fmla="val 11707"/>
+            </a:avLst>
+          </a:prstGeom>
+          <a:ln w="12700">
+            <a:prstDash val="solid"/>
+          </a:ln>
+        </p:spPr>
+        <p:style>
+          <a:lnRef idx="2">
+            <a:schemeClr val="dk1"/>
+          </a:lnRef>
+          <a:fillRef idx="1">
+            <a:schemeClr val="lt1"/>
+          </a:fillRef>
+          <a:effectRef idx="0">
+            <a:schemeClr val="dk1"/>
+          </a:effectRef>
+          <a:fontRef idx="minor">
+            <a:schemeClr val="dk1"/>
+          </a:fontRef>
+        </p:style>
+        <p:txBody>
+          <a:bodyPr rtlCol="0" anchor="ctr"/>
+          <a:lstStyle/>
+          <a:p>
+            <a:pPr algn="ctr"/>
+            <a:r>
+              <a:rPr lang="en-US" altLang="ko-KR" sz="900" b="1"/>
+              <a:t>helloworld</a:t>
+            </a:r>
+            <a:r>
+              <a:rPr lang="en-US" altLang="ko-KR" sz="900"/>
+              <a:t> DestinationRule</a:t>
+            </a:r>
+            <a:endParaRPr lang="ko-KR" altLang="en-US" sz="900"/>
+          </a:p>
+        </p:txBody>
+      </p:sp>
+      <p:sp>
+        <p:nvSpPr>
+          <p:cNvPr id="80" name="사각형: 둥근 모서리 29">
+            <a:extLst>
+              <a:ext uri="{FF2B5EF4-FFF2-40B4-BE49-F238E27FC236}">
+                <a16:creationId xmlns:a16="http://schemas.microsoft.com/office/drawing/2014/main" id="{E6191776-AD2A-C742-8CCC-1CC0F29361E8}"/>
+              </a:ext>
+            </a:extLst>
+          </p:cNvPr>
+          <p:cNvSpPr/>
+          <p:nvPr/>
+        </p:nvSpPr>
+        <p:spPr>
+          <a:xfrm>
+            <a:off x="3813466" y="699542"/>
+            <a:ext cx="1278007" cy="525929"/>
+          </a:xfrm>
+          <a:prstGeom prst="roundRect">
+            <a:avLst>
+              <a:gd name="adj" fmla="val 11707"/>
+            </a:avLst>
+          </a:prstGeom>
+          <a:ln w="12700">
+            <a:prstDash val="solid"/>
+          </a:ln>
+        </p:spPr>
+        <p:style>
+          <a:lnRef idx="2">
+            <a:schemeClr val="dk1"/>
+          </a:lnRef>
+          <a:fillRef idx="1">
+            <a:schemeClr val="lt1"/>
+          </a:fillRef>
+          <a:effectRef idx="0">
+            <a:schemeClr val="dk1"/>
+          </a:effectRef>
+          <a:fontRef idx="minor">
+            <a:schemeClr val="dk1"/>
+          </a:fontRef>
+        </p:style>
+        <p:txBody>
+          <a:bodyPr rtlCol="0" anchor="ctr"/>
+          <a:lstStyle/>
+          <a:p>
+            <a:pPr algn="ctr"/>
+            <a:r>
+              <a:rPr lang="en-US" altLang="ko-KR" sz="900" b="1"/>
+              <a:t>helloworld</a:t>
+            </a:r>
+            <a:r>
+              <a:rPr lang="en-US" altLang="ko-KR" sz="900"/>
+              <a:t> VirtualService</a:t>
+            </a:r>
+            <a:endParaRPr lang="ko-KR" altLang="en-US" sz="900"/>
+          </a:p>
+        </p:txBody>
+      </p:sp>
+      <p:cxnSp>
+        <p:nvCxnSpPr>
+          <p:cNvPr id="81" name="Elbow Connector 80">
+            <a:extLst>
+              <a:ext uri="{FF2B5EF4-FFF2-40B4-BE49-F238E27FC236}">
+                <a16:creationId xmlns:a16="http://schemas.microsoft.com/office/drawing/2014/main" id="{68BEF10E-5023-4744-A438-A6E02108242A}"/>
+              </a:ext>
+            </a:extLst>
+          </p:cNvPr>
+          <p:cNvCxnSpPr>
+            <a:cxnSpLocks/>
+            <a:stCxn id="71" idx="0"/>
+            <a:endCxn id="80" idx="1"/>
+          </p:cNvCxnSpPr>
+          <p:nvPr/>
+        </p:nvCxnSpPr>
+        <p:spPr>
+          <a:xfrm rot="5400000" flipH="1" flipV="1">
+            <a:off x="2073704" y="534737"/>
+            <a:ext cx="1311992" cy="2167532"/>
+          </a:xfrm>
+          <a:prstGeom prst="bentConnector2">
+            <a:avLst/>
+          </a:prstGeom>
+          <a:ln w="12700">
+            <a:solidFill>
+              <a:schemeClr val="tx1"/>
+            </a:solidFill>
+            <a:tailEnd type="triangle"/>
+          </a:ln>
+        </p:spPr>
+        <p:style>
+          <a:lnRef idx="1">
+            <a:schemeClr val="accent1"/>
+          </a:lnRef>
+          <a:fillRef idx="0">
+            <a:schemeClr val="accent1"/>
+          </a:fillRef>
+          <a:effectRef idx="0">
+            <a:schemeClr val="accent1"/>
+          </a:effectRef>
+          <a:fontRef idx="minor">
+            <a:schemeClr val="tx1"/>
+          </a:fontRef>
+        </p:style>
+      </p:cxnSp>
+      <p:cxnSp>
+        <p:nvCxnSpPr>
+          <p:cNvPr id="25" name="Straight Arrow Connector 24">
+            <a:extLst>
+              <a:ext uri="{FF2B5EF4-FFF2-40B4-BE49-F238E27FC236}">
+                <a16:creationId xmlns:a16="http://schemas.microsoft.com/office/drawing/2014/main" id="{DCF2D692-DFA3-F043-9FD1-A63F7A2BEF86}"/>
+              </a:ext>
+            </a:extLst>
+          </p:cNvPr>
+          <p:cNvCxnSpPr>
+            <a:stCxn id="80" idx="2"/>
+            <a:endCxn id="79" idx="0"/>
+          </p:cNvCxnSpPr>
+          <p:nvPr/>
+        </p:nvCxnSpPr>
+        <p:spPr>
+          <a:xfrm>
+            <a:off x="4452470" y="1225471"/>
+            <a:ext cx="0" cy="175535"/>
+          </a:xfrm>
+          <a:prstGeom prst="straightConnector1">
+            <a:avLst/>
+          </a:prstGeom>
+          <a:ln>
+            <a:solidFill>
+              <a:schemeClr val="tx1"/>
+            </a:solidFill>
+            <a:tailEnd type="triangle"/>
+          </a:ln>
+        </p:spPr>
+        <p:style>
+          <a:lnRef idx="1">
+            <a:schemeClr val="accent1"/>
+          </a:lnRef>
+          <a:fillRef idx="0">
+            <a:schemeClr val="accent1"/>
+          </a:fillRef>
+          <a:effectRef idx="0">
+            <a:schemeClr val="accent1"/>
+          </a:effectRef>
+          <a:fontRef idx="minor">
+            <a:schemeClr val="tx1"/>
+          </a:fontRef>
+        </p:style>
+      </p:cxnSp>
+      <p:cxnSp>
+        <p:nvCxnSpPr>
+          <p:cNvPr id="82" name="Straight Arrow Connector 81">
+            <a:extLst>
+              <a:ext uri="{FF2B5EF4-FFF2-40B4-BE49-F238E27FC236}">
+                <a16:creationId xmlns:a16="http://schemas.microsoft.com/office/drawing/2014/main" id="{5729BE17-B09B-C84E-87BE-6F5682769182}"/>
+              </a:ext>
+            </a:extLst>
+          </p:cNvPr>
+          <p:cNvCxnSpPr>
+            <a:cxnSpLocks/>
+            <a:stCxn id="79" idx="2"/>
+            <a:endCxn id="72" idx="0"/>
+          </p:cNvCxnSpPr>
+          <p:nvPr/>
+        </p:nvCxnSpPr>
+        <p:spPr>
+          <a:xfrm>
+            <a:off x="4452470" y="1926935"/>
+            <a:ext cx="1" cy="178364"/>
+          </a:xfrm>
+          <a:prstGeom prst="straightConnector1">
+            <a:avLst/>
+          </a:prstGeom>
+          <a:ln>
+            <a:solidFill>
+              <a:schemeClr val="tx1"/>
+            </a:solidFill>
+            <a:tailEnd type="triangle"/>
+          </a:ln>
+        </p:spPr>
+        <p:style>
+          <a:lnRef idx="1">
+            <a:schemeClr val="accent1"/>
+          </a:lnRef>
+          <a:fillRef idx="0">
+            <a:schemeClr val="accent1"/>
+          </a:fillRef>
+          <a:effectRef idx="0">
+            <a:schemeClr val="accent1"/>
+          </a:effectRef>
+          <a:fontRef idx="minor">
+            <a:schemeClr val="tx1"/>
+          </a:fontRef>
+        </p:style>
+      </p:cxnSp>
+      <p:cxnSp>
+        <p:nvCxnSpPr>
+          <p:cNvPr id="29" name="Elbow Connector 28">
+            <a:extLst>
+              <a:ext uri="{FF2B5EF4-FFF2-40B4-BE49-F238E27FC236}">
+                <a16:creationId xmlns:a16="http://schemas.microsoft.com/office/drawing/2014/main" id="{3E257327-B64B-9A46-A341-CBD1AFEA4E15}"/>
+              </a:ext>
+            </a:extLst>
+          </p:cNvPr>
+          <p:cNvCxnSpPr>
+            <a:cxnSpLocks/>
+            <a:stCxn id="72" idx="2"/>
+            <a:endCxn id="52" idx="0"/>
+          </p:cNvCxnSpPr>
+          <p:nvPr/>
+        </p:nvCxnSpPr>
+        <p:spPr>
+          <a:xfrm rot="16200000" flipH="1">
+            <a:off x="5605449" y="1478250"/>
+            <a:ext cx="497357" cy="2803312"/>
+          </a:xfrm>
+          <a:prstGeom prst="bentConnector3">
+            <a:avLst>
+              <a:gd name="adj1" fmla="val 50000"/>
+            </a:avLst>
+          </a:prstGeom>
+          <a:ln w="12700">
+            <a:solidFill>
+              <a:schemeClr val="tx1"/>
+            </a:solidFill>
+            <a:tailEnd type="triangle"/>
+          </a:ln>
+        </p:spPr>
+        <p:style>
+          <a:lnRef idx="1">
+            <a:schemeClr val="accent1"/>
+          </a:lnRef>
+          <a:fillRef idx="0">
+            <a:schemeClr val="accent1"/>
+          </a:fillRef>
+          <a:effectRef idx="0">
+            <a:schemeClr val="accent1"/>
+          </a:effectRef>
+          <a:fontRef idx="minor">
+            <a:schemeClr val="tx1"/>
+          </a:fontRef>
+        </p:style>
+      </p:cxnSp>
+      <p:sp>
+        <p:nvSpPr>
+          <p:cNvPr id="33" name="사각형: 둥근 모서리 29">
+            <a:extLst>
+              <a:ext uri="{FF2B5EF4-FFF2-40B4-BE49-F238E27FC236}">
+                <a16:creationId xmlns:a16="http://schemas.microsoft.com/office/drawing/2014/main" id="{F637E9A8-D8B4-2B4A-B456-A83F5872381A}"/>
+              </a:ext>
+            </a:extLst>
+          </p:cNvPr>
+          <p:cNvSpPr/>
+          <p:nvPr/>
+        </p:nvSpPr>
+        <p:spPr>
+          <a:xfrm>
+            <a:off x="4977893" y="2588526"/>
+            <a:ext cx="547268" cy="360040"/>
+          </a:xfrm>
+          <a:prstGeom prst="roundRect">
+            <a:avLst>
+              <a:gd name="adj" fmla="val 17374"/>
+            </a:avLst>
+          </a:prstGeom>
+          <a:noFill/>
+          <a:ln w="12700">
+            <a:noFill/>
+          </a:ln>
+        </p:spPr>
+        <p:style>
+          <a:lnRef idx="2">
+            <a:schemeClr val="dk1"/>
+          </a:lnRef>
+          <a:fillRef idx="1">
+            <a:schemeClr val="lt1"/>
+          </a:fillRef>
+          <a:effectRef idx="0">
+            <a:schemeClr val="dk1"/>
+          </a:effectRef>
+          <a:fontRef idx="minor">
+            <a:schemeClr val="dk1"/>
+          </a:fontRef>
+        </p:style>
+        <p:txBody>
+          <a:bodyPr rtlCol="0" anchor="ctr"/>
+          <a:lstStyle/>
+          <a:p>
+            <a:pPr algn="ctr"/>
+            <a:r>
+              <a:rPr lang="en-US" altLang="ko-KR" sz="900" b="1"/>
+              <a:t>20</a:t>
+            </a:r>
+            <a:endParaRPr lang="ko-KR" altLang="en-US" sz="900" b="1"/>
+          </a:p>
+        </p:txBody>
+      </p:sp>
+      <p:sp>
+        <p:nvSpPr>
+          <p:cNvPr id="34" name="사각형: 둥근 모서리 29">
+            <a:extLst>
+              <a:ext uri="{FF2B5EF4-FFF2-40B4-BE49-F238E27FC236}">
+                <a16:creationId xmlns:a16="http://schemas.microsoft.com/office/drawing/2014/main" id="{4C9A5755-7EE7-5F49-9BBC-125AF736DFB8}"/>
+              </a:ext>
+            </a:extLst>
+          </p:cNvPr>
+          <p:cNvSpPr/>
+          <p:nvPr/>
+        </p:nvSpPr>
+        <p:spPr>
+          <a:xfrm>
+            <a:off x="6798080" y="2582202"/>
+            <a:ext cx="547268" cy="360040"/>
+          </a:xfrm>
+          <a:prstGeom prst="roundRect">
+            <a:avLst>
+              <a:gd name="adj" fmla="val 17374"/>
+            </a:avLst>
+          </a:prstGeom>
+          <a:noFill/>
+          <a:ln w="12700">
+            <a:noFill/>
+          </a:ln>
+        </p:spPr>
+        <p:style>
+          <a:lnRef idx="2">
+            <a:schemeClr val="dk1"/>
+          </a:lnRef>
+          <a:fillRef idx="1">
+            <a:schemeClr val="lt1"/>
+          </a:fillRef>
+          <a:effectRef idx="0">
+            <a:schemeClr val="dk1"/>
+          </a:effectRef>
+          <a:fontRef idx="minor">
+            <a:schemeClr val="dk1"/>
+          </a:fontRef>
+        </p:style>
+        <p:txBody>
+          <a:bodyPr rtlCol="0" anchor="ctr"/>
+          <a:lstStyle/>
+          <a:p>
+            <a:pPr algn="ctr"/>
+            <a:r>
+              <a:rPr lang="en-US" altLang="ko-KR" sz="900" b="1"/>
+              <a:t>80</a:t>
+            </a:r>
+            <a:endParaRPr lang="ko-KR" altLang="en-US" sz="900" b="1"/>
+          </a:p>
+        </p:txBody>
+      </p:sp>
+    </p:spTree>
+    <p:extLst>
+      <p:ext uri="{BB962C8B-B14F-4D97-AF65-F5344CB8AC3E}">
+        <p14:creationId xmlns:p14="http://schemas.microsoft.com/office/powerpoint/2010/main" val="2619341401"/>
+      </p:ext>
+    </p:extLst>
+  </p:cSld>
+  <p:clrMapOvr>
+    <a:masterClrMapping/>
+  </p:clrMapOvr>
+</p:sld>
+</file>
+
+<file path=ppt/slides/slide7.xml><?xml version="1.0" encoding="utf-8"?>
+<p:sld xmlns:a="http://schemas.openxmlformats.org/drawingml/2006/main" xmlns:r="http://schemas.openxmlformats.org/officeDocument/2006/relationships" xmlns:p="http://schemas.openxmlformats.org/presentationml/2006/main">
+  <p:cSld>
+    <p:spTree>
+      <p:nvGrpSpPr>
+        <p:cNvPr id="1" name=""/>
+        <p:cNvGrpSpPr/>
+        <p:nvPr/>
+      </p:nvGrpSpPr>
+      <p:grpSpPr>
+        <a:xfrm>
+          <a:off x="0" y="0"/>
+          <a:ext cx="0" cy="0"/>
+          <a:chOff x="0" y="0"/>
+          <a:chExt cx="0" cy="0"/>
+        </a:xfrm>
+      </p:grpSpPr>
+      <p:sp>
+        <p:nvSpPr>
           <p:cNvPr id="2" name="제목 1">
             <a:extLst>
               <a:ext uri="{FF2B5EF4-FFF2-40B4-BE49-F238E27FC236}">
@@ -10374,7 +11890,7 @@
 </p:sld>
 </file>
 
-<file path=ppt/slides/slide7.xml><?xml version="1.0" encoding="utf-8"?>
+<file path=ppt/slides/slide8.xml><?xml version="1.0" encoding="utf-8"?>
 <p:sld xmlns:a="http://schemas.openxmlformats.org/drawingml/2006/main" xmlns:r="http://schemas.openxmlformats.org/officeDocument/2006/relationships" xmlns:p="http://schemas.openxmlformats.org/presentationml/2006/main">
   <p:cSld>
     <p:spTree>
